--- a/SISAP/000-GERENCIA_DE_PROJETO/ARQ-DOCUMENTO_DE_ARQUITETURA.pptx
+++ b/SISAP/000-GERENCIA_DE_PROJETO/ARQ-DOCUMENTO_DE_ARQUITETURA.pptx
@@ -6,7 +6,7 @@
     <p:sldMasterId id="2147483662" r:id="rId2"/>
   </p:sldMasterIdLst>
   <p:notesMasterIdLst>
-    <p:notesMasterId r:id="rId16"/>
+    <p:notesMasterId r:id="rId15"/>
   </p:notesMasterIdLst>
   <p:sldIdLst>
     <p:sldId id="256" r:id="rId3"/>
@@ -21,33 +21,32 @@
     <p:sldId id="265" r:id="rId12"/>
     <p:sldId id="266" r:id="rId13"/>
     <p:sldId id="267" r:id="rId14"/>
-    <p:sldId id="268" r:id="rId15"/>
   </p:sldIdLst>
   <p:sldSz cx="9144000" cy="6858000" type="screen4x3"/>
   <p:notesSz cx="6858000" cy="9144000"/>
   <p:embeddedFontLst>
     <p:embeddedFont>
       <p:font typeface="PT Sans Narrow" charset="0"/>
-      <p:regular r:id="rId17"/>
-      <p:bold r:id="rId18"/>
+      <p:regular r:id="rId16"/>
+      <p:bold r:id="rId17"/>
     </p:embeddedFont>
     <p:embeddedFont>
       <p:font typeface="Calibri" pitchFamily="34" charset="0"/>
-      <p:regular r:id="rId19"/>
-      <p:bold r:id="rId20"/>
-      <p:italic r:id="rId21"/>
-      <p:boldItalic r:id="rId22"/>
+      <p:regular r:id="rId18"/>
+      <p:bold r:id="rId19"/>
+      <p:italic r:id="rId20"/>
+      <p:boldItalic r:id="rId21"/>
     </p:embeddedFont>
     <p:embeddedFont>
       <p:font typeface="Open Sans" charset="0"/>
-      <p:regular r:id="rId23"/>
-      <p:bold r:id="rId24"/>
-      <p:italic r:id="rId25"/>
-      <p:boldItalic r:id="rId26"/>
+      <p:regular r:id="rId22"/>
+      <p:bold r:id="rId23"/>
+      <p:italic r:id="rId24"/>
+      <p:boldItalic r:id="rId25"/>
     </p:embeddedFont>
   </p:embeddedFontLst>
   <p:defaultTextStyle>
-    <a:defPPr marR="0" algn="l" rtl="0">
+    <a:defPPr marR="0" lvl="0" algn="l" rtl="0">
       <a:lnSpc>
         <a:spcPct val="100000"/>
       </a:lnSpc>
@@ -58,7 +57,7 @@
         <a:spcPts val="0"/>
       </a:spcAft>
     </a:defPPr>
-    <a:lvl1pPr marR="0" algn="l" rtl="0">
+    <a:lvl1pPr marR="0" lvl="0" algn="l" rtl="0">
       <a:lnSpc>
         <a:spcPct val="100000"/>
       </a:lnSpc>
@@ -69,7 +68,7 @@
         <a:spcPts val="0"/>
       </a:spcAft>
       <a:buNone/>
-      <a:defRPr sz="1400" b="0" i="0" u="none" strike="noStrike" cap="none" baseline="0">
+      <a:defRPr sz="1400" b="0" i="0" u="none" strike="noStrike" cap="none">
         <a:solidFill>
           <a:srgbClr val="000000"/>
         </a:solidFill>
@@ -79,7 +78,7 @@
         <a:sym typeface="Arial"/>
       </a:defRPr>
     </a:lvl1pPr>
-    <a:lvl2pPr marR="0" algn="l" rtl="0">
+    <a:lvl2pPr marR="0" lvl="1" algn="l" rtl="0">
       <a:lnSpc>
         <a:spcPct val="100000"/>
       </a:lnSpc>
@@ -90,7 +89,7 @@
         <a:spcPts val="0"/>
       </a:spcAft>
       <a:buNone/>
-      <a:defRPr sz="1400" b="0" i="0" u="none" strike="noStrike" cap="none" baseline="0">
+      <a:defRPr sz="1400" b="0" i="0" u="none" strike="noStrike" cap="none">
         <a:solidFill>
           <a:srgbClr val="000000"/>
         </a:solidFill>
@@ -100,7 +99,7 @@
         <a:sym typeface="Arial"/>
       </a:defRPr>
     </a:lvl2pPr>
-    <a:lvl3pPr marR="0" algn="l" rtl="0">
+    <a:lvl3pPr marR="0" lvl="2" algn="l" rtl="0">
       <a:lnSpc>
         <a:spcPct val="100000"/>
       </a:lnSpc>
@@ -111,7 +110,7 @@
         <a:spcPts val="0"/>
       </a:spcAft>
       <a:buNone/>
-      <a:defRPr sz="1400" b="0" i="0" u="none" strike="noStrike" cap="none" baseline="0">
+      <a:defRPr sz="1400" b="0" i="0" u="none" strike="noStrike" cap="none">
         <a:solidFill>
           <a:srgbClr val="000000"/>
         </a:solidFill>
@@ -121,7 +120,7 @@
         <a:sym typeface="Arial"/>
       </a:defRPr>
     </a:lvl3pPr>
-    <a:lvl4pPr marR="0" algn="l" rtl="0">
+    <a:lvl4pPr marR="0" lvl="3" algn="l" rtl="0">
       <a:lnSpc>
         <a:spcPct val="100000"/>
       </a:lnSpc>
@@ -132,7 +131,7 @@
         <a:spcPts val="0"/>
       </a:spcAft>
       <a:buNone/>
-      <a:defRPr sz="1400" b="0" i="0" u="none" strike="noStrike" cap="none" baseline="0">
+      <a:defRPr sz="1400" b="0" i="0" u="none" strike="noStrike" cap="none">
         <a:solidFill>
           <a:srgbClr val="000000"/>
         </a:solidFill>
@@ -142,7 +141,7 @@
         <a:sym typeface="Arial"/>
       </a:defRPr>
     </a:lvl4pPr>
-    <a:lvl5pPr marR="0" algn="l" rtl="0">
+    <a:lvl5pPr marR="0" lvl="4" algn="l" rtl="0">
       <a:lnSpc>
         <a:spcPct val="100000"/>
       </a:lnSpc>
@@ -153,7 +152,7 @@
         <a:spcPts val="0"/>
       </a:spcAft>
       <a:buNone/>
-      <a:defRPr sz="1400" b="0" i="0" u="none" strike="noStrike" cap="none" baseline="0">
+      <a:defRPr sz="1400" b="0" i="0" u="none" strike="noStrike" cap="none">
         <a:solidFill>
           <a:srgbClr val="000000"/>
         </a:solidFill>
@@ -163,7 +162,7 @@
         <a:sym typeface="Arial"/>
       </a:defRPr>
     </a:lvl5pPr>
-    <a:lvl6pPr marR="0" algn="l" rtl="0">
+    <a:lvl6pPr marR="0" lvl="5" algn="l" rtl="0">
       <a:lnSpc>
         <a:spcPct val="100000"/>
       </a:lnSpc>
@@ -174,7 +173,7 @@
         <a:spcPts val="0"/>
       </a:spcAft>
       <a:buNone/>
-      <a:defRPr sz="1400" b="0" i="0" u="none" strike="noStrike" cap="none" baseline="0">
+      <a:defRPr sz="1400" b="0" i="0" u="none" strike="noStrike" cap="none">
         <a:solidFill>
           <a:srgbClr val="000000"/>
         </a:solidFill>
@@ -184,7 +183,7 @@
         <a:sym typeface="Arial"/>
       </a:defRPr>
     </a:lvl6pPr>
-    <a:lvl7pPr marR="0" algn="l" rtl="0">
+    <a:lvl7pPr marR="0" lvl="6" algn="l" rtl="0">
       <a:lnSpc>
         <a:spcPct val="100000"/>
       </a:lnSpc>
@@ -195,7 +194,7 @@
         <a:spcPts val="0"/>
       </a:spcAft>
       <a:buNone/>
-      <a:defRPr sz="1400" b="0" i="0" u="none" strike="noStrike" cap="none" baseline="0">
+      <a:defRPr sz="1400" b="0" i="0" u="none" strike="noStrike" cap="none">
         <a:solidFill>
           <a:srgbClr val="000000"/>
         </a:solidFill>
@@ -205,7 +204,7 @@
         <a:sym typeface="Arial"/>
       </a:defRPr>
     </a:lvl7pPr>
-    <a:lvl8pPr marR="0" algn="l" rtl="0">
+    <a:lvl8pPr marR="0" lvl="7" algn="l" rtl="0">
       <a:lnSpc>
         <a:spcPct val="100000"/>
       </a:lnSpc>
@@ -216,7 +215,7 @@
         <a:spcPts val="0"/>
       </a:spcAft>
       <a:buNone/>
-      <a:defRPr sz="1400" b="0" i="0" u="none" strike="noStrike" cap="none" baseline="0">
+      <a:defRPr sz="1400" b="0" i="0" u="none" strike="noStrike" cap="none">
         <a:solidFill>
           <a:srgbClr val="000000"/>
         </a:solidFill>
@@ -226,7 +225,7 @@
         <a:sym typeface="Arial"/>
       </a:defRPr>
     </a:lvl8pPr>
-    <a:lvl9pPr marR="0" algn="l" rtl="0">
+    <a:lvl9pPr marR="0" lvl="8" algn="l" rtl="0">
       <a:lnSpc>
         <a:spcPct val="100000"/>
       </a:lnSpc>
@@ -237,7 +236,7 @@
         <a:spcPts val="0"/>
       </a:spcAft>
       <a:buNone/>
-      <a:defRPr sz="1400" b="0" i="0" u="none" strike="noStrike" cap="none" baseline="0">
+      <a:defRPr sz="1400" b="0" i="0" u="none" strike="noStrike" cap="none">
         <a:solidFill>
           <a:srgbClr val="000000"/>
         </a:solidFill>
@@ -261,7 +260,7 @@
     </p:bg>
     <p:spTree>
       <p:nvGrpSpPr>
-        <p:cNvPr id="1" name="Shape 1"/>
+        <p:cNvPr id="1" name="Shape 2"/>
         <p:cNvGrpSpPr/>
         <p:nvPr/>
       </p:nvGrpSpPr>
@@ -275,7 +274,7 @@
       </p:grpSpPr>
       <p:sp>
         <p:nvSpPr>
-          <p:cNvPr id="2" name="Shape 2"/>
+          <p:cNvPr id="3" name="Shape 3"/>
           <p:cNvSpPr>
             <a:spLocks noGrp="1" noRot="1" noChangeAspect="1"/>
           </p:cNvSpPr>
@@ -326,7 +325,7 @@
       </p:sp>
       <p:sp>
         <p:nvSpPr>
-          <p:cNvPr id="3" name="Shape 3"/>
+          <p:cNvPr id="4" name="Shape 4"/>
           <p:cNvSpPr txBox="1">
             <a:spLocks noGrp="1"/>
           </p:cNvSpPr>
@@ -350,55 +349,55 @@
         <p:txBody>
           <a:bodyPr lIns="91425" tIns="91425" rIns="91425" bIns="91425" anchor="t" anchorCtr="0"/>
           <a:lstStyle>
-            <a:lvl1pPr>
+            <a:lvl1pPr lvl="0">
               <a:spcBef>
                 <a:spcPts val="0"/>
               </a:spcBef>
               <a:defRPr sz="1100"/>
             </a:lvl1pPr>
-            <a:lvl2pPr>
+            <a:lvl2pPr lvl="1">
               <a:spcBef>
                 <a:spcPts val="0"/>
               </a:spcBef>
               <a:defRPr sz="1100"/>
             </a:lvl2pPr>
-            <a:lvl3pPr>
+            <a:lvl3pPr lvl="2">
               <a:spcBef>
                 <a:spcPts val="0"/>
               </a:spcBef>
               <a:defRPr sz="1100"/>
             </a:lvl3pPr>
-            <a:lvl4pPr>
+            <a:lvl4pPr lvl="3">
               <a:spcBef>
                 <a:spcPts val="0"/>
               </a:spcBef>
               <a:defRPr sz="1100"/>
             </a:lvl4pPr>
-            <a:lvl5pPr>
+            <a:lvl5pPr lvl="4">
               <a:spcBef>
                 <a:spcPts val="0"/>
               </a:spcBef>
               <a:defRPr sz="1100"/>
             </a:lvl5pPr>
-            <a:lvl6pPr>
+            <a:lvl6pPr lvl="5">
               <a:spcBef>
                 <a:spcPts val="0"/>
               </a:spcBef>
               <a:defRPr sz="1100"/>
             </a:lvl6pPr>
-            <a:lvl7pPr>
+            <a:lvl7pPr lvl="6">
               <a:spcBef>
                 <a:spcPts val="0"/>
               </a:spcBef>
               <a:defRPr sz="1100"/>
             </a:lvl7pPr>
-            <a:lvl8pPr>
+            <a:lvl8pPr lvl="7">
               <a:spcBef>
                 <a:spcPts val="0"/>
               </a:spcBef>
               <a:defRPr sz="1100"/>
             </a:lvl8pPr>
-            <a:lvl9pPr>
+            <a:lvl9pPr lvl="8">
               <a:spcBef>
                 <a:spcPts val="0"/>
               </a:spcBef>
@@ -513,7 +512,7 @@
   <p:cSld>
     <p:spTree>
       <p:nvGrpSpPr>
-        <p:cNvPr id="1" name="Shape 67"/>
+        <p:cNvPr id="1" name="Shape 68"/>
         <p:cNvGrpSpPr/>
         <p:nvPr/>
       </p:nvGrpSpPr>
@@ -527,7 +526,7 @@
       </p:grpSpPr>
       <p:sp>
         <p:nvSpPr>
-          <p:cNvPr id="68" name="Shape 68"/>
+          <p:cNvPr id="69" name="Shape 69"/>
           <p:cNvSpPr txBox="1">
             <a:spLocks noGrp="1"/>
           </p:cNvSpPr>
@@ -550,7 +549,7 @@
           </a:bodyPr>
           <a:lstStyle/>
           <a:p>
-            <a:pPr>
+            <a:pPr lvl="0">
               <a:spcBef>
                 <a:spcPts val="0"/>
               </a:spcBef>
@@ -562,7 +561,7 @@
       </p:sp>
       <p:sp>
         <p:nvSpPr>
-          <p:cNvPr id="69" name="Shape 69"/>
+          <p:cNvPr id="70" name="Shape 70"/>
           <p:cNvSpPr>
             <a:spLocks noGrp="1" noRot="1" noChangeAspect="1"/>
           </p:cNvSpPr>
@@ -624,7 +623,7 @@
   <p:cSld>
     <p:spTree>
       <p:nvGrpSpPr>
-        <p:cNvPr id="1" name="Shape 132"/>
+        <p:cNvPr id="1" name="Shape 133"/>
         <p:cNvGrpSpPr/>
         <p:nvPr/>
       </p:nvGrpSpPr>
@@ -638,7 +637,7 @@
       </p:grpSpPr>
       <p:sp>
         <p:nvSpPr>
-          <p:cNvPr id="133" name="Shape 133"/>
+          <p:cNvPr id="134" name="Shape 134"/>
           <p:cNvSpPr txBox="1">
             <a:spLocks noGrp="1"/>
           </p:cNvSpPr>
@@ -673,7 +672,7 @@
       </p:sp>
       <p:sp>
         <p:nvSpPr>
-          <p:cNvPr id="134" name="Shape 134"/>
+          <p:cNvPr id="135" name="Shape 135"/>
           <p:cNvSpPr>
             <a:spLocks noGrp="1" noRot="1" noChangeAspect="1"/>
           </p:cNvSpPr>
@@ -735,7 +734,7 @@
   <p:cSld>
     <p:spTree>
       <p:nvGrpSpPr>
-        <p:cNvPr id="1" name="Shape 154"/>
+        <p:cNvPr id="1" name="Shape 155"/>
         <p:cNvGrpSpPr/>
         <p:nvPr/>
       </p:nvGrpSpPr>
@@ -749,7 +748,7 @@
       </p:grpSpPr>
       <p:sp>
         <p:nvSpPr>
-          <p:cNvPr id="155" name="Shape 155"/>
+          <p:cNvPr id="156" name="Shape 156"/>
           <p:cNvSpPr txBox="1">
             <a:spLocks noGrp="1"/>
           </p:cNvSpPr>
@@ -784,7 +783,7 @@
       </p:sp>
       <p:sp>
         <p:nvSpPr>
-          <p:cNvPr id="156" name="Shape 156"/>
+          <p:cNvPr id="157" name="Shape 157"/>
           <p:cNvSpPr>
             <a:spLocks noGrp="1" noRot="1" noChangeAspect="1"/>
           </p:cNvSpPr>
@@ -846,7 +845,7 @@
   <p:cSld>
     <p:spTree>
       <p:nvGrpSpPr>
-        <p:cNvPr id="1" name="Shape 175"/>
+        <p:cNvPr id="1" name="Shape 176"/>
         <p:cNvGrpSpPr/>
         <p:nvPr/>
       </p:nvGrpSpPr>
@@ -860,7 +859,7 @@
       </p:grpSpPr>
       <p:sp>
         <p:nvSpPr>
-          <p:cNvPr id="176" name="Shape 176"/>
+          <p:cNvPr id="177" name="Shape 177"/>
           <p:cNvSpPr txBox="1">
             <a:spLocks noGrp="1"/>
           </p:cNvSpPr>
@@ -895,7 +894,7 @@
       </p:sp>
       <p:sp>
         <p:nvSpPr>
-          <p:cNvPr id="177" name="Shape 177"/>
+          <p:cNvPr id="178" name="Shape 178"/>
           <p:cNvSpPr>
             <a:spLocks noGrp="1" noRot="1" noChangeAspect="1"/>
           </p:cNvSpPr>
@@ -952,12 +951,12 @@
 </p:notes>
 </file>
 
-<file path=ppt/notesSlides/notesSlide13.xml><?xml version="1.0" encoding="utf-8"?>
+<file path=ppt/notesSlides/notesSlide2.xml><?xml version="1.0" encoding="utf-8"?>
 <p:notes xmlns:a="http://schemas.openxmlformats.org/drawingml/2006/main" xmlns:r="http://schemas.openxmlformats.org/officeDocument/2006/relationships" xmlns:p="http://schemas.openxmlformats.org/presentationml/2006/main" showMasterSp="0" showMasterPhAnim="0">
   <p:cSld>
     <p:spTree>
       <p:nvGrpSpPr>
-        <p:cNvPr id="1" name="Shape 175"/>
+        <p:cNvPr id="1" name="Shape 73"/>
         <p:cNvGrpSpPr/>
         <p:nvPr/>
       </p:nvGrpSpPr>
@@ -971,7 +970,7 @@
       </p:grpSpPr>
       <p:sp>
         <p:nvSpPr>
-          <p:cNvPr id="176" name="Shape 176"/>
+          <p:cNvPr id="74" name="Shape 74"/>
           <p:cNvSpPr txBox="1">
             <a:spLocks noGrp="1"/>
           </p:cNvSpPr>
@@ -994,7 +993,7 @@
           </a:bodyPr>
           <a:lstStyle/>
           <a:p>
-            <a:pPr lvl="0" rtl="0">
+            <a:pPr lvl="0">
               <a:spcBef>
                 <a:spcPts val="0"/>
               </a:spcBef>
@@ -1006,7 +1005,7 @@
       </p:sp>
       <p:sp>
         <p:nvSpPr>
-          <p:cNvPr id="177" name="Shape 177"/>
+          <p:cNvPr id="75" name="Shape 75"/>
           <p:cNvSpPr>
             <a:spLocks noGrp="1" noRot="1" noChangeAspect="1"/>
           </p:cNvSpPr>
@@ -1016,8 +1015,8 @@
         </p:nvSpPr>
         <p:spPr>
           <a:xfrm>
-            <a:off x="1143000" y="685800"/>
-            <a:ext cx="4572000" cy="3429000"/>
+            <a:off x="1143225" y="685800"/>
+            <a:ext cx="4572225" cy="3429000"/>
           </a:xfrm>
           <a:custGeom>
             <a:avLst/>
@@ -1063,12 +1062,12 @@
 </p:notes>
 </file>
 
-<file path=ppt/notesSlides/notesSlide2.xml><?xml version="1.0" encoding="utf-8"?>
+<file path=ppt/notesSlides/notesSlide3.xml><?xml version="1.0" encoding="utf-8"?>
 <p:notes xmlns:a="http://schemas.openxmlformats.org/drawingml/2006/main" xmlns:r="http://schemas.openxmlformats.org/officeDocument/2006/relationships" xmlns:p="http://schemas.openxmlformats.org/presentationml/2006/main" showMasterSp="0" showMasterPhAnim="0">
   <p:cSld>
     <p:spTree>
       <p:nvGrpSpPr>
-        <p:cNvPr id="1" name="Shape 72"/>
+        <p:cNvPr id="1" name="Shape 79"/>
         <p:cNvGrpSpPr/>
         <p:nvPr/>
       </p:nvGrpSpPr>
@@ -1082,42 +1081,7 @@
       </p:grpSpPr>
       <p:sp>
         <p:nvSpPr>
-          <p:cNvPr id="73" name="Shape 73"/>
-          <p:cNvSpPr txBox="1">
-            <a:spLocks noGrp="1"/>
-          </p:cNvSpPr>
-          <p:nvPr>
-            <p:ph type="body" idx="1"/>
-          </p:nvPr>
-        </p:nvSpPr>
-        <p:spPr>
-          <a:xfrm>
-            <a:off x="685800" y="4343400"/>
-            <a:ext cx="5486399" cy="4114800"/>
-          </a:xfrm>
-          <a:prstGeom prst="rect">
-            <a:avLst/>
-          </a:prstGeom>
-        </p:spPr>
-        <p:txBody>
-          <a:bodyPr lIns="91425" tIns="91425" rIns="91425" bIns="91425" anchor="ctr" anchorCtr="0">
-            <a:noAutofit/>
-          </a:bodyPr>
-          <a:lstStyle/>
-          <a:p>
-            <a:pPr>
-              <a:spcBef>
-                <a:spcPts val="0"/>
-              </a:spcBef>
-              <a:buNone/>
-            </a:pPr>
-            <a:endParaRPr/>
-          </a:p>
-        </p:txBody>
-      </p:sp>
-      <p:sp>
-        <p:nvSpPr>
-          <p:cNvPr id="74" name="Shape 74"/>
+          <p:cNvPr id="80" name="Shape 80"/>
           <p:cNvSpPr>
             <a:spLocks noGrp="1" noRot="1" noChangeAspect="1"/>
           </p:cNvSpPr>
@@ -1128,7 +1092,7 @@
         <p:spPr>
           <a:xfrm>
             <a:off x="1143225" y="685800"/>
-            <a:ext cx="4572225" cy="3429000"/>
+            <a:ext cx="4572299" cy="3429000"/>
           </a:xfrm>
           <a:custGeom>
             <a:avLst/>
@@ -1166,6 +1130,41 @@
           </a:ln>
         </p:spPr>
       </p:sp>
+      <p:sp>
+        <p:nvSpPr>
+          <p:cNvPr id="81" name="Shape 81"/>
+          <p:cNvSpPr txBox="1">
+            <a:spLocks noGrp="1"/>
+          </p:cNvSpPr>
+          <p:nvPr>
+            <p:ph type="body" idx="1"/>
+          </p:nvPr>
+        </p:nvSpPr>
+        <p:spPr>
+          <a:xfrm>
+            <a:off x="685800" y="4343400"/>
+            <a:ext cx="5486399" cy="4114800"/>
+          </a:xfrm>
+          <a:prstGeom prst="rect">
+            <a:avLst/>
+          </a:prstGeom>
+        </p:spPr>
+        <p:txBody>
+          <a:bodyPr lIns="91425" tIns="91425" rIns="91425" bIns="91425" anchor="t" anchorCtr="0">
+            <a:noAutofit/>
+          </a:bodyPr>
+          <a:lstStyle/>
+          <a:p>
+            <a:pPr lvl="0">
+              <a:spcBef>
+                <a:spcPts val="0"/>
+              </a:spcBef>
+              <a:buNone/>
+            </a:pPr>
+            <a:endParaRPr/>
+          </a:p>
+        </p:txBody>
+      </p:sp>
     </p:spTree>
   </p:cSld>
   <p:clrMapOvr>
@@ -1174,12 +1173,12 @@
 </p:notes>
 </file>
 
-<file path=ppt/notesSlides/notesSlide3.xml><?xml version="1.0" encoding="utf-8"?>
+<file path=ppt/notesSlides/notesSlide4.xml><?xml version="1.0" encoding="utf-8"?>
 <p:notes xmlns:a="http://schemas.openxmlformats.org/drawingml/2006/main" xmlns:r="http://schemas.openxmlformats.org/officeDocument/2006/relationships" xmlns:p="http://schemas.openxmlformats.org/presentationml/2006/main" showMasterSp="0" showMasterPhAnim="0">
   <p:cSld>
     <p:spTree>
       <p:nvGrpSpPr>
-        <p:cNvPr id="1" name="Shape 78"/>
+        <p:cNvPr id="1" name="Shape 85"/>
         <p:cNvGrpSpPr/>
         <p:nvPr/>
       </p:nvGrpSpPr>
@@ -1193,7 +1192,7 @@
       </p:grpSpPr>
       <p:sp>
         <p:nvSpPr>
-          <p:cNvPr id="79" name="Shape 79"/>
+          <p:cNvPr id="86" name="Shape 86"/>
           <p:cNvSpPr>
             <a:spLocks noGrp="1" noRot="1" noChangeAspect="1"/>
           </p:cNvSpPr>
@@ -1244,7 +1243,7 @@
       </p:sp>
       <p:sp>
         <p:nvSpPr>
-          <p:cNvPr id="80" name="Shape 80"/>
+          <p:cNvPr id="87" name="Shape 87"/>
           <p:cNvSpPr txBox="1">
             <a:spLocks noGrp="1"/>
           </p:cNvSpPr>
@@ -1267,7 +1266,7 @@
           </a:bodyPr>
           <a:lstStyle/>
           <a:p>
-            <a:pPr>
+            <a:pPr lvl="0">
               <a:spcBef>
                 <a:spcPts val="0"/>
               </a:spcBef>
@@ -1285,12 +1284,12 @@
 </p:notes>
 </file>
 
-<file path=ppt/notesSlides/notesSlide4.xml><?xml version="1.0" encoding="utf-8"?>
+<file path=ppt/notesSlides/notesSlide5.xml><?xml version="1.0" encoding="utf-8"?>
 <p:notes xmlns:a="http://schemas.openxmlformats.org/drawingml/2006/main" xmlns:r="http://schemas.openxmlformats.org/officeDocument/2006/relationships" xmlns:p="http://schemas.openxmlformats.org/presentationml/2006/main" showMasterSp="0" showMasterPhAnim="0">
   <p:cSld>
     <p:spTree>
       <p:nvGrpSpPr>
-        <p:cNvPr id="1" name="Shape 84"/>
+        <p:cNvPr id="1" name="Shape 91"/>
         <p:cNvGrpSpPr/>
         <p:nvPr/>
       </p:nvGrpSpPr>
@@ -1304,7 +1303,7 @@
       </p:grpSpPr>
       <p:sp>
         <p:nvSpPr>
-          <p:cNvPr id="85" name="Shape 85"/>
+          <p:cNvPr id="92" name="Shape 92"/>
           <p:cNvSpPr>
             <a:spLocks noGrp="1" noRot="1" noChangeAspect="1"/>
           </p:cNvSpPr>
@@ -1355,7 +1354,7 @@
       </p:sp>
       <p:sp>
         <p:nvSpPr>
-          <p:cNvPr id="86" name="Shape 86"/>
+          <p:cNvPr id="93" name="Shape 93"/>
           <p:cNvSpPr txBox="1">
             <a:spLocks noGrp="1"/>
           </p:cNvSpPr>
@@ -1378,7 +1377,7 @@
           </a:bodyPr>
           <a:lstStyle/>
           <a:p>
-            <a:pPr>
+            <a:pPr lvl="0" rtl="0">
               <a:spcBef>
                 <a:spcPts val="0"/>
               </a:spcBef>
@@ -1396,12 +1395,12 @@
 </p:notes>
 </file>
 
-<file path=ppt/notesSlides/notesSlide5.xml><?xml version="1.0" encoding="utf-8"?>
+<file path=ppt/notesSlides/notesSlide6.xml><?xml version="1.0" encoding="utf-8"?>
 <p:notes xmlns:a="http://schemas.openxmlformats.org/drawingml/2006/main" xmlns:r="http://schemas.openxmlformats.org/officeDocument/2006/relationships" xmlns:p="http://schemas.openxmlformats.org/presentationml/2006/main" showMasterSp="0" showMasterPhAnim="0">
   <p:cSld>
     <p:spTree>
       <p:nvGrpSpPr>
-        <p:cNvPr id="1" name="Shape 90"/>
+        <p:cNvPr id="1" name="Shape 97"/>
         <p:cNvGrpSpPr/>
         <p:nvPr/>
       </p:nvGrpSpPr>
@@ -1415,7 +1414,7 @@
       </p:grpSpPr>
       <p:sp>
         <p:nvSpPr>
-          <p:cNvPr id="91" name="Shape 91"/>
+          <p:cNvPr id="98" name="Shape 98"/>
           <p:cNvSpPr>
             <a:spLocks noGrp="1" noRot="1" noChangeAspect="1"/>
           </p:cNvSpPr>
@@ -1466,7 +1465,7 @@
       </p:sp>
       <p:sp>
         <p:nvSpPr>
-          <p:cNvPr id="92" name="Shape 92"/>
+          <p:cNvPr id="99" name="Shape 99"/>
           <p:cNvSpPr txBox="1">
             <a:spLocks noGrp="1"/>
           </p:cNvSpPr>
@@ -1507,12 +1506,12 @@
 </p:notes>
 </file>
 
-<file path=ppt/notesSlides/notesSlide6.xml><?xml version="1.0" encoding="utf-8"?>
+<file path=ppt/notesSlides/notesSlide7.xml><?xml version="1.0" encoding="utf-8"?>
 <p:notes xmlns:a="http://schemas.openxmlformats.org/drawingml/2006/main" xmlns:r="http://schemas.openxmlformats.org/officeDocument/2006/relationships" xmlns:p="http://schemas.openxmlformats.org/presentationml/2006/main" showMasterSp="0" showMasterPhAnim="0">
   <p:cSld>
     <p:spTree>
       <p:nvGrpSpPr>
-        <p:cNvPr id="1" name="Shape 96"/>
+        <p:cNvPr id="1" name="Shape 103"/>
         <p:cNvGrpSpPr/>
         <p:nvPr/>
       </p:nvGrpSpPr>
@@ -1526,7 +1525,7 @@
       </p:grpSpPr>
       <p:sp>
         <p:nvSpPr>
-          <p:cNvPr id="97" name="Shape 97"/>
+          <p:cNvPr id="104" name="Shape 104"/>
           <p:cNvSpPr>
             <a:spLocks noGrp="1" noRot="1" noChangeAspect="1"/>
           </p:cNvSpPr>
@@ -1577,7 +1576,7 @@
       </p:sp>
       <p:sp>
         <p:nvSpPr>
-          <p:cNvPr id="98" name="Shape 98"/>
+          <p:cNvPr id="105" name="Shape 105"/>
           <p:cNvSpPr txBox="1">
             <a:spLocks noGrp="1"/>
           </p:cNvSpPr>
@@ -1618,12 +1617,12 @@
 </p:notes>
 </file>
 
-<file path=ppt/notesSlides/notesSlide7.xml><?xml version="1.0" encoding="utf-8"?>
+<file path=ppt/notesSlides/notesSlide8.xml><?xml version="1.0" encoding="utf-8"?>
 <p:notes xmlns:a="http://schemas.openxmlformats.org/drawingml/2006/main" xmlns:r="http://schemas.openxmlformats.org/officeDocument/2006/relationships" xmlns:p="http://schemas.openxmlformats.org/presentationml/2006/main" showMasterSp="0" showMasterPhAnim="0">
   <p:cSld>
     <p:spTree>
       <p:nvGrpSpPr>
-        <p:cNvPr id="1" name="Shape 102"/>
+        <p:cNvPr id="1" name="Shape 109"/>
         <p:cNvGrpSpPr/>
         <p:nvPr/>
       </p:nvGrpSpPr>
@@ -1637,7 +1636,7 @@
       </p:grpSpPr>
       <p:sp>
         <p:nvSpPr>
-          <p:cNvPr id="103" name="Shape 103"/>
+          <p:cNvPr id="110" name="Shape 110"/>
           <p:cNvSpPr>
             <a:spLocks noGrp="1" noRot="1" noChangeAspect="1"/>
           </p:cNvSpPr>
@@ -1688,7 +1687,7 @@
       </p:sp>
       <p:sp>
         <p:nvSpPr>
-          <p:cNvPr id="104" name="Shape 104"/>
+          <p:cNvPr id="111" name="Shape 111"/>
           <p:cNvSpPr txBox="1">
             <a:spLocks noGrp="1"/>
           </p:cNvSpPr>
@@ -1729,12 +1728,12 @@
 </p:notes>
 </file>
 
-<file path=ppt/notesSlides/notesSlide8.xml><?xml version="1.0" encoding="utf-8"?>
+<file path=ppt/notesSlides/notesSlide9.xml><?xml version="1.0" encoding="utf-8"?>
 <p:notes xmlns:a="http://schemas.openxmlformats.org/drawingml/2006/main" xmlns:r="http://schemas.openxmlformats.org/officeDocument/2006/relationships" xmlns:p="http://schemas.openxmlformats.org/presentationml/2006/main" showMasterSp="0" showMasterPhAnim="0">
   <p:cSld>
     <p:spTree>
       <p:nvGrpSpPr>
-        <p:cNvPr id="1" name="Shape 108"/>
+        <p:cNvPr id="1" name="Shape 117"/>
         <p:cNvGrpSpPr/>
         <p:nvPr/>
       </p:nvGrpSpPr>
@@ -1748,7 +1747,42 @@
       </p:grpSpPr>
       <p:sp>
         <p:nvSpPr>
-          <p:cNvPr id="109" name="Shape 109"/>
+          <p:cNvPr id="118" name="Shape 118"/>
+          <p:cNvSpPr txBox="1">
+            <a:spLocks noGrp="1"/>
+          </p:cNvSpPr>
+          <p:nvPr>
+            <p:ph type="body" idx="1"/>
+          </p:nvPr>
+        </p:nvSpPr>
+        <p:spPr>
+          <a:xfrm>
+            <a:off x="685800" y="4343400"/>
+            <a:ext cx="5486399" cy="4114800"/>
+          </a:xfrm>
+          <a:prstGeom prst="rect">
+            <a:avLst/>
+          </a:prstGeom>
+        </p:spPr>
+        <p:txBody>
+          <a:bodyPr lIns="91425" tIns="91425" rIns="91425" bIns="91425" anchor="ctr" anchorCtr="0">
+            <a:noAutofit/>
+          </a:bodyPr>
+          <a:lstStyle/>
+          <a:p>
+            <a:pPr lvl="0" rtl="0">
+              <a:spcBef>
+                <a:spcPts val="0"/>
+              </a:spcBef>
+              <a:buNone/>
+            </a:pPr>
+            <a:endParaRPr/>
+          </a:p>
+        </p:txBody>
+      </p:sp>
+      <p:sp>
+        <p:nvSpPr>
+          <p:cNvPr id="119" name="Shape 119"/>
           <p:cNvSpPr>
             <a:spLocks noGrp="1" noRot="1" noChangeAspect="1"/>
           </p:cNvSpPr>
@@ -1797,152 +1831,6 @@
           </a:ln>
         </p:spPr>
       </p:sp>
-      <p:sp>
-        <p:nvSpPr>
-          <p:cNvPr id="110" name="Shape 110"/>
-          <p:cNvSpPr txBox="1">
-            <a:spLocks noGrp="1"/>
-          </p:cNvSpPr>
-          <p:nvPr>
-            <p:ph type="body" idx="1"/>
-          </p:nvPr>
-        </p:nvSpPr>
-        <p:spPr>
-          <a:xfrm>
-            <a:off x="685800" y="4343400"/>
-            <a:ext cx="5486399" cy="4114800"/>
-          </a:xfrm>
-          <a:prstGeom prst="rect">
-            <a:avLst/>
-          </a:prstGeom>
-        </p:spPr>
-        <p:txBody>
-          <a:bodyPr lIns="91425" tIns="91425" rIns="91425" bIns="91425" anchor="t" anchorCtr="0">
-            <a:noAutofit/>
-          </a:bodyPr>
-          <a:lstStyle/>
-          <a:p>
-            <a:pPr lvl="0" rtl="0">
-              <a:spcBef>
-                <a:spcPts val="0"/>
-              </a:spcBef>
-              <a:buNone/>
-            </a:pPr>
-            <a:endParaRPr/>
-          </a:p>
-        </p:txBody>
-      </p:sp>
-    </p:spTree>
-  </p:cSld>
-  <p:clrMapOvr>
-    <a:masterClrMapping/>
-  </p:clrMapOvr>
-</p:notes>
-</file>
-
-<file path=ppt/notesSlides/notesSlide9.xml><?xml version="1.0" encoding="utf-8"?>
-<p:notes xmlns:a="http://schemas.openxmlformats.org/drawingml/2006/main" xmlns:r="http://schemas.openxmlformats.org/officeDocument/2006/relationships" xmlns:p="http://schemas.openxmlformats.org/presentationml/2006/main" showMasterSp="0" showMasterPhAnim="0">
-  <p:cSld>
-    <p:spTree>
-      <p:nvGrpSpPr>
-        <p:cNvPr id="1" name="Shape 116"/>
-        <p:cNvGrpSpPr/>
-        <p:nvPr/>
-      </p:nvGrpSpPr>
-      <p:grpSpPr>
-        <a:xfrm>
-          <a:off x="0" y="0"/>
-          <a:ext cx="0" cy="0"/>
-          <a:chOff x="0" y="0"/>
-          <a:chExt cx="0" cy="0"/>
-        </a:xfrm>
-      </p:grpSpPr>
-      <p:sp>
-        <p:nvSpPr>
-          <p:cNvPr id="117" name="Shape 117"/>
-          <p:cNvSpPr txBox="1">
-            <a:spLocks noGrp="1"/>
-          </p:cNvSpPr>
-          <p:nvPr>
-            <p:ph type="body" idx="1"/>
-          </p:nvPr>
-        </p:nvSpPr>
-        <p:spPr>
-          <a:xfrm>
-            <a:off x="685800" y="4343400"/>
-            <a:ext cx="5486399" cy="4114800"/>
-          </a:xfrm>
-          <a:prstGeom prst="rect">
-            <a:avLst/>
-          </a:prstGeom>
-        </p:spPr>
-        <p:txBody>
-          <a:bodyPr lIns="91425" tIns="91425" rIns="91425" bIns="91425" anchor="ctr" anchorCtr="0">
-            <a:noAutofit/>
-          </a:bodyPr>
-          <a:lstStyle/>
-          <a:p>
-            <a:pPr lvl="0" rtl="0">
-              <a:spcBef>
-                <a:spcPts val="0"/>
-              </a:spcBef>
-              <a:buNone/>
-            </a:pPr>
-            <a:endParaRPr/>
-          </a:p>
-        </p:txBody>
-      </p:sp>
-      <p:sp>
-        <p:nvSpPr>
-          <p:cNvPr id="118" name="Shape 118"/>
-          <p:cNvSpPr>
-            <a:spLocks noGrp="1" noRot="1" noChangeAspect="1"/>
-          </p:cNvSpPr>
-          <p:nvPr>
-            <p:ph type="sldImg" idx="2"/>
-          </p:nvPr>
-        </p:nvSpPr>
-        <p:spPr>
-          <a:xfrm>
-            <a:off x="1143225" y="685800"/>
-            <a:ext cx="4572299" cy="3429000"/>
-          </a:xfrm>
-          <a:custGeom>
-            <a:avLst/>
-            <a:gdLst/>
-            <a:ahLst/>
-            <a:cxnLst/>
-            <a:rect l="0" t="0" r="0" b="0"/>
-            <a:pathLst>
-              <a:path w="120000" h="120000" extrusionOk="0">
-                <a:moveTo>
-                  <a:pt x="0" y="0"/>
-                </a:moveTo>
-                <a:lnTo>
-                  <a:pt x="120000" y="0"/>
-                </a:lnTo>
-                <a:lnTo>
-                  <a:pt x="120000" y="120000"/>
-                </a:lnTo>
-                <a:lnTo>
-                  <a:pt x="0" y="120000"/>
-                </a:lnTo>
-                <a:close/>
-              </a:path>
-            </a:pathLst>
-          </a:custGeom>
-          <a:noFill/>
-          <a:ln w="9525" cap="flat" cmpd="sng">
-            <a:solidFill>
-              <a:srgbClr val="000000"/>
-            </a:solidFill>
-            <a:prstDash val="solid"/>
-            <a:round/>
-            <a:headEnd type="none" w="med" len="med"/>
-            <a:tailEnd type="none" w="med" len="med"/>
-          </a:ln>
-        </p:spPr>
-      </p:sp>
     </p:spTree>
   </p:cSld>
   <p:clrMapOvr>
@@ -1956,7 +1844,7 @@
   <p:cSld name="Title slide">
     <p:spTree>
       <p:nvGrpSpPr>
-        <p:cNvPr id="1" name="Shape 8"/>
+        <p:cNvPr id="1" name="Shape 9"/>
         <p:cNvGrpSpPr/>
         <p:nvPr/>
       </p:nvGrpSpPr>
@@ -1970,7 +1858,7 @@
       </p:grpSpPr>
       <p:cxnSp>
         <p:nvCxnSpPr>
-          <p:cNvPr id="9" name="Shape 9"/>
+          <p:cNvPr id="10" name="Shape 10"/>
           <p:cNvCxnSpPr/>
           <p:nvPr/>
         </p:nvCxnSpPr>
@@ -1996,7 +1884,7 @@
       </p:cxnSp>
       <p:cxnSp>
         <p:nvCxnSpPr>
-          <p:cNvPr id="10" name="Shape 10"/>
+          <p:cNvPr id="11" name="Shape 11"/>
           <p:cNvCxnSpPr/>
           <p:nvPr/>
         </p:nvCxnSpPr>
@@ -2022,7 +1910,7 @@
       </p:cxnSp>
       <p:grpSp>
         <p:nvGrpSpPr>
-          <p:cNvPr id="11" name="Shape 11"/>
+          <p:cNvPr id="12" name="Shape 12"/>
           <p:cNvGrpSpPr/>
           <p:nvPr/>
         </p:nvGrpSpPr>
@@ -2036,7 +1924,7 @@
         </p:grpSpPr>
         <p:cxnSp>
           <p:nvCxnSpPr>
-            <p:cNvPr id="12" name="Shape 12"/>
+            <p:cNvPr id="13" name="Shape 13"/>
             <p:cNvCxnSpPr/>
             <p:nvPr/>
           </p:nvCxnSpPr>
@@ -2062,7 +1950,7 @@
         </p:cxnSp>
         <p:cxnSp>
           <p:nvCxnSpPr>
-            <p:cNvPr id="13" name="Shape 13"/>
+            <p:cNvPr id="14" name="Shape 14"/>
             <p:cNvCxnSpPr/>
             <p:nvPr/>
           </p:nvCxnSpPr>
@@ -2089,7 +1977,7 @@
       </p:grpSp>
       <p:grpSp>
         <p:nvGrpSpPr>
-          <p:cNvPr id="14" name="Shape 14"/>
+          <p:cNvPr id="15" name="Shape 15"/>
           <p:cNvGrpSpPr/>
           <p:nvPr/>
         </p:nvGrpSpPr>
@@ -2103,7 +1991,7 @@
         </p:grpSpPr>
         <p:cxnSp>
           <p:nvCxnSpPr>
-            <p:cNvPr id="15" name="Shape 15"/>
+            <p:cNvPr id="16" name="Shape 16"/>
             <p:cNvCxnSpPr/>
             <p:nvPr/>
           </p:nvCxnSpPr>
@@ -2129,7 +2017,7 @@
         </p:cxnSp>
         <p:cxnSp>
           <p:nvCxnSpPr>
-            <p:cNvPr id="16" name="Shape 16"/>
+            <p:cNvPr id="17" name="Shape 17"/>
             <p:cNvCxnSpPr/>
             <p:nvPr/>
           </p:nvCxnSpPr>
@@ -2156,7 +2044,7 @@
       </p:grpSp>
       <p:sp>
         <p:nvSpPr>
-          <p:cNvPr id="17" name="Shape 17"/>
+          <p:cNvPr id="18" name="Shape 18"/>
           <p:cNvSpPr txBox="1">
             <a:spLocks noGrp="1"/>
           </p:cNvSpPr>
@@ -2176,222 +2064,68 @@
         <p:txBody>
           <a:bodyPr lIns="91425" tIns="91425" rIns="91425" bIns="91425" anchor="b" anchorCtr="0"/>
           <a:lstStyle>
-            <a:lvl1pPr algn="ctr">
+            <a:lvl1pPr lvl="0" algn="ctr">
               <a:spcBef>
                 <a:spcPts val="0"/>
               </a:spcBef>
               <a:buSzPct val="100000"/>
               <a:defRPr sz="5400"/>
             </a:lvl1pPr>
-            <a:lvl2pPr algn="ctr">
+            <a:lvl2pPr lvl="1" algn="ctr">
               <a:spcBef>
                 <a:spcPts val="0"/>
               </a:spcBef>
               <a:buSzPct val="100000"/>
               <a:defRPr sz="5400"/>
             </a:lvl2pPr>
-            <a:lvl3pPr algn="ctr">
+            <a:lvl3pPr lvl="2" algn="ctr">
               <a:spcBef>
                 <a:spcPts val="0"/>
               </a:spcBef>
               <a:buSzPct val="100000"/>
               <a:defRPr sz="5400"/>
             </a:lvl3pPr>
-            <a:lvl4pPr algn="ctr">
+            <a:lvl4pPr lvl="3" algn="ctr">
               <a:spcBef>
                 <a:spcPts val="0"/>
               </a:spcBef>
               <a:buSzPct val="100000"/>
               <a:defRPr sz="5400"/>
             </a:lvl4pPr>
-            <a:lvl5pPr algn="ctr">
+            <a:lvl5pPr lvl="4" algn="ctr">
               <a:spcBef>
                 <a:spcPts val="0"/>
               </a:spcBef>
               <a:buSzPct val="100000"/>
               <a:defRPr sz="5400"/>
             </a:lvl5pPr>
-            <a:lvl6pPr algn="ctr">
+            <a:lvl6pPr lvl="5" algn="ctr">
               <a:spcBef>
                 <a:spcPts val="0"/>
               </a:spcBef>
               <a:buSzPct val="100000"/>
               <a:defRPr sz="5400"/>
             </a:lvl6pPr>
-            <a:lvl7pPr algn="ctr">
+            <a:lvl7pPr lvl="6" algn="ctr">
               <a:spcBef>
                 <a:spcPts val="0"/>
               </a:spcBef>
               <a:buSzPct val="100000"/>
               <a:defRPr sz="5400"/>
             </a:lvl7pPr>
-            <a:lvl8pPr algn="ctr">
+            <a:lvl8pPr lvl="7" algn="ctr">
               <a:spcBef>
                 <a:spcPts val="0"/>
               </a:spcBef>
               <a:buSzPct val="100000"/>
               <a:defRPr sz="5400"/>
             </a:lvl8pPr>
-            <a:lvl9pPr algn="ctr">
+            <a:lvl9pPr lvl="8" algn="ctr">
               <a:spcBef>
                 <a:spcPts val="0"/>
               </a:spcBef>
               <a:buSzPct val="100000"/>
               <a:defRPr sz="5400"/>
-            </a:lvl9pPr>
-          </a:lstStyle>
-          <a:p>
-            <a:endParaRPr/>
-          </a:p>
-        </p:txBody>
-      </p:sp>
-      <p:sp>
-        <p:nvSpPr>
-          <p:cNvPr id="18" name="Shape 18"/>
-          <p:cNvSpPr txBox="1">
-            <a:spLocks noGrp="1"/>
-          </p:cNvSpPr>
-          <p:nvPr>
-            <p:ph type="subTitle" idx="1"/>
-          </p:nvPr>
-        </p:nvSpPr>
-        <p:spPr>
-          <a:xfrm>
-            <a:off x="2137225" y="3800051"/>
-            <a:ext cx="4870499" cy="1056899"/>
-          </a:xfrm>
-          <a:prstGeom prst="rect">
-            <a:avLst/>
-          </a:prstGeom>
-        </p:spPr>
-        <p:txBody>
-          <a:bodyPr lIns="91425" tIns="91425" rIns="91425" bIns="91425" anchor="t" anchorCtr="0"/>
-          <a:lstStyle>
-            <a:lvl1pPr algn="ctr">
-              <a:lnSpc>
-                <a:spcPct val="100000"/>
-              </a:lnSpc>
-              <a:spcBef>
-                <a:spcPts val="0"/>
-              </a:spcBef>
-              <a:spcAft>
-                <a:spcPts val="0"/>
-              </a:spcAft>
-              <a:buSzPct val="100000"/>
-              <a:buNone/>
-              <a:defRPr sz="2400"/>
-            </a:lvl1pPr>
-            <a:lvl2pPr algn="ctr">
-              <a:lnSpc>
-                <a:spcPct val="100000"/>
-              </a:lnSpc>
-              <a:spcBef>
-                <a:spcPts val="0"/>
-              </a:spcBef>
-              <a:spcAft>
-                <a:spcPts val="0"/>
-              </a:spcAft>
-              <a:buSzPct val="100000"/>
-              <a:buNone/>
-              <a:defRPr sz="2400"/>
-            </a:lvl2pPr>
-            <a:lvl3pPr algn="ctr">
-              <a:lnSpc>
-                <a:spcPct val="100000"/>
-              </a:lnSpc>
-              <a:spcBef>
-                <a:spcPts val="0"/>
-              </a:spcBef>
-              <a:spcAft>
-                <a:spcPts val="0"/>
-              </a:spcAft>
-              <a:buSzPct val="100000"/>
-              <a:buNone/>
-              <a:defRPr sz="2400"/>
-            </a:lvl3pPr>
-            <a:lvl4pPr algn="ctr">
-              <a:lnSpc>
-                <a:spcPct val="100000"/>
-              </a:lnSpc>
-              <a:spcBef>
-                <a:spcPts val="0"/>
-              </a:spcBef>
-              <a:spcAft>
-                <a:spcPts val="0"/>
-              </a:spcAft>
-              <a:buSzPct val="100000"/>
-              <a:buNone/>
-              <a:defRPr sz="2400"/>
-            </a:lvl4pPr>
-            <a:lvl5pPr algn="ctr">
-              <a:lnSpc>
-                <a:spcPct val="100000"/>
-              </a:lnSpc>
-              <a:spcBef>
-                <a:spcPts val="0"/>
-              </a:spcBef>
-              <a:spcAft>
-                <a:spcPts val="0"/>
-              </a:spcAft>
-              <a:buSzPct val="100000"/>
-              <a:buNone/>
-              <a:defRPr sz="2400"/>
-            </a:lvl5pPr>
-            <a:lvl6pPr algn="ctr">
-              <a:lnSpc>
-                <a:spcPct val="100000"/>
-              </a:lnSpc>
-              <a:spcBef>
-                <a:spcPts val="0"/>
-              </a:spcBef>
-              <a:spcAft>
-                <a:spcPts val="0"/>
-              </a:spcAft>
-              <a:buSzPct val="100000"/>
-              <a:buNone/>
-              <a:defRPr sz="2400"/>
-            </a:lvl6pPr>
-            <a:lvl7pPr algn="ctr">
-              <a:lnSpc>
-                <a:spcPct val="100000"/>
-              </a:lnSpc>
-              <a:spcBef>
-                <a:spcPts val="0"/>
-              </a:spcBef>
-              <a:spcAft>
-                <a:spcPts val="0"/>
-              </a:spcAft>
-              <a:buSzPct val="100000"/>
-              <a:buNone/>
-              <a:defRPr sz="2400"/>
-            </a:lvl7pPr>
-            <a:lvl8pPr algn="ctr">
-              <a:lnSpc>
-                <a:spcPct val="100000"/>
-              </a:lnSpc>
-              <a:spcBef>
-                <a:spcPts val="0"/>
-              </a:spcBef>
-              <a:spcAft>
-                <a:spcPts val="0"/>
-              </a:spcAft>
-              <a:buSzPct val="100000"/>
-              <a:buNone/>
-              <a:defRPr sz="2400"/>
-            </a:lvl8pPr>
-            <a:lvl9pPr algn="ctr">
-              <a:lnSpc>
-                <a:spcPct val="100000"/>
-              </a:lnSpc>
-              <a:spcBef>
-                <a:spcPts val="0"/>
-              </a:spcBef>
-              <a:spcAft>
-                <a:spcPts val="0"/>
-              </a:spcAft>
-              <a:buSzPct val="100000"/>
-              <a:buNone/>
-              <a:defRPr sz="2400"/>
             </a:lvl9pPr>
           </a:lstStyle>
           <a:p>
@@ -2406,6 +2140,160 @@
             <a:spLocks noGrp="1"/>
           </p:cNvSpPr>
           <p:nvPr>
+            <p:ph type="subTitle" idx="1"/>
+          </p:nvPr>
+        </p:nvSpPr>
+        <p:spPr>
+          <a:xfrm>
+            <a:off x="2137225" y="3800051"/>
+            <a:ext cx="4870499" cy="1056899"/>
+          </a:xfrm>
+          <a:prstGeom prst="rect">
+            <a:avLst/>
+          </a:prstGeom>
+        </p:spPr>
+        <p:txBody>
+          <a:bodyPr lIns="91425" tIns="91425" rIns="91425" bIns="91425" anchor="t" anchorCtr="0"/>
+          <a:lstStyle>
+            <a:lvl1pPr lvl="0" algn="ctr">
+              <a:lnSpc>
+                <a:spcPct val="100000"/>
+              </a:lnSpc>
+              <a:spcBef>
+                <a:spcPts val="0"/>
+              </a:spcBef>
+              <a:spcAft>
+                <a:spcPts val="0"/>
+              </a:spcAft>
+              <a:buSzPct val="100000"/>
+              <a:buNone/>
+              <a:defRPr sz="2400"/>
+            </a:lvl1pPr>
+            <a:lvl2pPr lvl="1" algn="ctr">
+              <a:lnSpc>
+                <a:spcPct val="100000"/>
+              </a:lnSpc>
+              <a:spcBef>
+                <a:spcPts val="0"/>
+              </a:spcBef>
+              <a:spcAft>
+                <a:spcPts val="0"/>
+              </a:spcAft>
+              <a:buSzPct val="100000"/>
+              <a:buNone/>
+              <a:defRPr sz="2400"/>
+            </a:lvl2pPr>
+            <a:lvl3pPr lvl="2" algn="ctr">
+              <a:lnSpc>
+                <a:spcPct val="100000"/>
+              </a:lnSpc>
+              <a:spcBef>
+                <a:spcPts val="0"/>
+              </a:spcBef>
+              <a:spcAft>
+                <a:spcPts val="0"/>
+              </a:spcAft>
+              <a:buSzPct val="100000"/>
+              <a:buNone/>
+              <a:defRPr sz="2400"/>
+            </a:lvl3pPr>
+            <a:lvl4pPr lvl="3" algn="ctr">
+              <a:lnSpc>
+                <a:spcPct val="100000"/>
+              </a:lnSpc>
+              <a:spcBef>
+                <a:spcPts val="0"/>
+              </a:spcBef>
+              <a:spcAft>
+                <a:spcPts val="0"/>
+              </a:spcAft>
+              <a:buSzPct val="100000"/>
+              <a:buNone/>
+              <a:defRPr sz="2400"/>
+            </a:lvl4pPr>
+            <a:lvl5pPr lvl="4" algn="ctr">
+              <a:lnSpc>
+                <a:spcPct val="100000"/>
+              </a:lnSpc>
+              <a:spcBef>
+                <a:spcPts val="0"/>
+              </a:spcBef>
+              <a:spcAft>
+                <a:spcPts val="0"/>
+              </a:spcAft>
+              <a:buSzPct val="100000"/>
+              <a:buNone/>
+              <a:defRPr sz="2400"/>
+            </a:lvl5pPr>
+            <a:lvl6pPr lvl="5" algn="ctr">
+              <a:lnSpc>
+                <a:spcPct val="100000"/>
+              </a:lnSpc>
+              <a:spcBef>
+                <a:spcPts val="0"/>
+              </a:spcBef>
+              <a:spcAft>
+                <a:spcPts val="0"/>
+              </a:spcAft>
+              <a:buSzPct val="100000"/>
+              <a:buNone/>
+              <a:defRPr sz="2400"/>
+            </a:lvl6pPr>
+            <a:lvl7pPr lvl="6" algn="ctr">
+              <a:lnSpc>
+                <a:spcPct val="100000"/>
+              </a:lnSpc>
+              <a:spcBef>
+                <a:spcPts val="0"/>
+              </a:spcBef>
+              <a:spcAft>
+                <a:spcPts val="0"/>
+              </a:spcAft>
+              <a:buSzPct val="100000"/>
+              <a:buNone/>
+              <a:defRPr sz="2400"/>
+            </a:lvl7pPr>
+            <a:lvl8pPr lvl="7" algn="ctr">
+              <a:lnSpc>
+                <a:spcPct val="100000"/>
+              </a:lnSpc>
+              <a:spcBef>
+                <a:spcPts val="0"/>
+              </a:spcBef>
+              <a:spcAft>
+                <a:spcPts val="0"/>
+              </a:spcAft>
+              <a:buSzPct val="100000"/>
+              <a:buNone/>
+              <a:defRPr sz="2400"/>
+            </a:lvl8pPr>
+            <a:lvl9pPr lvl="8" algn="ctr">
+              <a:lnSpc>
+                <a:spcPct val="100000"/>
+              </a:lnSpc>
+              <a:spcBef>
+                <a:spcPts val="0"/>
+              </a:spcBef>
+              <a:spcAft>
+                <a:spcPts val="0"/>
+              </a:spcAft>
+              <a:buSzPct val="100000"/>
+              <a:buNone/>
+              <a:defRPr sz="2400"/>
+            </a:lvl9pPr>
+          </a:lstStyle>
+          <a:p>
+            <a:endParaRPr/>
+          </a:p>
+        </p:txBody>
+      </p:sp>
+      <p:sp>
+        <p:nvSpPr>
+          <p:cNvPr id="20" name="Shape 20"/>
+          <p:cNvSpPr txBox="1">
+            <a:spLocks noGrp="1"/>
+          </p:cNvSpPr>
+          <p:nvPr>
             <p:ph type="sldNum" idx="12"/>
           </p:nvPr>
         </p:nvSpPr>
@@ -2424,7 +2312,7 @@
           </a:bodyPr>
           <a:lstStyle/>
           <a:p>
-            <a:pPr>
+            <a:pPr lvl="0">
               <a:spcBef>
                 <a:spcPts val="0"/>
               </a:spcBef>
@@ -2432,7 +2320,7 @@
             </a:pPr>
             <a:fld id="{00000000-1234-1234-1234-123412341234}" type="slidenum">
               <a:rPr lang="en-US"/>
-              <a:pPr>
+              <a:pPr lvl="0">
                 <a:spcBef>
                   <a:spcPts val="0"/>
                 </a:spcBef>
@@ -2457,7 +2345,7 @@
   <p:cSld name="Big number">
     <p:spTree>
       <p:nvGrpSpPr>
-        <p:cNvPr id="1" name="Shape 54"/>
+        <p:cNvPr id="1" name="Shape 55"/>
         <p:cNvGrpSpPr/>
         <p:nvPr/>
       </p:nvGrpSpPr>
@@ -2471,7 +2359,7 @@
       </p:grpSpPr>
       <p:sp>
         <p:nvSpPr>
-          <p:cNvPr id="55" name="Shape 55"/>
+          <p:cNvPr id="56" name="Shape 56"/>
           <p:cNvSpPr/>
           <p:nvPr/>
         </p:nvSpPr>
@@ -2496,7 +2384,7 @@
           </a:bodyPr>
           <a:lstStyle/>
           <a:p>
-            <a:pPr>
+            <a:pPr lvl="0">
               <a:spcBef>
                 <a:spcPts val="0"/>
               </a:spcBef>
@@ -2508,7 +2396,7 @@
       </p:sp>
       <p:sp>
         <p:nvSpPr>
-          <p:cNvPr id="56" name="Shape 56"/>
+          <p:cNvPr id="57" name="Shape 57"/>
           <p:cNvSpPr txBox="1">
             <a:spLocks noGrp="1"/>
           </p:cNvSpPr>
@@ -2528,7 +2416,7 @@
         <p:txBody>
           <a:bodyPr lIns="91425" tIns="91425" rIns="91425" bIns="91425" anchor="ctr" anchorCtr="0"/>
           <a:lstStyle>
-            <a:lvl1pPr algn="ctr">
+            <a:lvl1pPr lvl="0" algn="ctr">
               <a:spcBef>
                 <a:spcPts val="0"/>
               </a:spcBef>
@@ -2542,7 +2430,7 @@
                 </a:solidFill>
               </a:defRPr>
             </a:lvl1pPr>
-            <a:lvl2pPr algn="ctr">
+            <a:lvl2pPr lvl="1" algn="ctr">
               <a:spcBef>
                 <a:spcPts val="0"/>
               </a:spcBef>
@@ -2556,7 +2444,7 @@
                 </a:solidFill>
               </a:defRPr>
             </a:lvl2pPr>
-            <a:lvl3pPr algn="ctr">
+            <a:lvl3pPr lvl="2" algn="ctr">
               <a:spcBef>
                 <a:spcPts val="0"/>
               </a:spcBef>
@@ -2570,7 +2458,7 @@
                 </a:solidFill>
               </a:defRPr>
             </a:lvl3pPr>
-            <a:lvl4pPr algn="ctr">
+            <a:lvl4pPr lvl="3" algn="ctr">
               <a:spcBef>
                 <a:spcPts val="0"/>
               </a:spcBef>
@@ -2584,7 +2472,7 @@
                 </a:solidFill>
               </a:defRPr>
             </a:lvl4pPr>
-            <a:lvl5pPr algn="ctr">
+            <a:lvl5pPr lvl="4" algn="ctr">
               <a:spcBef>
                 <a:spcPts val="0"/>
               </a:spcBef>
@@ -2598,7 +2486,7 @@
                 </a:solidFill>
               </a:defRPr>
             </a:lvl5pPr>
-            <a:lvl6pPr algn="ctr">
+            <a:lvl6pPr lvl="5" algn="ctr">
               <a:spcBef>
                 <a:spcPts val="0"/>
               </a:spcBef>
@@ -2612,7 +2500,7 @@
                 </a:solidFill>
               </a:defRPr>
             </a:lvl6pPr>
-            <a:lvl7pPr algn="ctr">
+            <a:lvl7pPr lvl="6" algn="ctr">
               <a:spcBef>
                 <a:spcPts val="0"/>
               </a:spcBef>
@@ -2626,7 +2514,7 @@
                 </a:solidFill>
               </a:defRPr>
             </a:lvl7pPr>
-            <a:lvl8pPr algn="ctr">
+            <a:lvl8pPr lvl="7" algn="ctr">
               <a:spcBef>
                 <a:spcPts val="0"/>
               </a:spcBef>
@@ -2640,7 +2528,7 @@
                 </a:solidFill>
               </a:defRPr>
             </a:lvl8pPr>
-            <a:lvl9pPr algn="ctr">
+            <a:lvl9pPr lvl="8" algn="ctr">
               <a:spcBef>
                 <a:spcPts val="0"/>
               </a:spcBef>
@@ -2662,7 +2550,7 @@
       </p:sp>
       <p:sp>
         <p:nvSpPr>
-          <p:cNvPr id="57" name="Shape 57"/>
+          <p:cNvPr id="58" name="Shape 58"/>
           <p:cNvSpPr txBox="1">
             <a:spLocks noGrp="1"/>
           </p:cNvSpPr>
@@ -2682,55 +2570,55 @@
         <p:txBody>
           <a:bodyPr lIns="91425" tIns="91425" rIns="91425" bIns="91425" anchor="t" anchorCtr="0"/>
           <a:lstStyle>
-            <a:lvl1pPr algn="ctr">
+            <a:lvl1pPr lvl="0" algn="ctr">
               <a:spcBef>
                 <a:spcPts val="0"/>
               </a:spcBef>
               <a:defRPr/>
             </a:lvl1pPr>
-            <a:lvl2pPr algn="ctr">
+            <a:lvl2pPr lvl="1" algn="ctr">
               <a:spcBef>
                 <a:spcPts val="0"/>
               </a:spcBef>
               <a:defRPr/>
             </a:lvl2pPr>
-            <a:lvl3pPr algn="ctr">
+            <a:lvl3pPr lvl="2" algn="ctr">
               <a:spcBef>
                 <a:spcPts val="0"/>
               </a:spcBef>
               <a:defRPr/>
             </a:lvl3pPr>
-            <a:lvl4pPr algn="ctr">
+            <a:lvl4pPr lvl="3" algn="ctr">
               <a:spcBef>
                 <a:spcPts val="0"/>
               </a:spcBef>
               <a:defRPr/>
             </a:lvl4pPr>
-            <a:lvl5pPr algn="ctr">
+            <a:lvl5pPr lvl="4" algn="ctr">
               <a:spcBef>
                 <a:spcPts val="0"/>
               </a:spcBef>
               <a:defRPr/>
             </a:lvl5pPr>
-            <a:lvl6pPr algn="ctr">
+            <a:lvl6pPr lvl="5" algn="ctr">
               <a:spcBef>
                 <a:spcPts val="0"/>
               </a:spcBef>
               <a:defRPr/>
             </a:lvl6pPr>
-            <a:lvl7pPr algn="ctr">
+            <a:lvl7pPr lvl="6" algn="ctr">
               <a:spcBef>
                 <a:spcPts val="0"/>
               </a:spcBef>
               <a:defRPr/>
             </a:lvl7pPr>
-            <a:lvl8pPr algn="ctr">
+            <a:lvl8pPr lvl="7" algn="ctr">
               <a:spcBef>
                 <a:spcPts val="0"/>
               </a:spcBef>
               <a:defRPr/>
             </a:lvl8pPr>
-            <a:lvl9pPr algn="ctr">
+            <a:lvl9pPr lvl="8" algn="ctr">
               <a:spcBef>
                 <a:spcPts val="0"/>
               </a:spcBef>
@@ -2744,7 +2632,7 @@
       </p:sp>
       <p:sp>
         <p:nvSpPr>
-          <p:cNvPr id="58" name="Shape 58"/>
+          <p:cNvPr id="59" name="Shape 59"/>
           <p:cNvSpPr txBox="1">
             <a:spLocks noGrp="1"/>
           </p:cNvSpPr>
@@ -2767,7 +2655,7 @@
           </a:bodyPr>
           <a:lstStyle/>
           <a:p>
-            <a:pPr>
+            <a:pPr lvl="0">
               <a:spcBef>
                 <a:spcPts val="0"/>
               </a:spcBef>
@@ -2775,7 +2663,7 @@
             </a:pPr>
             <a:fld id="{00000000-1234-1234-1234-123412341234}" type="slidenum">
               <a:rPr lang="en-US"/>
-              <a:pPr>
+              <a:pPr lvl="0">
                 <a:spcBef>
                   <a:spcPts val="0"/>
                 </a:spcBef>
@@ -2800,7 +2688,7 @@
   <p:cSld name="Blank">
     <p:spTree>
       <p:nvGrpSpPr>
-        <p:cNvPr id="1" name="Shape 59"/>
+        <p:cNvPr id="1" name="Shape 60"/>
         <p:cNvGrpSpPr/>
         <p:nvPr/>
       </p:nvGrpSpPr>
@@ -2814,7 +2702,7 @@
       </p:grpSpPr>
       <p:sp>
         <p:nvSpPr>
-          <p:cNvPr id="60" name="Shape 60"/>
+          <p:cNvPr id="61" name="Shape 61"/>
           <p:cNvSpPr txBox="1">
             <a:spLocks noGrp="1"/>
           </p:cNvSpPr>
@@ -2837,7 +2725,7 @@
           </a:bodyPr>
           <a:lstStyle/>
           <a:p>
-            <a:pPr>
+            <a:pPr lvl="0">
               <a:spcBef>
                 <a:spcPts val="0"/>
               </a:spcBef>
@@ -2845,7 +2733,7 @@
             </a:pPr>
             <a:fld id="{00000000-1234-1234-1234-123412341234}" type="slidenum">
               <a:rPr lang="en-US"/>
-              <a:pPr>
+              <a:pPr lvl="0">
                 <a:spcBef>
                   <a:spcPts val="0"/>
                 </a:spcBef>
@@ -2870,7 +2758,7 @@
   <p:cSld name="Title and Content">
     <p:spTree>
       <p:nvGrpSpPr>
-        <p:cNvPr id="1" name="Shape 61"/>
+        <p:cNvPr id="1" name="Shape 62"/>
         <p:cNvGrpSpPr/>
         <p:nvPr/>
       </p:nvGrpSpPr>
@@ -2884,7 +2772,7 @@
       </p:grpSpPr>
       <p:sp>
         <p:nvSpPr>
-          <p:cNvPr id="62" name="Shape 62"/>
+          <p:cNvPr id="63" name="Shape 63"/>
           <p:cNvSpPr txBox="1">
             <a:spLocks noGrp="1"/>
           </p:cNvSpPr>
@@ -2908,7 +2796,7 @@
         <p:txBody>
           <a:bodyPr lIns="91425" tIns="91425" rIns="91425" bIns="91425" anchor="ctr" anchorCtr="0"/>
           <a:lstStyle>
-            <a:lvl1pPr algn="ctr" rtl="0">
+            <a:lvl1pPr lvl="0" algn="ctr" rtl="0">
               <a:spcBef>
                 <a:spcPts val="0"/>
               </a:spcBef>
@@ -2927,49 +2815,49 @@
                 <a:sym typeface="Calibri"/>
               </a:defRPr>
             </a:lvl1pPr>
-            <a:lvl2pPr rtl="0">
+            <a:lvl2pPr lvl="1" rtl="0">
               <a:spcBef>
                 <a:spcPts val="0"/>
               </a:spcBef>
               <a:defRPr/>
             </a:lvl2pPr>
-            <a:lvl3pPr rtl="0">
+            <a:lvl3pPr lvl="2" rtl="0">
               <a:spcBef>
                 <a:spcPts val="0"/>
               </a:spcBef>
               <a:defRPr/>
             </a:lvl3pPr>
-            <a:lvl4pPr rtl="0">
+            <a:lvl4pPr lvl="3" rtl="0">
               <a:spcBef>
                 <a:spcPts val="0"/>
               </a:spcBef>
               <a:defRPr/>
             </a:lvl4pPr>
-            <a:lvl5pPr rtl="0">
+            <a:lvl5pPr lvl="4" rtl="0">
               <a:spcBef>
                 <a:spcPts val="0"/>
               </a:spcBef>
               <a:defRPr/>
             </a:lvl5pPr>
-            <a:lvl6pPr rtl="0">
+            <a:lvl6pPr lvl="5" rtl="0">
               <a:spcBef>
                 <a:spcPts val="0"/>
               </a:spcBef>
               <a:defRPr/>
             </a:lvl6pPr>
-            <a:lvl7pPr rtl="0">
+            <a:lvl7pPr lvl="6" rtl="0">
               <a:spcBef>
                 <a:spcPts val="0"/>
               </a:spcBef>
               <a:defRPr/>
             </a:lvl7pPr>
-            <a:lvl8pPr rtl="0">
+            <a:lvl8pPr lvl="7" rtl="0">
               <a:spcBef>
                 <a:spcPts val="0"/>
               </a:spcBef>
               <a:defRPr/>
             </a:lvl8pPr>
-            <a:lvl9pPr rtl="0">
+            <a:lvl9pPr lvl="8" rtl="0">
               <a:spcBef>
                 <a:spcPts val="0"/>
               </a:spcBef>
@@ -2983,7 +2871,7 @@
       </p:sp>
       <p:sp>
         <p:nvSpPr>
-          <p:cNvPr id="63" name="Shape 63"/>
+          <p:cNvPr id="64" name="Shape 64"/>
           <p:cNvSpPr txBox="1">
             <a:spLocks noGrp="1"/>
           </p:cNvSpPr>
@@ -3007,7 +2895,7 @@
         <p:txBody>
           <a:bodyPr lIns="91425" tIns="91425" rIns="91425" bIns="91425" anchor="t" anchorCtr="0"/>
           <a:lstStyle>
-            <a:lvl1pPr marL="342900" indent="-139700" algn="l" rtl="0">
+            <a:lvl1pPr marL="342900" lvl="0" indent="-139700" algn="l" rtl="0">
               <a:spcBef>
                 <a:spcPts val="640"/>
               </a:spcBef>
@@ -3026,7 +2914,7 @@
                 <a:sym typeface="Calibri"/>
               </a:defRPr>
             </a:lvl1pPr>
-            <a:lvl2pPr marL="742950" indent="-107950" algn="l" rtl="0">
+            <a:lvl2pPr marL="742950" lvl="1" indent="-107950" algn="l" rtl="0">
               <a:spcBef>
                 <a:spcPts val="560"/>
               </a:spcBef>
@@ -3045,7 +2933,7 @@
                 <a:sym typeface="Calibri"/>
               </a:defRPr>
             </a:lvl2pPr>
-            <a:lvl3pPr marL="1143000" indent="-76200" algn="l" rtl="0">
+            <a:lvl3pPr marL="1143000" lvl="2" indent="-76200" algn="l" rtl="0">
               <a:spcBef>
                 <a:spcPts val="480"/>
               </a:spcBef>
@@ -3064,7 +2952,7 @@
                 <a:sym typeface="Calibri"/>
               </a:defRPr>
             </a:lvl3pPr>
-            <a:lvl4pPr marL="1600200" indent="-101600" algn="l" rtl="0">
+            <a:lvl4pPr marL="1600200" lvl="3" indent="-101600" algn="l" rtl="0">
               <a:spcBef>
                 <a:spcPts val="400"/>
               </a:spcBef>
@@ -3083,7 +2971,7 @@
                 <a:sym typeface="Calibri"/>
               </a:defRPr>
             </a:lvl4pPr>
-            <a:lvl5pPr marL="2057400" indent="-101600" algn="l" rtl="0">
+            <a:lvl5pPr marL="2057400" lvl="4" indent="-101600" algn="l" rtl="0">
               <a:spcBef>
                 <a:spcPts val="400"/>
               </a:spcBef>
@@ -3102,7 +2990,7 @@
                 <a:sym typeface="Calibri"/>
               </a:defRPr>
             </a:lvl5pPr>
-            <a:lvl6pPr marL="2514600" indent="-101600" algn="l" rtl="0">
+            <a:lvl6pPr marL="2514600" lvl="5" indent="-101600" algn="l" rtl="0">
               <a:spcBef>
                 <a:spcPts val="400"/>
               </a:spcBef>
@@ -3121,7 +3009,7 @@
                 <a:sym typeface="Calibri"/>
               </a:defRPr>
             </a:lvl6pPr>
-            <a:lvl7pPr marL="2971800" indent="-101600" algn="l" rtl="0">
+            <a:lvl7pPr marL="2971800" lvl="6" indent="-101600" algn="l" rtl="0">
               <a:spcBef>
                 <a:spcPts val="400"/>
               </a:spcBef>
@@ -3140,7 +3028,7 @@
                 <a:sym typeface="Calibri"/>
               </a:defRPr>
             </a:lvl7pPr>
-            <a:lvl8pPr marL="3429000" indent="-101600" algn="l" rtl="0">
+            <a:lvl8pPr marL="3429000" lvl="7" indent="-101600" algn="l" rtl="0">
               <a:spcBef>
                 <a:spcPts val="400"/>
               </a:spcBef>
@@ -3159,7 +3047,7 @@
                 <a:sym typeface="Calibri"/>
               </a:defRPr>
             </a:lvl8pPr>
-            <a:lvl9pPr marL="3886200" indent="-101600" algn="l" rtl="0">
+            <a:lvl9pPr marL="3886200" lvl="8" indent="-101600" algn="l" rtl="0">
               <a:spcBef>
                 <a:spcPts val="400"/>
               </a:spcBef>
@@ -3186,7 +3074,7 @@
       </p:sp>
       <p:sp>
         <p:nvSpPr>
-          <p:cNvPr id="64" name="Shape 64"/>
+          <p:cNvPr id="65" name="Shape 65"/>
           <p:cNvSpPr txBox="1">
             <a:spLocks noGrp="1"/>
           </p:cNvSpPr>
@@ -3210,11 +3098,11 @@
         <p:txBody>
           <a:bodyPr lIns="91425" tIns="91425" rIns="91425" bIns="91425" anchor="ctr" anchorCtr="0"/>
           <a:lstStyle>
-            <a:lvl1pPr marL="0" marR="0" indent="0" algn="l" rtl="0">
-              <a:spcBef>
-                <a:spcPts val="0"/>
-              </a:spcBef>
-              <a:defRPr sz="1200" b="0" i="0" u="none" strike="noStrike" cap="none" baseline="0">
+            <a:lvl1pPr marL="0" marR="0" lvl="0" indent="0" algn="l" rtl="0">
+              <a:spcBef>
+                <a:spcPts val="0"/>
+              </a:spcBef>
+              <a:defRPr sz="1200" b="0" i="0" u="none" strike="noStrike" cap="none">
                 <a:solidFill>
                   <a:srgbClr val="888888"/>
                 </a:solidFill>
@@ -3224,11 +3112,11 @@
                 <a:sym typeface="Calibri"/>
               </a:defRPr>
             </a:lvl1pPr>
-            <a:lvl2pPr marL="457200" marR="0" indent="0" algn="l" rtl="0">
-              <a:spcBef>
-                <a:spcPts val="0"/>
-              </a:spcBef>
-              <a:defRPr sz="1800" b="0" i="0" u="none" strike="noStrike" cap="none" baseline="0">
+            <a:lvl2pPr marL="457200" marR="0" lvl="1" indent="0" algn="l" rtl="0">
+              <a:spcBef>
+                <a:spcPts val="0"/>
+              </a:spcBef>
+              <a:defRPr sz="1800" b="0" i="0" u="none" strike="noStrike" cap="none">
                 <a:solidFill>
                   <a:schemeClr val="dk1"/>
                 </a:solidFill>
@@ -3238,11 +3126,11 @@
                 <a:sym typeface="Calibri"/>
               </a:defRPr>
             </a:lvl2pPr>
-            <a:lvl3pPr marL="914400" marR="0" indent="0" algn="l" rtl="0">
-              <a:spcBef>
-                <a:spcPts val="0"/>
-              </a:spcBef>
-              <a:defRPr sz="1800" b="0" i="0" u="none" strike="noStrike" cap="none" baseline="0">
+            <a:lvl3pPr marL="914400" marR="0" lvl="2" indent="0" algn="l" rtl="0">
+              <a:spcBef>
+                <a:spcPts val="0"/>
+              </a:spcBef>
+              <a:defRPr sz="1800" b="0" i="0" u="none" strike="noStrike" cap="none">
                 <a:solidFill>
                   <a:schemeClr val="dk1"/>
                 </a:solidFill>
@@ -3252,11 +3140,11 @@
                 <a:sym typeface="Calibri"/>
               </a:defRPr>
             </a:lvl3pPr>
-            <a:lvl4pPr marL="1371600" marR="0" indent="0" algn="l" rtl="0">
-              <a:spcBef>
-                <a:spcPts val="0"/>
-              </a:spcBef>
-              <a:defRPr sz="1800" b="0" i="0" u="none" strike="noStrike" cap="none" baseline="0">
+            <a:lvl4pPr marL="1371600" marR="0" lvl="3" indent="0" algn="l" rtl="0">
+              <a:spcBef>
+                <a:spcPts val="0"/>
+              </a:spcBef>
+              <a:defRPr sz="1800" b="0" i="0" u="none" strike="noStrike" cap="none">
                 <a:solidFill>
                   <a:schemeClr val="dk1"/>
                 </a:solidFill>
@@ -3266,11 +3154,11 @@
                 <a:sym typeface="Calibri"/>
               </a:defRPr>
             </a:lvl4pPr>
-            <a:lvl5pPr marL="1828800" marR="0" indent="0" algn="l" rtl="0">
-              <a:spcBef>
-                <a:spcPts val="0"/>
-              </a:spcBef>
-              <a:defRPr sz="1800" b="0" i="0" u="none" strike="noStrike" cap="none" baseline="0">
+            <a:lvl5pPr marL="1828800" marR="0" lvl="4" indent="0" algn="l" rtl="0">
+              <a:spcBef>
+                <a:spcPts val="0"/>
+              </a:spcBef>
+              <a:defRPr sz="1800" b="0" i="0" u="none" strike="noStrike" cap="none">
                 <a:solidFill>
                   <a:schemeClr val="dk1"/>
                 </a:solidFill>
@@ -3280,11 +3168,11 @@
                 <a:sym typeface="Calibri"/>
               </a:defRPr>
             </a:lvl5pPr>
-            <a:lvl6pPr marL="2286000" marR="0" indent="0" algn="l" rtl="0">
-              <a:spcBef>
-                <a:spcPts val="0"/>
-              </a:spcBef>
-              <a:defRPr sz="1800" b="0" i="0" u="none" strike="noStrike" cap="none" baseline="0">
+            <a:lvl6pPr marL="2286000" marR="0" lvl="5" indent="0" algn="l" rtl="0">
+              <a:spcBef>
+                <a:spcPts val="0"/>
+              </a:spcBef>
+              <a:defRPr sz="1800" b="0" i="0" u="none" strike="noStrike" cap="none">
                 <a:solidFill>
                   <a:schemeClr val="dk1"/>
                 </a:solidFill>
@@ -3294,11 +3182,11 @@
                 <a:sym typeface="Calibri"/>
               </a:defRPr>
             </a:lvl6pPr>
-            <a:lvl7pPr marL="2743200" marR="0" indent="0" algn="l" rtl="0">
-              <a:spcBef>
-                <a:spcPts val="0"/>
-              </a:spcBef>
-              <a:defRPr sz="1800" b="0" i="0" u="none" strike="noStrike" cap="none" baseline="0">
+            <a:lvl7pPr marL="2743200" marR="0" lvl="6" indent="0" algn="l" rtl="0">
+              <a:spcBef>
+                <a:spcPts val="0"/>
+              </a:spcBef>
+              <a:defRPr sz="1800" b="0" i="0" u="none" strike="noStrike" cap="none">
                 <a:solidFill>
                   <a:schemeClr val="dk1"/>
                 </a:solidFill>
@@ -3308,11 +3196,11 @@
                 <a:sym typeface="Calibri"/>
               </a:defRPr>
             </a:lvl7pPr>
-            <a:lvl8pPr marL="3200400" marR="0" indent="0" algn="l" rtl="0">
-              <a:spcBef>
-                <a:spcPts val="0"/>
-              </a:spcBef>
-              <a:defRPr sz="1800" b="0" i="0" u="none" strike="noStrike" cap="none" baseline="0">
+            <a:lvl8pPr marL="3200400" marR="0" lvl="7" indent="0" algn="l" rtl="0">
+              <a:spcBef>
+                <a:spcPts val="0"/>
+              </a:spcBef>
+              <a:defRPr sz="1800" b="0" i="0" u="none" strike="noStrike" cap="none">
                 <a:solidFill>
                   <a:schemeClr val="dk1"/>
                 </a:solidFill>
@@ -3322,11 +3210,11 @@
                 <a:sym typeface="Calibri"/>
               </a:defRPr>
             </a:lvl8pPr>
-            <a:lvl9pPr marL="3657600" marR="0" indent="0" algn="l" rtl="0">
-              <a:spcBef>
-                <a:spcPts val="0"/>
-              </a:spcBef>
-              <a:defRPr sz="1800" b="0" i="0" u="none" strike="noStrike" cap="none" baseline="0">
+            <a:lvl9pPr marL="3657600" marR="0" lvl="8" indent="0" algn="l" rtl="0">
+              <a:spcBef>
+                <a:spcPts val="0"/>
+              </a:spcBef>
+              <a:defRPr sz="1800" b="0" i="0" u="none" strike="noStrike" cap="none">
                 <a:solidFill>
                   <a:schemeClr val="dk1"/>
                 </a:solidFill>
@@ -3344,7 +3232,7 @@
       </p:sp>
       <p:sp>
         <p:nvSpPr>
-          <p:cNvPr id="65" name="Shape 65"/>
+          <p:cNvPr id="66" name="Shape 66"/>
           <p:cNvSpPr txBox="1">
             <a:spLocks noGrp="1"/>
           </p:cNvSpPr>
@@ -3368,11 +3256,11 @@
         <p:txBody>
           <a:bodyPr lIns="91425" tIns="91425" rIns="91425" bIns="91425" anchor="ctr" anchorCtr="0"/>
           <a:lstStyle>
-            <a:lvl1pPr marL="0" marR="0" indent="0" algn="ctr" rtl="0">
-              <a:spcBef>
-                <a:spcPts val="0"/>
-              </a:spcBef>
-              <a:defRPr sz="1200" b="0" i="0" u="none" strike="noStrike" cap="none" baseline="0">
+            <a:lvl1pPr marL="0" marR="0" lvl="0" indent="0" algn="ctr" rtl="0">
+              <a:spcBef>
+                <a:spcPts val="0"/>
+              </a:spcBef>
+              <a:defRPr sz="1200" b="0" i="0" u="none" strike="noStrike" cap="none">
                 <a:solidFill>
                   <a:srgbClr val="888888"/>
                 </a:solidFill>
@@ -3382,11 +3270,11 @@
                 <a:sym typeface="Calibri"/>
               </a:defRPr>
             </a:lvl1pPr>
-            <a:lvl2pPr marL="457200" marR="0" indent="0" algn="l" rtl="0">
-              <a:spcBef>
-                <a:spcPts val="0"/>
-              </a:spcBef>
-              <a:defRPr sz="1800" b="0" i="0" u="none" strike="noStrike" cap="none" baseline="0">
+            <a:lvl2pPr marL="457200" marR="0" lvl="1" indent="0" algn="l" rtl="0">
+              <a:spcBef>
+                <a:spcPts val="0"/>
+              </a:spcBef>
+              <a:defRPr sz="1800" b="0" i="0" u="none" strike="noStrike" cap="none">
                 <a:solidFill>
                   <a:schemeClr val="dk1"/>
                 </a:solidFill>
@@ -3396,11 +3284,11 @@
                 <a:sym typeface="Calibri"/>
               </a:defRPr>
             </a:lvl2pPr>
-            <a:lvl3pPr marL="914400" marR="0" indent="0" algn="l" rtl="0">
-              <a:spcBef>
-                <a:spcPts val="0"/>
-              </a:spcBef>
-              <a:defRPr sz="1800" b="0" i="0" u="none" strike="noStrike" cap="none" baseline="0">
+            <a:lvl3pPr marL="914400" marR="0" lvl="2" indent="0" algn="l" rtl="0">
+              <a:spcBef>
+                <a:spcPts val="0"/>
+              </a:spcBef>
+              <a:defRPr sz="1800" b="0" i="0" u="none" strike="noStrike" cap="none">
                 <a:solidFill>
                   <a:schemeClr val="dk1"/>
                 </a:solidFill>
@@ -3410,11 +3298,11 @@
                 <a:sym typeface="Calibri"/>
               </a:defRPr>
             </a:lvl3pPr>
-            <a:lvl4pPr marL="1371600" marR="0" indent="0" algn="l" rtl="0">
-              <a:spcBef>
-                <a:spcPts val="0"/>
-              </a:spcBef>
-              <a:defRPr sz="1800" b="0" i="0" u="none" strike="noStrike" cap="none" baseline="0">
+            <a:lvl4pPr marL="1371600" marR="0" lvl="3" indent="0" algn="l" rtl="0">
+              <a:spcBef>
+                <a:spcPts val="0"/>
+              </a:spcBef>
+              <a:defRPr sz="1800" b="0" i="0" u="none" strike="noStrike" cap="none">
                 <a:solidFill>
                   <a:schemeClr val="dk1"/>
                 </a:solidFill>
@@ -3424,11 +3312,11 @@
                 <a:sym typeface="Calibri"/>
               </a:defRPr>
             </a:lvl4pPr>
-            <a:lvl5pPr marL="1828800" marR="0" indent="0" algn="l" rtl="0">
-              <a:spcBef>
-                <a:spcPts val="0"/>
-              </a:spcBef>
-              <a:defRPr sz="1800" b="0" i="0" u="none" strike="noStrike" cap="none" baseline="0">
+            <a:lvl5pPr marL="1828800" marR="0" lvl="4" indent="0" algn="l" rtl="0">
+              <a:spcBef>
+                <a:spcPts val="0"/>
+              </a:spcBef>
+              <a:defRPr sz="1800" b="0" i="0" u="none" strike="noStrike" cap="none">
                 <a:solidFill>
                   <a:schemeClr val="dk1"/>
                 </a:solidFill>
@@ -3438,11 +3326,11 @@
                 <a:sym typeface="Calibri"/>
               </a:defRPr>
             </a:lvl5pPr>
-            <a:lvl6pPr marL="2286000" marR="0" indent="0" algn="l" rtl="0">
-              <a:spcBef>
-                <a:spcPts val="0"/>
-              </a:spcBef>
-              <a:defRPr sz="1800" b="0" i="0" u="none" strike="noStrike" cap="none" baseline="0">
+            <a:lvl6pPr marL="2286000" marR="0" lvl="5" indent="0" algn="l" rtl="0">
+              <a:spcBef>
+                <a:spcPts val="0"/>
+              </a:spcBef>
+              <a:defRPr sz="1800" b="0" i="0" u="none" strike="noStrike" cap="none">
                 <a:solidFill>
                   <a:schemeClr val="dk1"/>
                 </a:solidFill>
@@ -3452,11 +3340,11 @@
                 <a:sym typeface="Calibri"/>
               </a:defRPr>
             </a:lvl6pPr>
-            <a:lvl7pPr marL="2743200" marR="0" indent="0" algn="l" rtl="0">
-              <a:spcBef>
-                <a:spcPts val="0"/>
-              </a:spcBef>
-              <a:defRPr sz="1800" b="0" i="0" u="none" strike="noStrike" cap="none" baseline="0">
+            <a:lvl7pPr marL="2743200" marR="0" lvl="6" indent="0" algn="l" rtl="0">
+              <a:spcBef>
+                <a:spcPts val="0"/>
+              </a:spcBef>
+              <a:defRPr sz="1800" b="0" i="0" u="none" strike="noStrike" cap="none">
                 <a:solidFill>
                   <a:schemeClr val="dk1"/>
                 </a:solidFill>
@@ -3466,11 +3354,11 @@
                 <a:sym typeface="Calibri"/>
               </a:defRPr>
             </a:lvl7pPr>
-            <a:lvl8pPr marL="3200400" marR="0" indent="0" algn="l" rtl="0">
-              <a:spcBef>
-                <a:spcPts val="0"/>
-              </a:spcBef>
-              <a:defRPr sz="1800" b="0" i="0" u="none" strike="noStrike" cap="none" baseline="0">
+            <a:lvl8pPr marL="3200400" marR="0" lvl="7" indent="0" algn="l" rtl="0">
+              <a:spcBef>
+                <a:spcPts val="0"/>
+              </a:spcBef>
+              <a:defRPr sz="1800" b="0" i="0" u="none" strike="noStrike" cap="none">
                 <a:solidFill>
                   <a:schemeClr val="dk1"/>
                 </a:solidFill>
@@ -3480,11 +3368,11 @@
                 <a:sym typeface="Calibri"/>
               </a:defRPr>
             </a:lvl8pPr>
-            <a:lvl9pPr marL="3657600" marR="0" indent="0" algn="l" rtl="0">
-              <a:spcBef>
-                <a:spcPts val="0"/>
-              </a:spcBef>
-              <a:defRPr sz="1800" b="0" i="0" u="none" strike="noStrike" cap="none" baseline="0">
+            <a:lvl9pPr marL="3657600" marR="0" lvl="8" indent="0" algn="l" rtl="0">
+              <a:spcBef>
+                <a:spcPts val="0"/>
+              </a:spcBef>
+              <a:defRPr sz="1800" b="0" i="0" u="none" strike="noStrike" cap="none">
                 <a:solidFill>
                   <a:schemeClr val="dk1"/>
                 </a:solidFill>
@@ -3502,7 +3390,7 @@
       </p:sp>
       <p:sp>
         <p:nvSpPr>
-          <p:cNvPr id="66" name="Shape 66"/>
+          <p:cNvPr id="67" name="Shape 67"/>
           <p:cNvSpPr txBox="1">
             <a:spLocks noGrp="1"/>
           </p:cNvSpPr>
@@ -3537,7 +3425,7 @@
               <a:buNone/>
             </a:pPr>
             <a:fld id="{00000000-1234-1234-1234-123412341234}" type="slidenum">
-              <a:rPr lang="en-US" sz="1200" b="0" i="0" u="none" strike="noStrike" cap="none" baseline="0">
+              <a:rPr lang="en-US" sz="1200" b="0" i="0" u="none" strike="noStrike" cap="none">
                 <a:solidFill>
                   <a:srgbClr val="888888"/>
                 </a:solidFill>
@@ -3555,7 +3443,7 @@
               </a:pPr>
               <a:t>‹nº›</a:t>
             </a:fld>
-            <a:endParaRPr lang="en-US" sz="1200" b="0" i="0" u="none" strike="noStrike" cap="none" baseline="0">
+            <a:endParaRPr lang="en-US" sz="1200" b="0" i="0" u="none" strike="noStrike" cap="none">
               <a:solidFill>
                 <a:srgbClr val="888888"/>
               </a:solidFill>
@@ -3580,7 +3468,7 @@
   <p:cSld name="Blank">
     <p:spTree>
       <p:nvGrpSpPr>
-        <p:cNvPr id="1" name="Shape 115"/>
+        <p:cNvPr id="1" name="Shape 116"/>
         <p:cNvGrpSpPr/>
         <p:nvPr/>
       </p:nvGrpSpPr>
@@ -3605,7 +3493,7 @@
   <p:cSld name="Section title">
     <p:spTree>
       <p:nvGrpSpPr>
-        <p:cNvPr id="1" name="Shape 20"/>
+        <p:cNvPr id="1" name="Shape 21"/>
         <p:cNvGrpSpPr/>
         <p:nvPr/>
       </p:nvGrpSpPr>
@@ -3619,7 +3507,7 @@
       </p:grpSpPr>
       <p:sp>
         <p:nvSpPr>
-          <p:cNvPr id="21" name="Shape 21"/>
+          <p:cNvPr id="22" name="Shape 22"/>
           <p:cNvSpPr/>
           <p:nvPr/>
         </p:nvSpPr>
@@ -3644,94 +3532,12 @@
           </a:bodyPr>
           <a:lstStyle/>
           <a:p>
-            <a:pPr>
-              <a:spcBef>
-                <a:spcPts val="0"/>
-              </a:spcBef>
-              <a:buNone/>
-            </a:pPr>
-            <a:endParaRPr/>
-          </a:p>
-        </p:txBody>
-      </p:sp>
-      <p:sp>
-        <p:nvSpPr>
-          <p:cNvPr id="22" name="Shape 22"/>
-          <p:cNvSpPr txBox="1">
-            <a:spLocks noGrp="1"/>
-          </p:cNvSpPr>
-          <p:nvPr>
-            <p:ph type="title"/>
-          </p:nvPr>
-        </p:nvSpPr>
-        <p:spPr>
-          <a:xfrm>
-            <a:off x="311700" y="1086400"/>
-            <a:ext cx="8571300" cy="1256100"/>
-          </a:xfrm>
-          <a:prstGeom prst="rect">
-            <a:avLst/>
-          </a:prstGeom>
-        </p:spPr>
-        <p:txBody>
-          <a:bodyPr lIns="91425" tIns="91425" rIns="91425" bIns="91425" anchor="ctr" anchorCtr="0"/>
-          <a:lstStyle>
-            <a:lvl1pPr algn="ctr">
-              <a:spcBef>
-                <a:spcPts val="0"/>
-              </a:spcBef>
-              <a:defRPr/>
-            </a:lvl1pPr>
-            <a:lvl2pPr algn="ctr">
-              <a:spcBef>
-                <a:spcPts val="0"/>
-              </a:spcBef>
-              <a:defRPr/>
-            </a:lvl2pPr>
-            <a:lvl3pPr algn="ctr">
-              <a:spcBef>
-                <a:spcPts val="0"/>
-              </a:spcBef>
-              <a:defRPr/>
-            </a:lvl3pPr>
-            <a:lvl4pPr algn="ctr">
-              <a:spcBef>
-                <a:spcPts val="0"/>
-              </a:spcBef>
-              <a:defRPr/>
-            </a:lvl4pPr>
-            <a:lvl5pPr algn="ctr">
-              <a:spcBef>
-                <a:spcPts val="0"/>
-              </a:spcBef>
-              <a:defRPr/>
-            </a:lvl5pPr>
-            <a:lvl6pPr algn="ctr">
-              <a:spcBef>
-                <a:spcPts val="0"/>
-              </a:spcBef>
-              <a:defRPr/>
-            </a:lvl6pPr>
-            <a:lvl7pPr algn="ctr">
-              <a:spcBef>
-                <a:spcPts val="0"/>
-              </a:spcBef>
-              <a:defRPr/>
-            </a:lvl7pPr>
-            <a:lvl8pPr algn="ctr">
-              <a:spcBef>
-                <a:spcPts val="0"/>
-              </a:spcBef>
-              <a:defRPr/>
-            </a:lvl8pPr>
-            <a:lvl9pPr algn="ctr">
-              <a:spcBef>
-                <a:spcPts val="0"/>
-              </a:spcBef>
-              <a:defRPr/>
-            </a:lvl9pPr>
-          </a:lstStyle>
-          <a:p>
+            <a:pPr lvl="0">
+              <a:spcBef>
+                <a:spcPts val="0"/>
+              </a:spcBef>
+              <a:buNone/>
+            </a:pPr>
             <a:endParaRPr/>
           </a:p>
         </p:txBody>
@@ -3743,6 +3549,88 @@
             <a:spLocks noGrp="1"/>
           </p:cNvSpPr>
           <p:nvPr>
+            <p:ph type="title"/>
+          </p:nvPr>
+        </p:nvSpPr>
+        <p:spPr>
+          <a:xfrm>
+            <a:off x="311700" y="1086400"/>
+            <a:ext cx="8571300" cy="1256100"/>
+          </a:xfrm>
+          <a:prstGeom prst="rect">
+            <a:avLst/>
+          </a:prstGeom>
+        </p:spPr>
+        <p:txBody>
+          <a:bodyPr lIns="91425" tIns="91425" rIns="91425" bIns="91425" anchor="ctr" anchorCtr="0"/>
+          <a:lstStyle>
+            <a:lvl1pPr lvl="0" algn="ctr">
+              <a:spcBef>
+                <a:spcPts val="0"/>
+              </a:spcBef>
+              <a:defRPr/>
+            </a:lvl1pPr>
+            <a:lvl2pPr lvl="1" algn="ctr">
+              <a:spcBef>
+                <a:spcPts val="0"/>
+              </a:spcBef>
+              <a:defRPr/>
+            </a:lvl2pPr>
+            <a:lvl3pPr lvl="2" algn="ctr">
+              <a:spcBef>
+                <a:spcPts val="0"/>
+              </a:spcBef>
+              <a:defRPr/>
+            </a:lvl3pPr>
+            <a:lvl4pPr lvl="3" algn="ctr">
+              <a:spcBef>
+                <a:spcPts val="0"/>
+              </a:spcBef>
+              <a:defRPr/>
+            </a:lvl4pPr>
+            <a:lvl5pPr lvl="4" algn="ctr">
+              <a:spcBef>
+                <a:spcPts val="0"/>
+              </a:spcBef>
+              <a:defRPr/>
+            </a:lvl5pPr>
+            <a:lvl6pPr lvl="5" algn="ctr">
+              <a:spcBef>
+                <a:spcPts val="0"/>
+              </a:spcBef>
+              <a:defRPr/>
+            </a:lvl6pPr>
+            <a:lvl7pPr lvl="6" algn="ctr">
+              <a:spcBef>
+                <a:spcPts val="0"/>
+              </a:spcBef>
+              <a:defRPr/>
+            </a:lvl7pPr>
+            <a:lvl8pPr lvl="7" algn="ctr">
+              <a:spcBef>
+                <a:spcPts val="0"/>
+              </a:spcBef>
+              <a:defRPr/>
+            </a:lvl8pPr>
+            <a:lvl9pPr lvl="8" algn="ctr">
+              <a:spcBef>
+                <a:spcPts val="0"/>
+              </a:spcBef>
+              <a:defRPr/>
+            </a:lvl9pPr>
+          </a:lstStyle>
+          <a:p>
+            <a:endParaRPr/>
+          </a:p>
+        </p:txBody>
+      </p:sp>
+      <p:sp>
+        <p:nvSpPr>
+          <p:cNvPr id="24" name="Shape 24"/>
+          <p:cNvSpPr txBox="1">
+            <a:spLocks noGrp="1"/>
+          </p:cNvSpPr>
+          <p:nvPr>
             <p:ph type="sldNum" idx="12"/>
           </p:nvPr>
         </p:nvSpPr>
@@ -3761,7 +3649,7 @@
           </a:bodyPr>
           <a:lstStyle/>
           <a:p>
-            <a:pPr>
+            <a:pPr lvl="0">
               <a:spcBef>
                 <a:spcPts val="0"/>
               </a:spcBef>
@@ -3773,7 +3661,7 @@
                   <a:schemeClr val="lt1"/>
                 </a:solidFill>
               </a:rPr>
-              <a:pPr>
+              <a:pPr lvl="0">
                 <a:spcBef>
                   <a:spcPts val="0"/>
                 </a:spcBef>
@@ -3802,7 +3690,7 @@
   <p:cSld name="Title and body">
     <p:spTree>
       <p:nvGrpSpPr>
-        <p:cNvPr id="1" name="Shape 24"/>
+        <p:cNvPr id="1" name="Shape 25"/>
         <p:cNvGrpSpPr/>
         <p:nvPr/>
       </p:nvGrpSpPr>
@@ -3816,7 +3704,7 @@
       </p:grpSpPr>
       <p:sp>
         <p:nvSpPr>
-          <p:cNvPr id="25" name="Shape 25"/>
+          <p:cNvPr id="26" name="Shape 26"/>
           <p:cNvSpPr/>
           <p:nvPr/>
         </p:nvSpPr>
@@ -3841,94 +3729,12 @@
           </a:bodyPr>
           <a:lstStyle/>
           <a:p>
-            <a:pPr>
-              <a:spcBef>
-                <a:spcPts val="0"/>
-              </a:spcBef>
-              <a:buNone/>
-            </a:pPr>
-            <a:endParaRPr/>
-          </a:p>
-        </p:txBody>
-      </p:sp>
-      <p:sp>
-        <p:nvSpPr>
-          <p:cNvPr id="26" name="Shape 26"/>
-          <p:cNvSpPr txBox="1">
-            <a:spLocks noGrp="1"/>
-          </p:cNvSpPr>
-          <p:nvPr>
-            <p:ph type="title"/>
-          </p:nvPr>
-        </p:nvSpPr>
-        <p:spPr>
-          <a:xfrm>
-            <a:off x="311700" y="593366"/>
-            <a:ext cx="8520599" cy="943199"/>
-          </a:xfrm>
-          <a:prstGeom prst="rect">
-            <a:avLst/>
-          </a:prstGeom>
-        </p:spPr>
-        <p:txBody>
-          <a:bodyPr lIns="91425" tIns="91425" rIns="91425" bIns="91425" anchor="t" anchorCtr="0"/>
-          <a:lstStyle>
-            <a:lvl1pPr>
-              <a:spcBef>
-                <a:spcPts val="0"/>
-              </a:spcBef>
-              <a:defRPr/>
-            </a:lvl1pPr>
-            <a:lvl2pPr>
-              <a:spcBef>
-                <a:spcPts val="0"/>
-              </a:spcBef>
-              <a:defRPr/>
-            </a:lvl2pPr>
-            <a:lvl3pPr>
-              <a:spcBef>
-                <a:spcPts val="0"/>
-              </a:spcBef>
-              <a:defRPr/>
-            </a:lvl3pPr>
-            <a:lvl4pPr>
-              <a:spcBef>
-                <a:spcPts val="0"/>
-              </a:spcBef>
-              <a:defRPr/>
-            </a:lvl4pPr>
-            <a:lvl5pPr>
-              <a:spcBef>
-                <a:spcPts val="0"/>
-              </a:spcBef>
-              <a:defRPr/>
-            </a:lvl5pPr>
-            <a:lvl6pPr>
-              <a:spcBef>
-                <a:spcPts val="0"/>
-              </a:spcBef>
-              <a:defRPr/>
-            </a:lvl6pPr>
-            <a:lvl7pPr>
-              <a:spcBef>
-                <a:spcPts val="0"/>
-              </a:spcBef>
-              <a:defRPr/>
-            </a:lvl7pPr>
-            <a:lvl8pPr>
-              <a:spcBef>
-                <a:spcPts val="0"/>
-              </a:spcBef>
-              <a:defRPr/>
-            </a:lvl8pPr>
-            <a:lvl9pPr>
-              <a:spcBef>
-                <a:spcPts val="0"/>
-              </a:spcBef>
-              <a:defRPr/>
-            </a:lvl9pPr>
-          </a:lstStyle>
-          <a:p>
+            <a:pPr lvl="0">
+              <a:spcBef>
+                <a:spcPts val="0"/>
+              </a:spcBef>
+              <a:buNone/>
+            </a:pPr>
             <a:endParaRPr/>
           </a:p>
         </p:txBody>
@@ -3940,13 +3746,13 @@
             <a:spLocks noGrp="1"/>
           </p:cNvSpPr>
           <p:nvPr>
-            <p:ph type="body" idx="1"/>
+            <p:ph type="title"/>
           </p:nvPr>
         </p:nvSpPr>
         <p:spPr>
           <a:xfrm>
-            <a:off x="311700" y="1688433"/>
-            <a:ext cx="8520599" cy="4403700"/>
+            <a:off x="311700" y="593366"/>
+            <a:ext cx="8520599" cy="943199"/>
           </a:xfrm>
           <a:prstGeom prst="rect">
             <a:avLst/>
@@ -3955,55 +3761,55 @@
         <p:txBody>
           <a:bodyPr lIns="91425" tIns="91425" rIns="91425" bIns="91425" anchor="t" anchorCtr="0"/>
           <a:lstStyle>
-            <a:lvl1pPr>
+            <a:lvl1pPr lvl="0">
               <a:spcBef>
                 <a:spcPts val="0"/>
               </a:spcBef>
               <a:defRPr/>
             </a:lvl1pPr>
-            <a:lvl2pPr>
+            <a:lvl2pPr lvl="1">
               <a:spcBef>
                 <a:spcPts val="0"/>
               </a:spcBef>
               <a:defRPr/>
             </a:lvl2pPr>
-            <a:lvl3pPr>
+            <a:lvl3pPr lvl="2">
               <a:spcBef>
                 <a:spcPts val="0"/>
               </a:spcBef>
               <a:defRPr/>
             </a:lvl3pPr>
-            <a:lvl4pPr>
+            <a:lvl4pPr lvl="3">
               <a:spcBef>
                 <a:spcPts val="0"/>
               </a:spcBef>
               <a:defRPr/>
             </a:lvl4pPr>
-            <a:lvl5pPr>
+            <a:lvl5pPr lvl="4">
               <a:spcBef>
                 <a:spcPts val="0"/>
               </a:spcBef>
               <a:defRPr/>
             </a:lvl5pPr>
-            <a:lvl6pPr>
+            <a:lvl6pPr lvl="5">
               <a:spcBef>
                 <a:spcPts val="0"/>
               </a:spcBef>
               <a:defRPr/>
             </a:lvl6pPr>
-            <a:lvl7pPr>
+            <a:lvl7pPr lvl="6">
               <a:spcBef>
                 <a:spcPts val="0"/>
               </a:spcBef>
               <a:defRPr/>
             </a:lvl7pPr>
-            <a:lvl8pPr>
+            <a:lvl8pPr lvl="7">
               <a:spcBef>
                 <a:spcPts val="0"/>
               </a:spcBef>
               <a:defRPr/>
             </a:lvl8pPr>
-            <a:lvl9pPr>
+            <a:lvl9pPr lvl="8">
               <a:spcBef>
                 <a:spcPts val="0"/>
               </a:spcBef>
@@ -4022,6 +3828,88 @@
             <a:spLocks noGrp="1"/>
           </p:cNvSpPr>
           <p:nvPr>
+            <p:ph type="body" idx="1"/>
+          </p:nvPr>
+        </p:nvSpPr>
+        <p:spPr>
+          <a:xfrm>
+            <a:off x="311700" y="1688433"/>
+            <a:ext cx="8520599" cy="4403700"/>
+          </a:xfrm>
+          <a:prstGeom prst="rect">
+            <a:avLst/>
+          </a:prstGeom>
+        </p:spPr>
+        <p:txBody>
+          <a:bodyPr lIns="91425" tIns="91425" rIns="91425" bIns="91425" anchor="t" anchorCtr="0"/>
+          <a:lstStyle>
+            <a:lvl1pPr lvl="0">
+              <a:spcBef>
+                <a:spcPts val="0"/>
+              </a:spcBef>
+              <a:defRPr/>
+            </a:lvl1pPr>
+            <a:lvl2pPr lvl="1">
+              <a:spcBef>
+                <a:spcPts val="0"/>
+              </a:spcBef>
+              <a:defRPr/>
+            </a:lvl2pPr>
+            <a:lvl3pPr lvl="2">
+              <a:spcBef>
+                <a:spcPts val="0"/>
+              </a:spcBef>
+              <a:defRPr/>
+            </a:lvl3pPr>
+            <a:lvl4pPr lvl="3">
+              <a:spcBef>
+                <a:spcPts val="0"/>
+              </a:spcBef>
+              <a:defRPr/>
+            </a:lvl4pPr>
+            <a:lvl5pPr lvl="4">
+              <a:spcBef>
+                <a:spcPts val="0"/>
+              </a:spcBef>
+              <a:defRPr/>
+            </a:lvl5pPr>
+            <a:lvl6pPr lvl="5">
+              <a:spcBef>
+                <a:spcPts val="0"/>
+              </a:spcBef>
+              <a:defRPr/>
+            </a:lvl6pPr>
+            <a:lvl7pPr lvl="6">
+              <a:spcBef>
+                <a:spcPts val="0"/>
+              </a:spcBef>
+              <a:defRPr/>
+            </a:lvl7pPr>
+            <a:lvl8pPr lvl="7">
+              <a:spcBef>
+                <a:spcPts val="0"/>
+              </a:spcBef>
+              <a:defRPr/>
+            </a:lvl8pPr>
+            <a:lvl9pPr lvl="8">
+              <a:spcBef>
+                <a:spcPts val="0"/>
+              </a:spcBef>
+              <a:defRPr/>
+            </a:lvl9pPr>
+          </a:lstStyle>
+          <a:p>
+            <a:endParaRPr/>
+          </a:p>
+        </p:txBody>
+      </p:sp>
+      <p:sp>
+        <p:nvSpPr>
+          <p:cNvPr id="29" name="Shape 29"/>
+          <p:cNvSpPr txBox="1">
+            <a:spLocks noGrp="1"/>
+          </p:cNvSpPr>
+          <p:nvPr>
             <p:ph type="sldNum" idx="12"/>
           </p:nvPr>
         </p:nvSpPr>
@@ -4040,7 +3928,7 @@
           </a:bodyPr>
           <a:lstStyle/>
           <a:p>
-            <a:pPr>
+            <a:pPr lvl="0">
               <a:spcBef>
                 <a:spcPts val="0"/>
               </a:spcBef>
@@ -4048,7 +3936,7 @@
             </a:pPr>
             <a:fld id="{00000000-1234-1234-1234-123412341234}" type="slidenum">
               <a:rPr lang="en-US"/>
-              <a:pPr>
+              <a:pPr lvl="0">
                 <a:spcBef>
                   <a:spcPts val="0"/>
                 </a:spcBef>
@@ -4073,7 +3961,7 @@
   <p:cSld name="Title and two columns">
     <p:spTree>
       <p:nvGrpSpPr>
-        <p:cNvPr id="1" name="Shape 29"/>
+        <p:cNvPr id="1" name="Shape 30"/>
         <p:cNvGrpSpPr/>
         <p:nvPr/>
       </p:nvGrpSpPr>
@@ -4087,7 +3975,7 @@
       </p:grpSpPr>
       <p:sp>
         <p:nvSpPr>
-          <p:cNvPr id="30" name="Shape 30"/>
+          <p:cNvPr id="31" name="Shape 31"/>
           <p:cNvSpPr txBox="1">
             <a:spLocks noGrp="1"/>
           </p:cNvSpPr>
@@ -4107,150 +3995,59 @@
         <p:txBody>
           <a:bodyPr lIns="91425" tIns="91425" rIns="91425" bIns="91425" anchor="t" anchorCtr="0"/>
           <a:lstStyle>
-            <a:lvl1pPr>
+            <a:lvl1pPr lvl="0">
               <a:spcBef>
                 <a:spcPts val="0"/>
               </a:spcBef>
               <a:defRPr/>
             </a:lvl1pPr>
-            <a:lvl2pPr>
+            <a:lvl2pPr lvl="1">
               <a:spcBef>
                 <a:spcPts val="0"/>
               </a:spcBef>
               <a:defRPr/>
             </a:lvl2pPr>
-            <a:lvl3pPr>
+            <a:lvl3pPr lvl="2">
               <a:spcBef>
                 <a:spcPts val="0"/>
               </a:spcBef>
               <a:defRPr/>
             </a:lvl3pPr>
-            <a:lvl4pPr>
+            <a:lvl4pPr lvl="3">
               <a:spcBef>
                 <a:spcPts val="0"/>
               </a:spcBef>
               <a:defRPr/>
             </a:lvl4pPr>
-            <a:lvl5pPr>
+            <a:lvl5pPr lvl="4">
               <a:spcBef>
                 <a:spcPts val="0"/>
               </a:spcBef>
               <a:defRPr/>
             </a:lvl5pPr>
-            <a:lvl6pPr>
+            <a:lvl6pPr lvl="5">
               <a:spcBef>
                 <a:spcPts val="0"/>
               </a:spcBef>
               <a:defRPr/>
             </a:lvl6pPr>
-            <a:lvl7pPr>
+            <a:lvl7pPr lvl="6">
               <a:spcBef>
                 <a:spcPts val="0"/>
               </a:spcBef>
               <a:defRPr/>
             </a:lvl7pPr>
-            <a:lvl8pPr>
+            <a:lvl8pPr lvl="7">
               <a:spcBef>
                 <a:spcPts val="0"/>
               </a:spcBef>
               <a:defRPr/>
             </a:lvl8pPr>
-            <a:lvl9pPr>
+            <a:lvl9pPr lvl="8">
               <a:spcBef>
                 <a:spcPts val="0"/>
               </a:spcBef>
               <a:defRPr/>
-            </a:lvl9pPr>
-          </a:lstStyle>
-          <a:p>
-            <a:endParaRPr/>
-          </a:p>
-        </p:txBody>
-      </p:sp>
-      <p:sp>
-        <p:nvSpPr>
-          <p:cNvPr id="31" name="Shape 31"/>
-          <p:cNvSpPr txBox="1">
-            <a:spLocks noGrp="1"/>
-          </p:cNvSpPr>
-          <p:nvPr>
-            <p:ph type="body" idx="1"/>
-          </p:nvPr>
-        </p:nvSpPr>
-        <p:spPr>
-          <a:xfrm>
-            <a:off x="311700" y="1688233"/>
-            <a:ext cx="3999899" cy="4403700"/>
-          </a:xfrm>
-          <a:prstGeom prst="rect">
-            <a:avLst/>
-          </a:prstGeom>
-        </p:spPr>
-        <p:txBody>
-          <a:bodyPr lIns="91425" tIns="91425" rIns="91425" bIns="91425" anchor="t" anchorCtr="0"/>
-          <a:lstStyle>
-            <a:lvl1pPr>
-              <a:spcBef>
-                <a:spcPts val="0"/>
-              </a:spcBef>
-              <a:buSzPct val="100000"/>
-              <a:defRPr sz="1400"/>
-            </a:lvl1pPr>
-            <a:lvl2pPr>
-              <a:spcBef>
-                <a:spcPts val="0"/>
-              </a:spcBef>
-              <a:buSzPct val="100000"/>
-              <a:defRPr sz="1200"/>
-            </a:lvl2pPr>
-            <a:lvl3pPr>
-              <a:spcBef>
-                <a:spcPts val="0"/>
-              </a:spcBef>
-              <a:buSzPct val="100000"/>
-              <a:defRPr sz="1200"/>
-            </a:lvl3pPr>
-            <a:lvl4pPr>
-              <a:spcBef>
-                <a:spcPts val="0"/>
-              </a:spcBef>
-              <a:buSzPct val="100000"/>
-              <a:defRPr sz="1200"/>
-            </a:lvl4pPr>
-            <a:lvl5pPr>
-              <a:spcBef>
-                <a:spcPts val="0"/>
-              </a:spcBef>
-              <a:buSzPct val="100000"/>
-              <a:defRPr sz="1200"/>
-            </a:lvl5pPr>
-            <a:lvl6pPr>
-              <a:spcBef>
-                <a:spcPts val="0"/>
-              </a:spcBef>
-              <a:buSzPct val="100000"/>
-              <a:defRPr sz="1200"/>
-            </a:lvl6pPr>
-            <a:lvl7pPr>
-              <a:spcBef>
-                <a:spcPts val="0"/>
-              </a:spcBef>
-              <a:buSzPct val="100000"/>
-              <a:defRPr sz="1200"/>
-            </a:lvl7pPr>
-            <a:lvl8pPr>
-              <a:spcBef>
-                <a:spcPts val="0"/>
-              </a:spcBef>
-              <a:buSzPct val="100000"/>
-              <a:defRPr sz="1200"/>
-            </a:lvl8pPr>
-            <a:lvl9pPr>
-              <a:spcBef>
-                <a:spcPts val="0"/>
-              </a:spcBef>
-              <a:buSzPct val="100000"/>
-              <a:defRPr sz="1200"/>
             </a:lvl9pPr>
           </a:lstStyle>
           <a:p>
@@ -4265,12 +4062,12 @@
             <a:spLocks noGrp="1"/>
           </p:cNvSpPr>
           <p:nvPr>
-            <p:ph type="body" idx="2"/>
+            <p:ph type="body" idx="1"/>
           </p:nvPr>
         </p:nvSpPr>
         <p:spPr>
           <a:xfrm>
-            <a:off x="4832400" y="1688233"/>
+            <a:off x="311700" y="1688233"/>
             <a:ext cx="3999899" cy="4403700"/>
           </a:xfrm>
           <a:prstGeom prst="rect">
@@ -4280,63 +4077,63 @@
         <p:txBody>
           <a:bodyPr lIns="91425" tIns="91425" rIns="91425" bIns="91425" anchor="t" anchorCtr="0"/>
           <a:lstStyle>
-            <a:lvl1pPr>
+            <a:lvl1pPr lvl="0">
               <a:spcBef>
                 <a:spcPts val="0"/>
               </a:spcBef>
               <a:buSzPct val="100000"/>
               <a:defRPr sz="1400"/>
             </a:lvl1pPr>
-            <a:lvl2pPr>
+            <a:lvl2pPr lvl="1">
               <a:spcBef>
                 <a:spcPts val="0"/>
               </a:spcBef>
               <a:buSzPct val="100000"/>
               <a:defRPr sz="1200"/>
             </a:lvl2pPr>
-            <a:lvl3pPr>
+            <a:lvl3pPr lvl="2">
               <a:spcBef>
                 <a:spcPts val="0"/>
               </a:spcBef>
               <a:buSzPct val="100000"/>
               <a:defRPr sz="1200"/>
             </a:lvl3pPr>
-            <a:lvl4pPr>
+            <a:lvl4pPr lvl="3">
               <a:spcBef>
                 <a:spcPts val="0"/>
               </a:spcBef>
               <a:buSzPct val="100000"/>
               <a:defRPr sz="1200"/>
             </a:lvl4pPr>
-            <a:lvl5pPr>
+            <a:lvl5pPr lvl="4">
               <a:spcBef>
                 <a:spcPts val="0"/>
               </a:spcBef>
               <a:buSzPct val="100000"/>
               <a:defRPr sz="1200"/>
             </a:lvl5pPr>
-            <a:lvl6pPr>
+            <a:lvl6pPr lvl="5">
               <a:spcBef>
                 <a:spcPts val="0"/>
               </a:spcBef>
               <a:buSzPct val="100000"/>
               <a:defRPr sz="1200"/>
             </a:lvl6pPr>
-            <a:lvl7pPr>
+            <a:lvl7pPr lvl="6">
               <a:spcBef>
                 <a:spcPts val="0"/>
               </a:spcBef>
               <a:buSzPct val="100000"/>
               <a:defRPr sz="1200"/>
             </a:lvl7pPr>
-            <a:lvl8pPr>
+            <a:lvl8pPr lvl="7">
               <a:spcBef>
                 <a:spcPts val="0"/>
               </a:spcBef>
               <a:buSzPct val="100000"/>
               <a:defRPr sz="1200"/>
             </a:lvl8pPr>
-            <a:lvl9pPr>
+            <a:lvl9pPr lvl="8">
               <a:spcBef>
                 <a:spcPts val="0"/>
               </a:spcBef>
@@ -4356,6 +4153,97 @@
             <a:spLocks noGrp="1"/>
           </p:cNvSpPr>
           <p:nvPr>
+            <p:ph type="body" idx="2"/>
+          </p:nvPr>
+        </p:nvSpPr>
+        <p:spPr>
+          <a:xfrm>
+            <a:off x="4832400" y="1688233"/>
+            <a:ext cx="3999899" cy="4403700"/>
+          </a:xfrm>
+          <a:prstGeom prst="rect">
+            <a:avLst/>
+          </a:prstGeom>
+        </p:spPr>
+        <p:txBody>
+          <a:bodyPr lIns="91425" tIns="91425" rIns="91425" bIns="91425" anchor="t" anchorCtr="0"/>
+          <a:lstStyle>
+            <a:lvl1pPr lvl="0">
+              <a:spcBef>
+                <a:spcPts val="0"/>
+              </a:spcBef>
+              <a:buSzPct val="100000"/>
+              <a:defRPr sz="1400"/>
+            </a:lvl1pPr>
+            <a:lvl2pPr lvl="1">
+              <a:spcBef>
+                <a:spcPts val="0"/>
+              </a:spcBef>
+              <a:buSzPct val="100000"/>
+              <a:defRPr sz="1200"/>
+            </a:lvl2pPr>
+            <a:lvl3pPr lvl="2">
+              <a:spcBef>
+                <a:spcPts val="0"/>
+              </a:spcBef>
+              <a:buSzPct val="100000"/>
+              <a:defRPr sz="1200"/>
+            </a:lvl3pPr>
+            <a:lvl4pPr lvl="3">
+              <a:spcBef>
+                <a:spcPts val="0"/>
+              </a:spcBef>
+              <a:buSzPct val="100000"/>
+              <a:defRPr sz="1200"/>
+            </a:lvl4pPr>
+            <a:lvl5pPr lvl="4">
+              <a:spcBef>
+                <a:spcPts val="0"/>
+              </a:spcBef>
+              <a:buSzPct val="100000"/>
+              <a:defRPr sz="1200"/>
+            </a:lvl5pPr>
+            <a:lvl6pPr lvl="5">
+              <a:spcBef>
+                <a:spcPts val="0"/>
+              </a:spcBef>
+              <a:buSzPct val="100000"/>
+              <a:defRPr sz="1200"/>
+            </a:lvl6pPr>
+            <a:lvl7pPr lvl="6">
+              <a:spcBef>
+                <a:spcPts val="0"/>
+              </a:spcBef>
+              <a:buSzPct val="100000"/>
+              <a:defRPr sz="1200"/>
+            </a:lvl7pPr>
+            <a:lvl8pPr lvl="7">
+              <a:spcBef>
+                <a:spcPts val="0"/>
+              </a:spcBef>
+              <a:buSzPct val="100000"/>
+              <a:defRPr sz="1200"/>
+            </a:lvl8pPr>
+            <a:lvl9pPr lvl="8">
+              <a:spcBef>
+                <a:spcPts val="0"/>
+              </a:spcBef>
+              <a:buSzPct val="100000"/>
+              <a:defRPr sz="1200"/>
+            </a:lvl9pPr>
+          </a:lstStyle>
+          <a:p>
+            <a:endParaRPr/>
+          </a:p>
+        </p:txBody>
+      </p:sp>
+      <p:sp>
+        <p:nvSpPr>
+          <p:cNvPr id="34" name="Shape 34"/>
+          <p:cNvSpPr txBox="1">
+            <a:spLocks noGrp="1"/>
+          </p:cNvSpPr>
+          <p:nvPr>
             <p:ph type="sldNum" idx="12"/>
           </p:nvPr>
         </p:nvSpPr>
@@ -4374,7 +4262,7 @@
           </a:bodyPr>
           <a:lstStyle/>
           <a:p>
-            <a:pPr>
+            <a:pPr lvl="0">
               <a:spcBef>
                 <a:spcPts val="0"/>
               </a:spcBef>
@@ -4382,7 +4270,7 @@
             </a:pPr>
             <a:fld id="{00000000-1234-1234-1234-123412341234}" type="slidenum">
               <a:rPr lang="en-US"/>
-              <a:pPr>
+              <a:pPr lvl="0">
                 <a:spcBef>
                   <a:spcPts val="0"/>
                 </a:spcBef>
@@ -4407,7 +4295,7 @@
   <p:cSld name="Title only">
     <p:spTree>
       <p:nvGrpSpPr>
-        <p:cNvPr id="1" name="Shape 34"/>
+        <p:cNvPr id="1" name="Shape 35"/>
         <p:cNvGrpSpPr/>
         <p:nvPr/>
       </p:nvGrpSpPr>
@@ -4421,7 +4309,7 @@
       </p:grpSpPr>
       <p:sp>
         <p:nvSpPr>
-          <p:cNvPr id="35" name="Shape 35"/>
+          <p:cNvPr id="36" name="Shape 36"/>
           <p:cNvSpPr txBox="1">
             <a:spLocks noGrp="1"/>
           </p:cNvSpPr>
@@ -4441,55 +4329,55 @@
         <p:txBody>
           <a:bodyPr lIns="91425" tIns="91425" rIns="91425" bIns="91425" anchor="t" anchorCtr="0"/>
           <a:lstStyle>
-            <a:lvl1pPr>
+            <a:lvl1pPr lvl="0">
               <a:spcBef>
                 <a:spcPts val="0"/>
               </a:spcBef>
               <a:defRPr/>
             </a:lvl1pPr>
-            <a:lvl2pPr>
+            <a:lvl2pPr lvl="1">
               <a:spcBef>
                 <a:spcPts val="0"/>
               </a:spcBef>
               <a:defRPr/>
             </a:lvl2pPr>
-            <a:lvl3pPr>
+            <a:lvl3pPr lvl="2">
               <a:spcBef>
                 <a:spcPts val="0"/>
               </a:spcBef>
               <a:defRPr/>
             </a:lvl3pPr>
-            <a:lvl4pPr>
+            <a:lvl4pPr lvl="3">
               <a:spcBef>
                 <a:spcPts val="0"/>
               </a:spcBef>
               <a:defRPr/>
             </a:lvl4pPr>
-            <a:lvl5pPr>
+            <a:lvl5pPr lvl="4">
               <a:spcBef>
                 <a:spcPts val="0"/>
               </a:spcBef>
               <a:defRPr/>
             </a:lvl5pPr>
-            <a:lvl6pPr>
+            <a:lvl6pPr lvl="5">
               <a:spcBef>
                 <a:spcPts val="0"/>
               </a:spcBef>
               <a:defRPr/>
             </a:lvl6pPr>
-            <a:lvl7pPr>
+            <a:lvl7pPr lvl="6">
               <a:spcBef>
                 <a:spcPts val="0"/>
               </a:spcBef>
               <a:defRPr/>
             </a:lvl7pPr>
-            <a:lvl8pPr>
+            <a:lvl8pPr lvl="7">
               <a:spcBef>
                 <a:spcPts val="0"/>
               </a:spcBef>
               <a:defRPr/>
             </a:lvl8pPr>
-            <a:lvl9pPr>
+            <a:lvl9pPr lvl="8">
               <a:spcBef>
                 <a:spcPts val="0"/>
               </a:spcBef>
@@ -4503,7 +4391,7 @@
       </p:sp>
       <p:sp>
         <p:nvSpPr>
-          <p:cNvPr id="36" name="Shape 36"/>
+          <p:cNvPr id="37" name="Shape 37"/>
           <p:cNvSpPr txBox="1">
             <a:spLocks noGrp="1"/>
           </p:cNvSpPr>
@@ -4526,7 +4414,7 @@
           </a:bodyPr>
           <a:lstStyle/>
           <a:p>
-            <a:pPr>
+            <a:pPr lvl="0">
               <a:spcBef>
                 <a:spcPts val="0"/>
               </a:spcBef>
@@ -4534,7 +4422,7 @@
             </a:pPr>
             <a:fld id="{00000000-1234-1234-1234-123412341234}" type="slidenum">
               <a:rPr lang="en-US"/>
-              <a:pPr>
+              <a:pPr lvl="0">
                 <a:spcBef>
                   <a:spcPts val="0"/>
                 </a:spcBef>
@@ -4559,7 +4447,7 @@
   <p:cSld name="One column text">
     <p:spTree>
       <p:nvGrpSpPr>
-        <p:cNvPr id="1" name="Shape 37"/>
+        <p:cNvPr id="1" name="Shape 38"/>
         <p:cNvGrpSpPr/>
         <p:nvPr/>
       </p:nvGrpSpPr>
@@ -4573,7 +4461,7 @@
       </p:grpSpPr>
       <p:sp>
         <p:nvSpPr>
-          <p:cNvPr id="38" name="Shape 38"/>
+          <p:cNvPr id="39" name="Shape 39"/>
           <p:cNvSpPr txBox="1">
             <a:spLocks noGrp="1"/>
           </p:cNvSpPr>
@@ -4593,159 +4481,68 @@
         <p:txBody>
           <a:bodyPr lIns="91425" tIns="91425" rIns="91425" bIns="91425" anchor="b" anchorCtr="0"/>
           <a:lstStyle>
-            <a:lvl1pPr>
+            <a:lvl1pPr lvl="0">
               <a:spcBef>
                 <a:spcPts val="0"/>
               </a:spcBef>
               <a:buSzPct val="100000"/>
               <a:defRPr sz="2400"/>
             </a:lvl1pPr>
-            <a:lvl2pPr>
+            <a:lvl2pPr lvl="1">
               <a:spcBef>
                 <a:spcPts val="0"/>
               </a:spcBef>
               <a:buSzPct val="100000"/>
               <a:defRPr sz="2400"/>
             </a:lvl2pPr>
-            <a:lvl3pPr>
+            <a:lvl3pPr lvl="2">
               <a:spcBef>
                 <a:spcPts val="0"/>
               </a:spcBef>
               <a:buSzPct val="100000"/>
               <a:defRPr sz="2400"/>
             </a:lvl3pPr>
-            <a:lvl4pPr>
+            <a:lvl4pPr lvl="3">
               <a:spcBef>
                 <a:spcPts val="0"/>
               </a:spcBef>
               <a:buSzPct val="100000"/>
               <a:defRPr sz="2400"/>
             </a:lvl4pPr>
-            <a:lvl5pPr>
+            <a:lvl5pPr lvl="4">
               <a:spcBef>
                 <a:spcPts val="0"/>
               </a:spcBef>
               <a:buSzPct val="100000"/>
               <a:defRPr sz="2400"/>
             </a:lvl5pPr>
-            <a:lvl6pPr>
+            <a:lvl6pPr lvl="5">
               <a:spcBef>
                 <a:spcPts val="0"/>
               </a:spcBef>
               <a:buSzPct val="100000"/>
               <a:defRPr sz="2400"/>
             </a:lvl6pPr>
-            <a:lvl7pPr>
+            <a:lvl7pPr lvl="6">
               <a:spcBef>
                 <a:spcPts val="0"/>
               </a:spcBef>
               <a:buSzPct val="100000"/>
               <a:defRPr sz="2400"/>
             </a:lvl7pPr>
-            <a:lvl8pPr>
+            <a:lvl8pPr lvl="7">
               <a:spcBef>
                 <a:spcPts val="0"/>
               </a:spcBef>
               <a:buSzPct val="100000"/>
               <a:defRPr sz="2400"/>
             </a:lvl8pPr>
-            <a:lvl9pPr>
+            <a:lvl9pPr lvl="8">
               <a:spcBef>
                 <a:spcPts val="0"/>
               </a:spcBef>
               <a:buSzPct val="100000"/>
               <a:defRPr sz="2400"/>
-            </a:lvl9pPr>
-          </a:lstStyle>
-          <a:p>
-            <a:endParaRPr/>
-          </a:p>
-        </p:txBody>
-      </p:sp>
-      <p:sp>
-        <p:nvSpPr>
-          <p:cNvPr id="39" name="Shape 39"/>
-          <p:cNvSpPr txBox="1">
-            <a:spLocks noGrp="1"/>
-          </p:cNvSpPr>
-          <p:nvPr>
-            <p:ph type="body" idx="1"/>
-          </p:nvPr>
-        </p:nvSpPr>
-        <p:spPr>
-          <a:xfrm>
-            <a:off x="311700" y="1852800"/>
-            <a:ext cx="2807999" cy="4239300"/>
-          </a:xfrm>
-          <a:prstGeom prst="rect">
-            <a:avLst/>
-          </a:prstGeom>
-        </p:spPr>
-        <p:txBody>
-          <a:bodyPr lIns="91425" tIns="91425" rIns="91425" bIns="91425" anchor="t" anchorCtr="0"/>
-          <a:lstStyle>
-            <a:lvl1pPr>
-              <a:spcBef>
-                <a:spcPts val="0"/>
-              </a:spcBef>
-              <a:buSzPct val="100000"/>
-              <a:defRPr sz="1200"/>
-            </a:lvl1pPr>
-            <a:lvl2pPr>
-              <a:spcBef>
-                <a:spcPts val="0"/>
-              </a:spcBef>
-              <a:buSzPct val="100000"/>
-              <a:defRPr sz="1200"/>
-            </a:lvl2pPr>
-            <a:lvl3pPr>
-              <a:spcBef>
-                <a:spcPts val="0"/>
-              </a:spcBef>
-              <a:buSzPct val="100000"/>
-              <a:defRPr sz="1200"/>
-            </a:lvl3pPr>
-            <a:lvl4pPr>
-              <a:spcBef>
-                <a:spcPts val="0"/>
-              </a:spcBef>
-              <a:buSzPct val="100000"/>
-              <a:defRPr sz="1200"/>
-            </a:lvl4pPr>
-            <a:lvl5pPr>
-              <a:spcBef>
-                <a:spcPts val="0"/>
-              </a:spcBef>
-              <a:buSzPct val="100000"/>
-              <a:defRPr sz="1200"/>
-            </a:lvl5pPr>
-            <a:lvl6pPr>
-              <a:spcBef>
-                <a:spcPts val="0"/>
-              </a:spcBef>
-              <a:buSzPct val="100000"/>
-              <a:defRPr sz="1200"/>
-            </a:lvl6pPr>
-            <a:lvl7pPr>
-              <a:spcBef>
-                <a:spcPts val="0"/>
-              </a:spcBef>
-              <a:buSzPct val="100000"/>
-              <a:defRPr sz="1200"/>
-            </a:lvl7pPr>
-            <a:lvl8pPr>
-              <a:spcBef>
-                <a:spcPts val="0"/>
-              </a:spcBef>
-              <a:buSzPct val="100000"/>
-              <a:defRPr sz="1200"/>
-            </a:lvl8pPr>
-            <a:lvl9pPr>
-              <a:spcBef>
-                <a:spcPts val="0"/>
-              </a:spcBef>
-              <a:buSzPct val="100000"/>
-              <a:defRPr sz="1200"/>
             </a:lvl9pPr>
           </a:lstStyle>
           <a:p>
@@ -4760,6 +4557,97 @@
             <a:spLocks noGrp="1"/>
           </p:cNvSpPr>
           <p:nvPr>
+            <p:ph type="body" idx="1"/>
+          </p:nvPr>
+        </p:nvSpPr>
+        <p:spPr>
+          <a:xfrm>
+            <a:off x="311700" y="1852800"/>
+            <a:ext cx="2807999" cy="4239300"/>
+          </a:xfrm>
+          <a:prstGeom prst="rect">
+            <a:avLst/>
+          </a:prstGeom>
+        </p:spPr>
+        <p:txBody>
+          <a:bodyPr lIns="91425" tIns="91425" rIns="91425" bIns="91425" anchor="t" anchorCtr="0"/>
+          <a:lstStyle>
+            <a:lvl1pPr lvl="0">
+              <a:spcBef>
+                <a:spcPts val="0"/>
+              </a:spcBef>
+              <a:buSzPct val="100000"/>
+              <a:defRPr sz="1200"/>
+            </a:lvl1pPr>
+            <a:lvl2pPr lvl="1">
+              <a:spcBef>
+                <a:spcPts val="0"/>
+              </a:spcBef>
+              <a:buSzPct val="100000"/>
+              <a:defRPr sz="1200"/>
+            </a:lvl2pPr>
+            <a:lvl3pPr lvl="2">
+              <a:spcBef>
+                <a:spcPts val="0"/>
+              </a:spcBef>
+              <a:buSzPct val="100000"/>
+              <a:defRPr sz="1200"/>
+            </a:lvl3pPr>
+            <a:lvl4pPr lvl="3">
+              <a:spcBef>
+                <a:spcPts val="0"/>
+              </a:spcBef>
+              <a:buSzPct val="100000"/>
+              <a:defRPr sz="1200"/>
+            </a:lvl4pPr>
+            <a:lvl5pPr lvl="4">
+              <a:spcBef>
+                <a:spcPts val="0"/>
+              </a:spcBef>
+              <a:buSzPct val="100000"/>
+              <a:defRPr sz="1200"/>
+            </a:lvl5pPr>
+            <a:lvl6pPr lvl="5">
+              <a:spcBef>
+                <a:spcPts val="0"/>
+              </a:spcBef>
+              <a:buSzPct val="100000"/>
+              <a:defRPr sz="1200"/>
+            </a:lvl6pPr>
+            <a:lvl7pPr lvl="6">
+              <a:spcBef>
+                <a:spcPts val="0"/>
+              </a:spcBef>
+              <a:buSzPct val="100000"/>
+              <a:defRPr sz="1200"/>
+            </a:lvl7pPr>
+            <a:lvl8pPr lvl="7">
+              <a:spcBef>
+                <a:spcPts val="0"/>
+              </a:spcBef>
+              <a:buSzPct val="100000"/>
+              <a:defRPr sz="1200"/>
+            </a:lvl8pPr>
+            <a:lvl9pPr lvl="8">
+              <a:spcBef>
+                <a:spcPts val="0"/>
+              </a:spcBef>
+              <a:buSzPct val="100000"/>
+              <a:defRPr sz="1200"/>
+            </a:lvl9pPr>
+          </a:lstStyle>
+          <a:p>
+            <a:endParaRPr/>
+          </a:p>
+        </p:txBody>
+      </p:sp>
+      <p:sp>
+        <p:nvSpPr>
+          <p:cNvPr id="41" name="Shape 41"/>
+          <p:cNvSpPr txBox="1">
+            <a:spLocks noGrp="1"/>
+          </p:cNvSpPr>
+          <p:nvPr>
             <p:ph type="sldNum" idx="12"/>
           </p:nvPr>
         </p:nvSpPr>
@@ -4778,7 +4666,7 @@
           </a:bodyPr>
           <a:lstStyle/>
           <a:p>
-            <a:pPr>
+            <a:pPr lvl="0">
               <a:spcBef>
                 <a:spcPts val="0"/>
               </a:spcBef>
@@ -4786,7 +4674,7 @@
             </a:pPr>
             <a:fld id="{00000000-1234-1234-1234-123412341234}" type="slidenum">
               <a:rPr lang="en-US"/>
-              <a:pPr>
+              <a:pPr lvl="0">
                 <a:spcBef>
                   <a:spcPts val="0"/>
                 </a:spcBef>
@@ -4819,7 +4707,7 @@
     </p:bg>
     <p:spTree>
       <p:nvGrpSpPr>
-        <p:cNvPr id="1" name="Shape 41"/>
+        <p:cNvPr id="1" name="Shape 42"/>
         <p:cNvGrpSpPr/>
         <p:nvPr/>
       </p:nvGrpSpPr>
@@ -4833,7 +4721,7 @@
       </p:grpSpPr>
       <p:sp>
         <p:nvSpPr>
-          <p:cNvPr id="42" name="Shape 42"/>
+          <p:cNvPr id="43" name="Shape 43"/>
           <p:cNvSpPr txBox="1">
             <a:spLocks noGrp="1"/>
           </p:cNvSpPr>
@@ -4853,7 +4741,7 @@
         <p:txBody>
           <a:bodyPr lIns="91425" tIns="91425" rIns="91425" bIns="91425" anchor="ctr" anchorCtr="0"/>
           <a:lstStyle>
-            <a:lvl1pPr>
+            <a:lvl1pPr lvl="0">
               <a:spcBef>
                 <a:spcPts val="0"/>
               </a:spcBef>
@@ -4867,7 +4755,7 @@
                 </a:solidFill>
               </a:defRPr>
             </a:lvl1pPr>
-            <a:lvl2pPr>
+            <a:lvl2pPr lvl="1">
               <a:spcBef>
                 <a:spcPts val="0"/>
               </a:spcBef>
@@ -4881,7 +4769,7 @@
                 </a:solidFill>
               </a:defRPr>
             </a:lvl2pPr>
-            <a:lvl3pPr>
+            <a:lvl3pPr lvl="2">
               <a:spcBef>
                 <a:spcPts val="0"/>
               </a:spcBef>
@@ -4895,7 +4783,7 @@
                 </a:solidFill>
               </a:defRPr>
             </a:lvl3pPr>
-            <a:lvl4pPr>
+            <a:lvl4pPr lvl="3">
               <a:spcBef>
                 <a:spcPts val="0"/>
               </a:spcBef>
@@ -4909,7 +4797,7 @@
                 </a:solidFill>
               </a:defRPr>
             </a:lvl4pPr>
-            <a:lvl5pPr>
+            <a:lvl5pPr lvl="4">
               <a:spcBef>
                 <a:spcPts val="0"/>
               </a:spcBef>
@@ -4923,7 +4811,7 @@
                 </a:solidFill>
               </a:defRPr>
             </a:lvl5pPr>
-            <a:lvl6pPr>
+            <a:lvl6pPr lvl="5">
               <a:spcBef>
                 <a:spcPts val="0"/>
               </a:spcBef>
@@ -4937,7 +4825,7 @@
                 </a:solidFill>
               </a:defRPr>
             </a:lvl6pPr>
-            <a:lvl7pPr>
+            <a:lvl7pPr lvl="6">
               <a:spcBef>
                 <a:spcPts val="0"/>
               </a:spcBef>
@@ -4951,7 +4839,7 @@
                 </a:solidFill>
               </a:defRPr>
             </a:lvl7pPr>
-            <a:lvl8pPr>
+            <a:lvl8pPr lvl="7">
               <a:spcBef>
                 <a:spcPts val="0"/>
               </a:spcBef>
@@ -4965,7 +4853,7 @@
                 </a:solidFill>
               </a:defRPr>
             </a:lvl8pPr>
-            <a:lvl9pPr>
+            <a:lvl9pPr lvl="8">
               <a:spcBef>
                 <a:spcPts val="0"/>
               </a:spcBef>
@@ -4987,7 +4875,7 @@
       </p:sp>
       <p:sp>
         <p:nvSpPr>
-          <p:cNvPr id="43" name="Shape 43"/>
+          <p:cNvPr id="44" name="Shape 44"/>
           <p:cNvSpPr txBox="1">
             <a:spLocks noGrp="1"/>
           </p:cNvSpPr>
@@ -5010,7 +4898,7 @@
           </a:bodyPr>
           <a:lstStyle/>
           <a:p>
-            <a:pPr>
+            <a:pPr lvl="0">
               <a:spcBef>
                 <a:spcPts val="0"/>
               </a:spcBef>
@@ -5018,7 +4906,7 @@
             </a:pPr>
             <a:fld id="{00000000-1234-1234-1234-123412341234}" type="slidenum">
               <a:rPr lang="en-US"/>
-              <a:pPr>
+              <a:pPr lvl="0">
                 <a:spcBef>
                   <a:spcPts val="0"/>
                 </a:spcBef>
@@ -5043,7 +4931,7 @@
   <p:cSld name="Section title and description">
     <p:spTree>
       <p:nvGrpSpPr>
-        <p:cNvPr id="1" name="Shape 44"/>
+        <p:cNvPr id="1" name="Shape 45"/>
         <p:cNvGrpSpPr/>
         <p:nvPr/>
       </p:nvGrpSpPr>
@@ -5057,7 +4945,7 @@
       </p:grpSpPr>
       <p:sp>
         <p:nvSpPr>
-          <p:cNvPr id="45" name="Shape 45"/>
+          <p:cNvPr id="46" name="Shape 46"/>
           <p:cNvSpPr/>
           <p:nvPr/>
         </p:nvSpPr>
@@ -5082,7 +4970,7 @@
           </a:bodyPr>
           <a:lstStyle/>
           <a:p>
-            <a:pPr>
+            <a:pPr lvl="0">
               <a:spcBef>
                 <a:spcPts val="0"/>
               </a:spcBef>
@@ -5094,7 +4982,7 @@
       </p:sp>
       <p:cxnSp>
         <p:nvCxnSpPr>
-          <p:cNvPr id="46" name="Shape 46"/>
+          <p:cNvPr id="47" name="Shape 47"/>
           <p:cNvCxnSpPr/>
           <p:nvPr/>
         </p:nvCxnSpPr>
@@ -5120,7 +5008,7 @@
       </p:cxnSp>
       <p:sp>
         <p:nvSpPr>
-          <p:cNvPr id="47" name="Shape 47"/>
+          <p:cNvPr id="48" name="Shape 48"/>
           <p:cNvSpPr txBox="1">
             <a:spLocks noGrp="1"/>
           </p:cNvSpPr>
@@ -5140,222 +5028,68 @@
         <p:txBody>
           <a:bodyPr lIns="91425" tIns="91425" rIns="91425" bIns="91425" anchor="b" anchorCtr="0"/>
           <a:lstStyle>
-            <a:lvl1pPr algn="ctr">
+            <a:lvl1pPr lvl="0" algn="ctr">
               <a:spcBef>
                 <a:spcPts val="0"/>
               </a:spcBef>
               <a:buSzPct val="100000"/>
               <a:defRPr sz="4200"/>
             </a:lvl1pPr>
-            <a:lvl2pPr algn="ctr">
+            <a:lvl2pPr lvl="1" algn="ctr">
               <a:spcBef>
                 <a:spcPts val="0"/>
               </a:spcBef>
               <a:buSzPct val="100000"/>
               <a:defRPr sz="4200"/>
             </a:lvl2pPr>
-            <a:lvl3pPr algn="ctr">
+            <a:lvl3pPr lvl="2" algn="ctr">
               <a:spcBef>
                 <a:spcPts val="0"/>
               </a:spcBef>
               <a:buSzPct val="100000"/>
               <a:defRPr sz="4200"/>
             </a:lvl3pPr>
-            <a:lvl4pPr algn="ctr">
+            <a:lvl4pPr lvl="3" algn="ctr">
               <a:spcBef>
                 <a:spcPts val="0"/>
               </a:spcBef>
               <a:buSzPct val="100000"/>
               <a:defRPr sz="4200"/>
             </a:lvl4pPr>
-            <a:lvl5pPr algn="ctr">
+            <a:lvl5pPr lvl="4" algn="ctr">
               <a:spcBef>
                 <a:spcPts val="0"/>
               </a:spcBef>
               <a:buSzPct val="100000"/>
               <a:defRPr sz="4200"/>
             </a:lvl5pPr>
-            <a:lvl6pPr algn="ctr">
+            <a:lvl6pPr lvl="5" algn="ctr">
               <a:spcBef>
                 <a:spcPts val="0"/>
               </a:spcBef>
               <a:buSzPct val="100000"/>
               <a:defRPr sz="4200"/>
             </a:lvl6pPr>
-            <a:lvl7pPr algn="ctr">
+            <a:lvl7pPr lvl="6" algn="ctr">
               <a:spcBef>
                 <a:spcPts val="0"/>
               </a:spcBef>
               <a:buSzPct val="100000"/>
               <a:defRPr sz="4200"/>
             </a:lvl7pPr>
-            <a:lvl8pPr algn="ctr">
+            <a:lvl8pPr lvl="7" algn="ctr">
               <a:spcBef>
                 <a:spcPts val="0"/>
               </a:spcBef>
               <a:buSzPct val="100000"/>
               <a:defRPr sz="4200"/>
             </a:lvl8pPr>
-            <a:lvl9pPr algn="ctr">
+            <a:lvl9pPr lvl="8" algn="ctr">
               <a:spcBef>
                 <a:spcPts val="0"/>
               </a:spcBef>
               <a:buSzPct val="100000"/>
               <a:defRPr sz="4200"/>
-            </a:lvl9pPr>
-          </a:lstStyle>
-          <a:p>
-            <a:endParaRPr/>
-          </a:p>
-        </p:txBody>
-      </p:sp>
-      <p:sp>
-        <p:nvSpPr>
-          <p:cNvPr id="48" name="Shape 48"/>
-          <p:cNvSpPr txBox="1">
-            <a:spLocks noGrp="1"/>
-          </p:cNvSpPr>
-          <p:nvPr>
-            <p:ph type="subTitle" idx="1"/>
-          </p:nvPr>
-        </p:nvSpPr>
-        <p:spPr>
-          <a:xfrm>
-            <a:off x="265500" y="3635833"/>
-            <a:ext cx="4045199" cy="1646700"/>
-          </a:xfrm>
-          <a:prstGeom prst="rect">
-            <a:avLst/>
-          </a:prstGeom>
-        </p:spPr>
-        <p:txBody>
-          <a:bodyPr lIns="91425" tIns="91425" rIns="91425" bIns="91425" anchor="t" anchorCtr="0"/>
-          <a:lstStyle>
-            <a:lvl1pPr algn="ctr">
-              <a:lnSpc>
-                <a:spcPct val="100000"/>
-              </a:lnSpc>
-              <a:spcBef>
-                <a:spcPts val="0"/>
-              </a:spcBef>
-              <a:spcAft>
-                <a:spcPts val="0"/>
-              </a:spcAft>
-              <a:buSzPct val="100000"/>
-              <a:buNone/>
-              <a:defRPr sz="2100"/>
-            </a:lvl1pPr>
-            <a:lvl2pPr algn="ctr">
-              <a:lnSpc>
-                <a:spcPct val="100000"/>
-              </a:lnSpc>
-              <a:spcBef>
-                <a:spcPts val="0"/>
-              </a:spcBef>
-              <a:spcAft>
-                <a:spcPts val="0"/>
-              </a:spcAft>
-              <a:buSzPct val="100000"/>
-              <a:buNone/>
-              <a:defRPr sz="2100"/>
-            </a:lvl2pPr>
-            <a:lvl3pPr algn="ctr">
-              <a:lnSpc>
-                <a:spcPct val="100000"/>
-              </a:lnSpc>
-              <a:spcBef>
-                <a:spcPts val="0"/>
-              </a:spcBef>
-              <a:spcAft>
-                <a:spcPts val="0"/>
-              </a:spcAft>
-              <a:buSzPct val="100000"/>
-              <a:buNone/>
-              <a:defRPr sz="2100"/>
-            </a:lvl3pPr>
-            <a:lvl4pPr algn="ctr">
-              <a:lnSpc>
-                <a:spcPct val="100000"/>
-              </a:lnSpc>
-              <a:spcBef>
-                <a:spcPts val="0"/>
-              </a:spcBef>
-              <a:spcAft>
-                <a:spcPts val="0"/>
-              </a:spcAft>
-              <a:buSzPct val="100000"/>
-              <a:buNone/>
-              <a:defRPr sz="2100"/>
-            </a:lvl4pPr>
-            <a:lvl5pPr algn="ctr">
-              <a:lnSpc>
-                <a:spcPct val="100000"/>
-              </a:lnSpc>
-              <a:spcBef>
-                <a:spcPts val="0"/>
-              </a:spcBef>
-              <a:spcAft>
-                <a:spcPts val="0"/>
-              </a:spcAft>
-              <a:buSzPct val="100000"/>
-              <a:buNone/>
-              <a:defRPr sz="2100"/>
-            </a:lvl5pPr>
-            <a:lvl6pPr algn="ctr">
-              <a:lnSpc>
-                <a:spcPct val="100000"/>
-              </a:lnSpc>
-              <a:spcBef>
-                <a:spcPts val="0"/>
-              </a:spcBef>
-              <a:spcAft>
-                <a:spcPts val="0"/>
-              </a:spcAft>
-              <a:buSzPct val="100000"/>
-              <a:buNone/>
-              <a:defRPr sz="2100"/>
-            </a:lvl6pPr>
-            <a:lvl7pPr algn="ctr">
-              <a:lnSpc>
-                <a:spcPct val="100000"/>
-              </a:lnSpc>
-              <a:spcBef>
-                <a:spcPts val="0"/>
-              </a:spcBef>
-              <a:spcAft>
-                <a:spcPts val="0"/>
-              </a:spcAft>
-              <a:buSzPct val="100000"/>
-              <a:buNone/>
-              <a:defRPr sz="2100"/>
-            </a:lvl7pPr>
-            <a:lvl8pPr algn="ctr">
-              <a:lnSpc>
-                <a:spcPct val="100000"/>
-              </a:lnSpc>
-              <a:spcBef>
-                <a:spcPts val="0"/>
-              </a:spcBef>
-              <a:spcAft>
-                <a:spcPts val="0"/>
-              </a:spcAft>
-              <a:buSzPct val="100000"/>
-              <a:buNone/>
-              <a:defRPr sz="2100"/>
-            </a:lvl8pPr>
-            <a:lvl9pPr algn="ctr">
-              <a:lnSpc>
-                <a:spcPct val="100000"/>
-              </a:lnSpc>
-              <a:spcBef>
-                <a:spcPts val="0"/>
-              </a:spcBef>
-              <a:spcAft>
-                <a:spcPts val="0"/>
-              </a:spcAft>
-              <a:buSzPct val="100000"/>
-              <a:buNone/>
-              <a:defRPr sz="2100"/>
             </a:lvl9pPr>
           </a:lstStyle>
           <a:p>
@@ -5370,6 +5104,160 @@
             <a:spLocks noGrp="1"/>
           </p:cNvSpPr>
           <p:nvPr>
+            <p:ph type="subTitle" idx="1"/>
+          </p:nvPr>
+        </p:nvSpPr>
+        <p:spPr>
+          <a:xfrm>
+            <a:off x="265500" y="3635833"/>
+            <a:ext cx="4045199" cy="1646700"/>
+          </a:xfrm>
+          <a:prstGeom prst="rect">
+            <a:avLst/>
+          </a:prstGeom>
+        </p:spPr>
+        <p:txBody>
+          <a:bodyPr lIns="91425" tIns="91425" rIns="91425" bIns="91425" anchor="t" anchorCtr="0"/>
+          <a:lstStyle>
+            <a:lvl1pPr lvl="0" algn="ctr">
+              <a:lnSpc>
+                <a:spcPct val="100000"/>
+              </a:lnSpc>
+              <a:spcBef>
+                <a:spcPts val="0"/>
+              </a:spcBef>
+              <a:spcAft>
+                <a:spcPts val="0"/>
+              </a:spcAft>
+              <a:buSzPct val="100000"/>
+              <a:buNone/>
+              <a:defRPr sz="2100"/>
+            </a:lvl1pPr>
+            <a:lvl2pPr lvl="1" algn="ctr">
+              <a:lnSpc>
+                <a:spcPct val="100000"/>
+              </a:lnSpc>
+              <a:spcBef>
+                <a:spcPts val="0"/>
+              </a:spcBef>
+              <a:spcAft>
+                <a:spcPts val="0"/>
+              </a:spcAft>
+              <a:buSzPct val="100000"/>
+              <a:buNone/>
+              <a:defRPr sz="2100"/>
+            </a:lvl2pPr>
+            <a:lvl3pPr lvl="2" algn="ctr">
+              <a:lnSpc>
+                <a:spcPct val="100000"/>
+              </a:lnSpc>
+              <a:spcBef>
+                <a:spcPts val="0"/>
+              </a:spcBef>
+              <a:spcAft>
+                <a:spcPts val="0"/>
+              </a:spcAft>
+              <a:buSzPct val="100000"/>
+              <a:buNone/>
+              <a:defRPr sz="2100"/>
+            </a:lvl3pPr>
+            <a:lvl4pPr lvl="3" algn="ctr">
+              <a:lnSpc>
+                <a:spcPct val="100000"/>
+              </a:lnSpc>
+              <a:spcBef>
+                <a:spcPts val="0"/>
+              </a:spcBef>
+              <a:spcAft>
+                <a:spcPts val="0"/>
+              </a:spcAft>
+              <a:buSzPct val="100000"/>
+              <a:buNone/>
+              <a:defRPr sz="2100"/>
+            </a:lvl4pPr>
+            <a:lvl5pPr lvl="4" algn="ctr">
+              <a:lnSpc>
+                <a:spcPct val="100000"/>
+              </a:lnSpc>
+              <a:spcBef>
+                <a:spcPts val="0"/>
+              </a:spcBef>
+              <a:spcAft>
+                <a:spcPts val="0"/>
+              </a:spcAft>
+              <a:buSzPct val="100000"/>
+              <a:buNone/>
+              <a:defRPr sz="2100"/>
+            </a:lvl5pPr>
+            <a:lvl6pPr lvl="5" algn="ctr">
+              <a:lnSpc>
+                <a:spcPct val="100000"/>
+              </a:lnSpc>
+              <a:spcBef>
+                <a:spcPts val="0"/>
+              </a:spcBef>
+              <a:spcAft>
+                <a:spcPts val="0"/>
+              </a:spcAft>
+              <a:buSzPct val="100000"/>
+              <a:buNone/>
+              <a:defRPr sz="2100"/>
+            </a:lvl6pPr>
+            <a:lvl7pPr lvl="6" algn="ctr">
+              <a:lnSpc>
+                <a:spcPct val="100000"/>
+              </a:lnSpc>
+              <a:spcBef>
+                <a:spcPts val="0"/>
+              </a:spcBef>
+              <a:spcAft>
+                <a:spcPts val="0"/>
+              </a:spcAft>
+              <a:buSzPct val="100000"/>
+              <a:buNone/>
+              <a:defRPr sz="2100"/>
+            </a:lvl7pPr>
+            <a:lvl8pPr lvl="7" algn="ctr">
+              <a:lnSpc>
+                <a:spcPct val="100000"/>
+              </a:lnSpc>
+              <a:spcBef>
+                <a:spcPts val="0"/>
+              </a:spcBef>
+              <a:spcAft>
+                <a:spcPts val="0"/>
+              </a:spcAft>
+              <a:buSzPct val="100000"/>
+              <a:buNone/>
+              <a:defRPr sz="2100"/>
+            </a:lvl8pPr>
+            <a:lvl9pPr lvl="8" algn="ctr">
+              <a:lnSpc>
+                <a:spcPct val="100000"/>
+              </a:lnSpc>
+              <a:spcBef>
+                <a:spcPts val="0"/>
+              </a:spcBef>
+              <a:spcAft>
+                <a:spcPts val="0"/>
+              </a:spcAft>
+              <a:buSzPct val="100000"/>
+              <a:buNone/>
+              <a:defRPr sz="2100"/>
+            </a:lvl9pPr>
+          </a:lstStyle>
+          <a:p>
+            <a:endParaRPr/>
+          </a:p>
+        </p:txBody>
+      </p:sp>
+      <p:sp>
+        <p:nvSpPr>
+          <p:cNvPr id="50" name="Shape 50"/>
+          <p:cNvSpPr txBox="1">
+            <a:spLocks noGrp="1"/>
+          </p:cNvSpPr>
+          <p:nvPr>
             <p:ph type="body" idx="2"/>
           </p:nvPr>
         </p:nvSpPr>
@@ -5385,7 +5273,7 @@
         <p:txBody>
           <a:bodyPr lIns="91425" tIns="91425" rIns="91425" bIns="91425" anchor="ctr" anchorCtr="0"/>
           <a:lstStyle>
-            <a:lvl1pPr>
+            <a:lvl1pPr lvl="0">
               <a:spcBef>
                 <a:spcPts val="0"/>
               </a:spcBef>
@@ -5398,7 +5286,7 @@
                 </a:solidFill>
               </a:defRPr>
             </a:lvl1pPr>
-            <a:lvl2pPr>
+            <a:lvl2pPr lvl="1">
               <a:spcBef>
                 <a:spcPts val="0"/>
               </a:spcBef>
@@ -5411,7 +5299,7 @@
                 </a:solidFill>
               </a:defRPr>
             </a:lvl2pPr>
-            <a:lvl3pPr>
+            <a:lvl3pPr lvl="2">
               <a:spcBef>
                 <a:spcPts val="0"/>
               </a:spcBef>
@@ -5424,7 +5312,7 @@
                 </a:solidFill>
               </a:defRPr>
             </a:lvl3pPr>
-            <a:lvl4pPr>
+            <a:lvl4pPr lvl="3">
               <a:spcBef>
                 <a:spcPts val="0"/>
               </a:spcBef>
@@ -5437,7 +5325,7 @@
                 </a:solidFill>
               </a:defRPr>
             </a:lvl4pPr>
-            <a:lvl5pPr>
+            <a:lvl5pPr lvl="4">
               <a:spcBef>
                 <a:spcPts val="0"/>
               </a:spcBef>
@@ -5450,7 +5338,7 @@
                 </a:solidFill>
               </a:defRPr>
             </a:lvl5pPr>
-            <a:lvl6pPr>
+            <a:lvl6pPr lvl="5">
               <a:spcBef>
                 <a:spcPts val="0"/>
               </a:spcBef>
@@ -5463,7 +5351,7 @@
                 </a:solidFill>
               </a:defRPr>
             </a:lvl6pPr>
-            <a:lvl7pPr>
+            <a:lvl7pPr lvl="6">
               <a:spcBef>
                 <a:spcPts val="0"/>
               </a:spcBef>
@@ -5476,7 +5364,7 @@
                 </a:solidFill>
               </a:defRPr>
             </a:lvl7pPr>
-            <a:lvl8pPr>
+            <a:lvl8pPr lvl="7">
               <a:spcBef>
                 <a:spcPts val="0"/>
               </a:spcBef>
@@ -5489,7 +5377,7 @@
                 </a:solidFill>
               </a:defRPr>
             </a:lvl8pPr>
-            <a:lvl9pPr>
+            <a:lvl9pPr lvl="8">
               <a:spcBef>
                 <a:spcPts val="0"/>
               </a:spcBef>
@@ -5510,7 +5398,7 @@
       </p:sp>
       <p:sp>
         <p:nvSpPr>
-          <p:cNvPr id="50" name="Shape 50"/>
+          <p:cNvPr id="51" name="Shape 51"/>
           <p:cNvSpPr txBox="1">
             <a:spLocks noGrp="1"/>
           </p:cNvSpPr>
@@ -5533,7 +5421,7 @@
           </a:bodyPr>
           <a:lstStyle/>
           <a:p>
-            <a:pPr>
+            <a:pPr lvl="0">
               <a:spcBef>
                 <a:spcPts val="0"/>
               </a:spcBef>
@@ -5545,7 +5433,7 @@
                   <a:schemeClr val="lt1"/>
                 </a:solidFill>
               </a:rPr>
-              <a:pPr>
+              <a:pPr lvl="0">
                 <a:spcBef>
                   <a:spcPts val="0"/>
                 </a:spcBef>
@@ -5574,7 +5462,7 @@
   <p:cSld name="Caption">
     <p:spTree>
       <p:nvGrpSpPr>
-        <p:cNvPr id="1" name="Shape 51"/>
+        <p:cNvPr id="1" name="Shape 52"/>
         <p:cNvGrpSpPr/>
         <p:nvPr/>
       </p:nvGrpSpPr>
@@ -5588,7 +5476,7 @@
       </p:grpSpPr>
       <p:sp>
         <p:nvSpPr>
-          <p:cNvPr id="52" name="Shape 52"/>
+          <p:cNvPr id="53" name="Shape 53"/>
           <p:cNvSpPr txBox="1">
             <a:spLocks noGrp="1"/>
           </p:cNvSpPr>
@@ -5608,7 +5496,7 @@
         <p:txBody>
           <a:bodyPr lIns="91425" tIns="91425" rIns="91425" bIns="91425" anchor="ctr" anchorCtr="0"/>
           <a:lstStyle>
-            <a:lvl1pPr>
+            <a:lvl1pPr lvl="0">
               <a:lnSpc>
                 <a:spcPct val="100000"/>
               </a:lnSpc>
@@ -5636,7 +5524,7 @@
       </p:sp>
       <p:sp>
         <p:nvSpPr>
-          <p:cNvPr id="53" name="Shape 53"/>
+          <p:cNvPr id="54" name="Shape 54"/>
           <p:cNvSpPr txBox="1">
             <a:spLocks noGrp="1"/>
           </p:cNvSpPr>
@@ -5659,7 +5547,7 @@
           </a:bodyPr>
           <a:lstStyle/>
           <a:p>
-            <a:pPr>
+            <a:pPr lvl="0">
               <a:spcBef>
                 <a:spcPts val="0"/>
               </a:spcBef>
@@ -5667,7 +5555,7 @@
             </a:pPr>
             <a:fld id="{00000000-1234-1234-1234-123412341234}" type="slidenum">
               <a:rPr lang="en-US"/>
-              <a:pPr>
+              <a:pPr lvl="0">
                 <a:spcBef>
                   <a:spcPts val="0"/>
                 </a:spcBef>
@@ -5700,7 +5588,7 @@
     </p:bg>
     <p:spTree>
       <p:nvGrpSpPr>
-        <p:cNvPr id="1" name="Shape 4"/>
+        <p:cNvPr id="1" name="Shape 5"/>
         <p:cNvGrpSpPr/>
         <p:nvPr/>
       </p:nvGrpSpPr>
@@ -5714,7 +5602,7 @@
       </p:grpSpPr>
       <p:sp>
         <p:nvSpPr>
-          <p:cNvPr id="5" name="Shape 5"/>
+          <p:cNvPr id="6" name="Shape 6"/>
           <p:cNvSpPr txBox="1">
             <a:spLocks noGrp="1"/>
           </p:cNvSpPr>
@@ -5738,7 +5626,7 @@
         <p:txBody>
           <a:bodyPr lIns="91425" tIns="91425" rIns="91425" bIns="91425" anchor="t" anchorCtr="0"/>
           <a:lstStyle>
-            <a:lvl1pPr>
+            <a:lvl1pPr lvl="0">
               <a:spcBef>
                 <a:spcPts val="0"/>
               </a:spcBef>
@@ -5758,7 +5646,7 @@
                 <a:sym typeface="PT Sans Narrow"/>
               </a:defRPr>
             </a:lvl1pPr>
-            <a:lvl2pPr>
+            <a:lvl2pPr lvl="1">
               <a:spcBef>
                 <a:spcPts val="0"/>
               </a:spcBef>
@@ -5778,7 +5666,7 @@
                 <a:sym typeface="PT Sans Narrow"/>
               </a:defRPr>
             </a:lvl2pPr>
-            <a:lvl3pPr>
+            <a:lvl3pPr lvl="2">
               <a:spcBef>
                 <a:spcPts val="0"/>
               </a:spcBef>
@@ -5798,7 +5686,7 @@
                 <a:sym typeface="PT Sans Narrow"/>
               </a:defRPr>
             </a:lvl3pPr>
-            <a:lvl4pPr>
+            <a:lvl4pPr lvl="3">
               <a:spcBef>
                 <a:spcPts val="0"/>
               </a:spcBef>
@@ -5818,7 +5706,7 @@
                 <a:sym typeface="PT Sans Narrow"/>
               </a:defRPr>
             </a:lvl4pPr>
-            <a:lvl5pPr>
+            <a:lvl5pPr lvl="4">
               <a:spcBef>
                 <a:spcPts val="0"/>
               </a:spcBef>
@@ -5838,7 +5726,7 @@
                 <a:sym typeface="PT Sans Narrow"/>
               </a:defRPr>
             </a:lvl5pPr>
-            <a:lvl6pPr>
+            <a:lvl6pPr lvl="5">
               <a:spcBef>
                 <a:spcPts val="0"/>
               </a:spcBef>
@@ -5858,7 +5746,7 @@
                 <a:sym typeface="PT Sans Narrow"/>
               </a:defRPr>
             </a:lvl6pPr>
-            <a:lvl7pPr>
+            <a:lvl7pPr lvl="6">
               <a:spcBef>
                 <a:spcPts val="0"/>
               </a:spcBef>
@@ -5878,7 +5766,7 @@
                 <a:sym typeface="PT Sans Narrow"/>
               </a:defRPr>
             </a:lvl7pPr>
-            <a:lvl8pPr>
+            <a:lvl8pPr lvl="7">
               <a:spcBef>
                 <a:spcPts val="0"/>
               </a:spcBef>
@@ -5898,7 +5786,7 @@
                 <a:sym typeface="PT Sans Narrow"/>
               </a:defRPr>
             </a:lvl8pPr>
-            <a:lvl9pPr>
+            <a:lvl9pPr lvl="8">
               <a:spcBef>
                 <a:spcPts val="0"/>
               </a:spcBef>
@@ -5926,7 +5814,7 @@
       </p:sp>
       <p:sp>
         <p:nvSpPr>
-          <p:cNvPr id="6" name="Shape 6"/>
+          <p:cNvPr id="7" name="Shape 7"/>
           <p:cNvSpPr txBox="1">
             <a:spLocks noGrp="1"/>
           </p:cNvSpPr>
@@ -5950,7 +5838,7 @@
         <p:txBody>
           <a:bodyPr lIns="91425" tIns="91425" rIns="91425" bIns="91425" anchor="t" anchorCtr="0"/>
           <a:lstStyle>
-            <a:lvl1pPr>
+            <a:lvl1pPr lvl="0">
               <a:lnSpc>
                 <a:spcPct val="115000"/>
               </a:lnSpc>
@@ -5975,7 +5863,7 @@
                 <a:sym typeface="Open Sans"/>
               </a:defRPr>
             </a:lvl1pPr>
-            <a:lvl2pPr>
+            <a:lvl2pPr lvl="1">
               <a:lnSpc>
                 <a:spcPct val="115000"/>
               </a:lnSpc>
@@ -5999,7 +5887,7 @@
                 <a:sym typeface="Open Sans"/>
               </a:defRPr>
             </a:lvl2pPr>
-            <a:lvl3pPr>
+            <a:lvl3pPr lvl="2">
               <a:lnSpc>
                 <a:spcPct val="115000"/>
               </a:lnSpc>
@@ -6023,7 +5911,7 @@
                 <a:sym typeface="Open Sans"/>
               </a:defRPr>
             </a:lvl3pPr>
-            <a:lvl4pPr>
+            <a:lvl4pPr lvl="3">
               <a:lnSpc>
                 <a:spcPct val="115000"/>
               </a:lnSpc>
@@ -6047,7 +5935,7 @@
                 <a:sym typeface="Open Sans"/>
               </a:defRPr>
             </a:lvl4pPr>
-            <a:lvl5pPr>
+            <a:lvl5pPr lvl="4">
               <a:lnSpc>
                 <a:spcPct val="115000"/>
               </a:lnSpc>
@@ -6071,7 +5959,7 @@
                 <a:sym typeface="Open Sans"/>
               </a:defRPr>
             </a:lvl5pPr>
-            <a:lvl6pPr>
+            <a:lvl6pPr lvl="5">
               <a:lnSpc>
                 <a:spcPct val="115000"/>
               </a:lnSpc>
@@ -6095,7 +5983,7 @@
                 <a:sym typeface="Open Sans"/>
               </a:defRPr>
             </a:lvl6pPr>
-            <a:lvl7pPr>
+            <a:lvl7pPr lvl="6">
               <a:lnSpc>
                 <a:spcPct val="115000"/>
               </a:lnSpc>
@@ -6119,7 +6007,7 @@
                 <a:sym typeface="Open Sans"/>
               </a:defRPr>
             </a:lvl7pPr>
-            <a:lvl8pPr>
+            <a:lvl8pPr lvl="7">
               <a:lnSpc>
                 <a:spcPct val="115000"/>
               </a:lnSpc>
@@ -6143,7 +6031,7 @@
                 <a:sym typeface="Open Sans"/>
               </a:defRPr>
             </a:lvl8pPr>
-            <a:lvl9pPr>
+            <a:lvl9pPr lvl="8">
               <a:lnSpc>
                 <a:spcPct val="115000"/>
               </a:lnSpc>
@@ -6175,7 +6063,7 @@
       </p:sp>
       <p:sp>
         <p:nvSpPr>
-          <p:cNvPr id="7" name="Shape 7"/>
+          <p:cNvPr id="8" name="Shape 8"/>
           <p:cNvSpPr txBox="1">
             <a:spLocks noGrp="1"/>
           </p:cNvSpPr>
@@ -6202,7 +6090,7 @@
           </a:bodyPr>
           <a:lstStyle/>
           <a:p>
-            <a:pPr algn="r">
+            <a:pPr lvl="0" algn="r">
               <a:spcBef>
                 <a:spcPts val="0"/>
               </a:spcBef>
@@ -6218,7 +6106,7 @@
                 <a:cs typeface="Open Sans"/>
                 <a:sym typeface="Open Sans"/>
               </a:rPr>
-              <a:pPr algn="r">
+              <a:pPr lvl="0" algn="r">
                 <a:spcBef>
                   <a:spcPts val="0"/>
                 </a:spcBef>
@@ -6258,7 +6146,7 @@
   <p:hf sldNum="0" hdr="0" ftr="0" dt="0"/>
   <p:txStyles>
     <p:titleStyle>
-      <a:defPPr marR="0" algn="l" rtl="0">
+      <a:defPPr marR="0" lvl="0" algn="l" rtl="0">
         <a:lnSpc>
           <a:spcPct val="100000"/>
         </a:lnSpc>
@@ -6269,7 +6157,7 @@
           <a:spcPts val="0"/>
         </a:spcAft>
       </a:defPPr>
-      <a:lvl1pPr marR="0" algn="l" rtl="0">
+      <a:lvl1pPr marR="0" lvl="0" algn="l" rtl="0">
         <a:lnSpc>
           <a:spcPct val="100000"/>
         </a:lnSpc>
@@ -6280,7 +6168,7 @@
           <a:spcPts val="0"/>
         </a:spcAft>
         <a:buNone/>
-        <a:defRPr sz="1400" b="0" i="0" u="none" strike="noStrike" cap="none" baseline="0">
+        <a:defRPr sz="1400" b="0" i="0" u="none" strike="noStrike" cap="none">
           <a:solidFill>
             <a:srgbClr val="000000"/>
           </a:solidFill>
@@ -6292,7 +6180,7 @@
       </a:lvl1pPr>
     </p:titleStyle>
     <p:bodyStyle>
-      <a:defPPr marR="0" algn="l" rtl="0">
+      <a:defPPr marR="0" lvl="0" algn="l" rtl="0">
         <a:lnSpc>
           <a:spcPct val="100000"/>
         </a:lnSpc>
@@ -6303,7 +6191,7 @@
           <a:spcPts val="0"/>
         </a:spcAft>
       </a:defPPr>
-      <a:lvl1pPr marR="0" algn="l" rtl="0">
+      <a:lvl1pPr marR="0" lvl="0" algn="l" rtl="0">
         <a:lnSpc>
           <a:spcPct val="100000"/>
         </a:lnSpc>
@@ -6314,7 +6202,7 @@
           <a:spcPts val="0"/>
         </a:spcAft>
         <a:buNone/>
-        <a:defRPr sz="1400" b="0" i="0" u="none" strike="noStrike" cap="none" baseline="0">
+        <a:defRPr sz="1400" b="0" i="0" u="none" strike="noStrike" cap="none">
           <a:solidFill>
             <a:srgbClr val="000000"/>
           </a:solidFill>
@@ -6324,7 +6212,7 @@
           <a:sym typeface="Arial"/>
         </a:defRPr>
       </a:lvl1pPr>
-      <a:lvl2pPr marR="0" algn="l" rtl="0">
+      <a:lvl2pPr marR="0" lvl="1" algn="l" rtl="0">
         <a:lnSpc>
           <a:spcPct val="100000"/>
         </a:lnSpc>
@@ -6335,7 +6223,7 @@
           <a:spcPts val="0"/>
         </a:spcAft>
         <a:buNone/>
-        <a:defRPr sz="1400" b="0" i="0" u="none" strike="noStrike" cap="none" baseline="0">
+        <a:defRPr sz="1400" b="0" i="0" u="none" strike="noStrike" cap="none">
           <a:solidFill>
             <a:srgbClr val="000000"/>
           </a:solidFill>
@@ -6345,7 +6233,7 @@
           <a:sym typeface="Arial"/>
         </a:defRPr>
       </a:lvl2pPr>
-      <a:lvl3pPr marR="0" algn="l" rtl="0">
+      <a:lvl3pPr marR="0" lvl="2" algn="l" rtl="0">
         <a:lnSpc>
           <a:spcPct val="100000"/>
         </a:lnSpc>
@@ -6356,7 +6244,7 @@
           <a:spcPts val="0"/>
         </a:spcAft>
         <a:buNone/>
-        <a:defRPr sz="1400" b="0" i="0" u="none" strike="noStrike" cap="none" baseline="0">
+        <a:defRPr sz="1400" b="0" i="0" u="none" strike="noStrike" cap="none">
           <a:solidFill>
             <a:srgbClr val="000000"/>
           </a:solidFill>
@@ -6366,7 +6254,7 @@
           <a:sym typeface="Arial"/>
         </a:defRPr>
       </a:lvl3pPr>
-      <a:lvl4pPr marR="0" algn="l" rtl="0">
+      <a:lvl4pPr marR="0" lvl="3" algn="l" rtl="0">
         <a:lnSpc>
           <a:spcPct val="100000"/>
         </a:lnSpc>
@@ -6377,7 +6265,7 @@
           <a:spcPts val="0"/>
         </a:spcAft>
         <a:buNone/>
-        <a:defRPr sz="1400" b="0" i="0" u="none" strike="noStrike" cap="none" baseline="0">
+        <a:defRPr sz="1400" b="0" i="0" u="none" strike="noStrike" cap="none">
           <a:solidFill>
             <a:srgbClr val="000000"/>
           </a:solidFill>
@@ -6387,7 +6275,7 @@
           <a:sym typeface="Arial"/>
         </a:defRPr>
       </a:lvl4pPr>
-      <a:lvl5pPr marR="0" algn="l" rtl="0">
+      <a:lvl5pPr marR="0" lvl="4" algn="l" rtl="0">
         <a:lnSpc>
           <a:spcPct val="100000"/>
         </a:lnSpc>
@@ -6398,7 +6286,7 @@
           <a:spcPts val="0"/>
         </a:spcAft>
         <a:buNone/>
-        <a:defRPr sz="1400" b="0" i="0" u="none" strike="noStrike" cap="none" baseline="0">
+        <a:defRPr sz="1400" b="0" i="0" u="none" strike="noStrike" cap="none">
           <a:solidFill>
             <a:srgbClr val="000000"/>
           </a:solidFill>
@@ -6408,7 +6296,7 @@
           <a:sym typeface="Arial"/>
         </a:defRPr>
       </a:lvl5pPr>
-      <a:lvl6pPr marR="0" algn="l" rtl="0">
+      <a:lvl6pPr marR="0" lvl="5" algn="l" rtl="0">
         <a:lnSpc>
           <a:spcPct val="100000"/>
         </a:lnSpc>
@@ -6419,7 +6307,7 @@
           <a:spcPts val="0"/>
         </a:spcAft>
         <a:buNone/>
-        <a:defRPr sz="1400" b="0" i="0" u="none" strike="noStrike" cap="none" baseline="0">
+        <a:defRPr sz="1400" b="0" i="0" u="none" strike="noStrike" cap="none">
           <a:solidFill>
             <a:srgbClr val="000000"/>
           </a:solidFill>
@@ -6429,7 +6317,7 @@
           <a:sym typeface="Arial"/>
         </a:defRPr>
       </a:lvl6pPr>
-      <a:lvl7pPr marR="0" algn="l" rtl="0">
+      <a:lvl7pPr marR="0" lvl="6" algn="l" rtl="0">
         <a:lnSpc>
           <a:spcPct val="100000"/>
         </a:lnSpc>
@@ -6440,7 +6328,7 @@
           <a:spcPts val="0"/>
         </a:spcAft>
         <a:buNone/>
-        <a:defRPr sz="1400" b="0" i="0" u="none" strike="noStrike" cap="none" baseline="0">
+        <a:defRPr sz="1400" b="0" i="0" u="none" strike="noStrike" cap="none">
           <a:solidFill>
             <a:srgbClr val="000000"/>
           </a:solidFill>
@@ -6450,7 +6338,7 @@
           <a:sym typeface="Arial"/>
         </a:defRPr>
       </a:lvl7pPr>
-      <a:lvl8pPr marR="0" algn="l" rtl="0">
+      <a:lvl8pPr marR="0" lvl="7" algn="l" rtl="0">
         <a:lnSpc>
           <a:spcPct val="100000"/>
         </a:lnSpc>
@@ -6461,7 +6349,7 @@
           <a:spcPts val="0"/>
         </a:spcAft>
         <a:buNone/>
-        <a:defRPr sz="1400" b="0" i="0" u="none" strike="noStrike" cap="none" baseline="0">
+        <a:defRPr sz="1400" b="0" i="0" u="none" strike="noStrike" cap="none">
           <a:solidFill>
             <a:srgbClr val="000000"/>
           </a:solidFill>
@@ -6471,7 +6359,7 @@
           <a:sym typeface="Arial"/>
         </a:defRPr>
       </a:lvl8pPr>
-      <a:lvl9pPr marR="0" algn="l" rtl="0">
+      <a:lvl9pPr marR="0" lvl="8" algn="l" rtl="0">
         <a:lnSpc>
           <a:spcPct val="100000"/>
         </a:lnSpc>
@@ -6482,7 +6370,7 @@
           <a:spcPts val="0"/>
         </a:spcAft>
         <a:buNone/>
-        <a:defRPr sz="1400" b="0" i="0" u="none" strike="noStrike" cap="none" baseline="0">
+        <a:defRPr sz="1400" b="0" i="0" u="none" strike="noStrike" cap="none">
           <a:solidFill>
             <a:srgbClr val="000000"/>
           </a:solidFill>
@@ -6494,7 +6382,7 @@
       </a:lvl9pPr>
     </p:bodyStyle>
     <p:otherStyle>
-      <a:defPPr marR="0" algn="l" rtl="0">
+      <a:defPPr marR="0" lvl="0" algn="l" rtl="0">
         <a:lnSpc>
           <a:spcPct val="100000"/>
         </a:lnSpc>
@@ -6505,7 +6393,7 @@
           <a:spcPts val="0"/>
         </a:spcAft>
       </a:defPPr>
-      <a:lvl1pPr marR="0" algn="l" rtl="0">
+      <a:lvl1pPr marR="0" lvl="0" algn="l" rtl="0">
         <a:lnSpc>
           <a:spcPct val="100000"/>
         </a:lnSpc>
@@ -6516,7 +6404,7 @@
           <a:spcPts val="0"/>
         </a:spcAft>
         <a:buNone/>
-        <a:defRPr sz="1400" b="0" i="0" u="none" strike="noStrike" cap="none" baseline="0">
+        <a:defRPr sz="1400" b="0" i="0" u="none" strike="noStrike" cap="none">
           <a:solidFill>
             <a:srgbClr val="000000"/>
           </a:solidFill>
@@ -6526,7 +6414,7 @@
           <a:sym typeface="Arial"/>
         </a:defRPr>
       </a:lvl1pPr>
-      <a:lvl2pPr marR="0" algn="l" rtl="0">
+      <a:lvl2pPr marR="0" lvl="1" algn="l" rtl="0">
         <a:lnSpc>
           <a:spcPct val="100000"/>
         </a:lnSpc>
@@ -6537,7 +6425,7 @@
           <a:spcPts val="0"/>
         </a:spcAft>
         <a:buNone/>
-        <a:defRPr sz="1400" b="0" i="0" u="none" strike="noStrike" cap="none" baseline="0">
+        <a:defRPr sz="1400" b="0" i="0" u="none" strike="noStrike" cap="none">
           <a:solidFill>
             <a:srgbClr val="000000"/>
           </a:solidFill>
@@ -6547,7 +6435,7 @@
           <a:sym typeface="Arial"/>
         </a:defRPr>
       </a:lvl2pPr>
-      <a:lvl3pPr marR="0" algn="l" rtl="0">
+      <a:lvl3pPr marR="0" lvl="2" algn="l" rtl="0">
         <a:lnSpc>
           <a:spcPct val="100000"/>
         </a:lnSpc>
@@ -6558,7 +6446,7 @@
           <a:spcPts val="0"/>
         </a:spcAft>
         <a:buNone/>
-        <a:defRPr sz="1400" b="0" i="0" u="none" strike="noStrike" cap="none" baseline="0">
+        <a:defRPr sz="1400" b="0" i="0" u="none" strike="noStrike" cap="none">
           <a:solidFill>
             <a:srgbClr val="000000"/>
           </a:solidFill>
@@ -6568,7 +6456,7 @@
           <a:sym typeface="Arial"/>
         </a:defRPr>
       </a:lvl3pPr>
-      <a:lvl4pPr marR="0" algn="l" rtl="0">
+      <a:lvl4pPr marR="0" lvl="3" algn="l" rtl="0">
         <a:lnSpc>
           <a:spcPct val="100000"/>
         </a:lnSpc>
@@ -6579,7 +6467,7 @@
           <a:spcPts val="0"/>
         </a:spcAft>
         <a:buNone/>
-        <a:defRPr sz="1400" b="0" i="0" u="none" strike="noStrike" cap="none" baseline="0">
+        <a:defRPr sz="1400" b="0" i="0" u="none" strike="noStrike" cap="none">
           <a:solidFill>
             <a:srgbClr val="000000"/>
           </a:solidFill>
@@ -6589,7 +6477,7 @@
           <a:sym typeface="Arial"/>
         </a:defRPr>
       </a:lvl4pPr>
-      <a:lvl5pPr marR="0" algn="l" rtl="0">
+      <a:lvl5pPr marR="0" lvl="4" algn="l" rtl="0">
         <a:lnSpc>
           <a:spcPct val="100000"/>
         </a:lnSpc>
@@ -6600,7 +6488,7 @@
           <a:spcPts val="0"/>
         </a:spcAft>
         <a:buNone/>
-        <a:defRPr sz="1400" b="0" i="0" u="none" strike="noStrike" cap="none" baseline="0">
+        <a:defRPr sz="1400" b="0" i="0" u="none" strike="noStrike" cap="none">
           <a:solidFill>
             <a:srgbClr val="000000"/>
           </a:solidFill>
@@ -6610,7 +6498,7 @@
           <a:sym typeface="Arial"/>
         </a:defRPr>
       </a:lvl5pPr>
-      <a:lvl6pPr marR="0" algn="l" rtl="0">
+      <a:lvl6pPr marR="0" lvl="5" algn="l" rtl="0">
         <a:lnSpc>
           <a:spcPct val="100000"/>
         </a:lnSpc>
@@ -6621,7 +6509,7 @@
           <a:spcPts val="0"/>
         </a:spcAft>
         <a:buNone/>
-        <a:defRPr sz="1400" b="0" i="0" u="none" strike="noStrike" cap="none" baseline="0">
+        <a:defRPr sz="1400" b="0" i="0" u="none" strike="noStrike" cap="none">
           <a:solidFill>
             <a:srgbClr val="000000"/>
           </a:solidFill>
@@ -6631,7 +6519,7 @@
           <a:sym typeface="Arial"/>
         </a:defRPr>
       </a:lvl6pPr>
-      <a:lvl7pPr marR="0" algn="l" rtl="0">
+      <a:lvl7pPr marR="0" lvl="6" algn="l" rtl="0">
         <a:lnSpc>
           <a:spcPct val="100000"/>
         </a:lnSpc>
@@ -6642,7 +6530,7 @@
           <a:spcPts val="0"/>
         </a:spcAft>
         <a:buNone/>
-        <a:defRPr sz="1400" b="0" i="0" u="none" strike="noStrike" cap="none" baseline="0">
+        <a:defRPr sz="1400" b="0" i="0" u="none" strike="noStrike" cap="none">
           <a:solidFill>
             <a:srgbClr val="000000"/>
           </a:solidFill>
@@ -6652,7 +6540,7 @@
           <a:sym typeface="Arial"/>
         </a:defRPr>
       </a:lvl7pPr>
-      <a:lvl8pPr marR="0" algn="l" rtl="0">
+      <a:lvl8pPr marR="0" lvl="7" algn="l" rtl="0">
         <a:lnSpc>
           <a:spcPct val="100000"/>
         </a:lnSpc>
@@ -6663,7 +6551,7 @@
           <a:spcPts val="0"/>
         </a:spcAft>
         <a:buNone/>
-        <a:defRPr sz="1400" b="0" i="0" u="none" strike="noStrike" cap="none" baseline="0">
+        <a:defRPr sz="1400" b="0" i="0" u="none" strike="noStrike" cap="none">
           <a:solidFill>
             <a:srgbClr val="000000"/>
           </a:solidFill>
@@ -6673,7 +6561,7 @@
           <a:sym typeface="Arial"/>
         </a:defRPr>
       </a:lvl8pPr>
-      <a:lvl9pPr marR="0" algn="l" rtl="0">
+      <a:lvl9pPr marR="0" lvl="8" algn="l" rtl="0">
         <a:lnSpc>
           <a:spcPct val="100000"/>
         </a:lnSpc>
@@ -6684,7 +6572,7 @@
           <a:spcPts val="0"/>
         </a:spcAft>
         <a:buNone/>
-        <a:defRPr sz="1400" b="0" i="0" u="none" strike="noStrike" cap="none" baseline="0">
+        <a:defRPr sz="1400" b="0" i="0" u="none" strike="noStrike" cap="none">
           <a:solidFill>
             <a:srgbClr val="000000"/>
           </a:solidFill>
@@ -6704,7 +6592,7 @@
   <p:cSld>
     <p:spTree>
       <p:nvGrpSpPr>
-        <p:cNvPr id="1" name="Shape 114"/>
+        <p:cNvPr id="1" name="Shape 115"/>
         <p:cNvGrpSpPr/>
         <p:nvPr/>
       </p:nvGrpSpPr>
@@ -6725,7 +6613,7 @@
   <p:hf sldNum="0" hdr="0" ftr="0" dt="0"/>
   <p:txStyles>
     <p:titleStyle>
-      <a:defPPr marR="0" algn="l" rtl="0">
+      <a:defPPr marR="0" lvl="0" algn="l" rtl="0">
         <a:lnSpc>
           <a:spcPct val="100000"/>
         </a:lnSpc>
@@ -6736,7 +6624,7 @@
           <a:spcPts val="0"/>
         </a:spcAft>
       </a:defPPr>
-      <a:lvl1pPr marR="0" algn="l" rtl="0">
+      <a:lvl1pPr marR="0" lvl="0" algn="l" rtl="0">
         <a:lnSpc>
           <a:spcPct val="100000"/>
         </a:lnSpc>
@@ -6747,7 +6635,7 @@
           <a:spcPts val="0"/>
         </a:spcAft>
         <a:buNone/>
-        <a:defRPr sz="1400" b="0" i="0" u="none" strike="noStrike" cap="none" baseline="0">
+        <a:defRPr sz="1400" b="0" i="0" u="none" strike="noStrike" cap="none">
           <a:solidFill>
             <a:srgbClr val="000000"/>
           </a:solidFill>
@@ -6759,7 +6647,7 @@
       </a:lvl1pPr>
     </p:titleStyle>
     <p:bodyStyle>
-      <a:defPPr marR="0" algn="l" rtl="0">
+      <a:defPPr marR="0" lvl="0" algn="l" rtl="0">
         <a:lnSpc>
           <a:spcPct val="100000"/>
         </a:lnSpc>
@@ -6770,7 +6658,7 @@
           <a:spcPts val="0"/>
         </a:spcAft>
       </a:defPPr>
-      <a:lvl1pPr marR="0" algn="l" rtl="0">
+      <a:lvl1pPr marR="0" lvl="0" algn="l" rtl="0">
         <a:lnSpc>
           <a:spcPct val="100000"/>
         </a:lnSpc>
@@ -6781,7 +6669,7 @@
           <a:spcPts val="0"/>
         </a:spcAft>
         <a:buNone/>
-        <a:defRPr sz="1400" b="0" i="0" u="none" strike="noStrike" cap="none" baseline="0">
+        <a:defRPr sz="1400" b="0" i="0" u="none" strike="noStrike" cap="none">
           <a:solidFill>
             <a:srgbClr val="000000"/>
           </a:solidFill>
@@ -6791,7 +6679,7 @@
           <a:sym typeface="Arial"/>
         </a:defRPr>
       </a:lvl1pPr>
-      <a:lvl2pPr marR="0" algn="l" rtl="0">
+      <a:lvl2pPr marR="0" lvl="1" algn="l" rtl="0">
         <a:lnSpc>
           <a:spcPct val="100000"/>
         </a:lnSpc>
@@ -6802,7 +6690,7 @@
           <a:spcPts val="0"/>
         </a:spcAft>
         <a:buNone/>
-        <a:defRPr sz="1400" b="0" i="0" u="none" strike="noStrike" cap="none" baseline="0">
+        <a:defRPr sz="1400" b="0" i="0" u="none" strike="noStrike" cap="none">
           <a:solidFill>
             <a:srgbClr val="000000"/>
           </a:solidFill>
@@ -6812,7 +6700,7 @@
           <a:sym typeface="Arial"/>
         </a:defRPr>
       </a:lvl2pPr>
-      <a:lvl3pPr marR="0" algn="l" rtl="0">
+      <a:lvl3pPr marR="0" lvl="2" algn="l" rtl="0">
         <a:lnSpc>
           <a:spcPct val="100000"/>
         </a:lnSpc>
@@ -6823,7 +6711,7 @@
           <a:spcPts val="0"/>
         </a:spcAft>
         <a:buNone/>
-        <a:defRPr sz="1400" b="0" i="0" u="none" strike="noStrike" cap="none" baseline="0">
+        <a:defRPr sz="1400" b="0" i="0" u="none" strike="noStrike" cap="none">
           <a:solidFill>
             <a:srgbClr val="000000"/>
           </a:solidFill>
@@ -6833,7 +6721,7 @@
           <a:sym typeface="Arial"/>
         </a:defRPr>
       </a:lvl3pPr>
-      <a:lvl4pPr marR="0" algn="l" rtl="0">
+      <a:lvl4pPr marR="0" lvl="3" algn="l" rtl="0">
         <a:lnSpc>
           <a:spcPct val="100000"/>
         </a:lnSpc>
@@ -6844,7 +6732,7 @@
           <a:spcPts val="0"/>
         </a:spcAft>
         <a:buNone/>
-        <a:defRPr sz="1400" b="0" i="0" u="none" strike="noStrike" cap="none" baseline="0">
+        <a:defRPr sz="1400" b="0" i="0" u="none" strike="noStrike" cap="none">
           <a:solidFill>
             <a:srgbClr val="000000"/>
           </a:solidFill>
@@ -6854,7 +6742,7 @@
           <a:sym typeface="Arial"/>
         </a:defRPr>
       </a:lvl4pPr>
-      <a:lvl5pPr marR="0" algn="l" rtl="0">
+      <a:lvl5pPr marR="0" lvl="4" algn="l" rtl="0">
         <a:lnSpc>
           <a:spcPct val="100000"/>
         </a:lnSpc>
@@ -6865,7 +6753,7 @@
           <a:spcPts val="0"/>
         </a:spcAft>
         <a:buNone/>
-        <a:defRPr sz="1400" b="0" i="0" u="none" strike="noStrike" cap="none" baseline="0">
+        <a:defRPr sz="1400" b="0" i="0" u="none" strike="noStrike" cap="none">
           <a:solidFill>
             <a:srgbClr val="000000"/>
           </a:solidFill>
@@ -6875,7 +6763,7 @@
           <a:sym typeface="Arial"/>
         </a:defRPr>
       </a:lvl5pPr>
-      <a:lvl6pPr marR="0" algn="l" rtl="0">
+      <a:lvl6pPr marR="0" lvl="5" algn="l" rtl="0">
         <a:lnSpc>
           <a:spcPct val="100000"/>
         </a:lnSpc>
@@ -6886,7 +6774,7 @@
           <a:spcPts val="0"/>
         </a:spcAft>
         <a:buNone/>
-        <a:defRPr sz="1400" b="0" i="0" u="none" strike="noStrike" cap="none" baseline="0">
+        <a:defRPr sz="1400" b="0" i="0" u="none" strike="noStrike" cap="none">
           <a:solidFill>
             <a:srgbClr val="000000"/>
           </a:solidFill>
@@ -6896,7 +6784,7 @@
           <a:sym typeface="Arial"/>
         </a:defRPr>
       </a:lvl6pPr>
-      <a:lvl7pPr marR="0" algn="l" rtl="0">
+      <a:lvl7pPr marR="0" lvl="6" algn="l" rtl="0">
         <a:lnSpc>
           <a:spcPct val="100000"/>
         </a:lnSpc>
@@ -6907,7 +6795,7 @@
           <a:spcPts val="0"/>
         </a:spcAft>
         <a:buNone/>
-        <a:defRPr sz="1400" b="0" i="0" u="none" strike="noStrike" cap="none" baseline="0">
+        <a:defRPr sz="1400" b="0" i="0" u="none" strike="noStrike" cap="none">
           <a:solidFill>
             <a:srgbClr val="000000"/>
           </a:solidFill>
@@ -6917,7 +6805,7 @@
           <a:sym typeface="Arial"/>
         </a:defRPr>
       </a:lvl7pPr>
-      <a:lvl8pPr marR="0" algn="l" rtl="0">
+      <a:lvl8pPr marR="0" lvl="7" algn="l" rtl="0">
         <a:lnSpc>
           <a:spcPct val="100000"/>
         </a:lnSpc>
@@ -6928,7 +6816,7 @@
           <a:spcPts val="0"/>
         </a:spcAft>
         <a:buNone/>
-        <a:defRPr sz="1400" b="0" i="0" u="none" strike="noStrike" cap="none" baseline="0">
+        <a:defRPr sz="1400" b="0" i="0" u="none" strike="noStrike" cap="none">
           <a:solidFill>
             <a:srgbClr val="000000"/>
           </a:solidFill>
@@ -6938,7 +6826,7 @@
           <a:sym typeface="Arial"/>
         </a:defRPr>
       </a:lvl8pPr>
-      <a:lvl9pPr marR="0" algn="l" rtl="0">
+      <a:lvl9pPr marR="0" lvl="8" algn="l" rtl="0">
         <a:lnSpc>
           <a:spcPct val="100000"/>
         </a:lnSpc>
@@ -6949,7 +6837,7 @@
           <a:spcPts val="0"/>
         </a:spcAft>
         <a:buNone/>
-        <a:defRPr sz="1400" b="0" i="0" u="none" strike="noStrike" cap="none" baseline="0">
+        <a:defRPr sz="1400" b="0" i="0" u="none" strike="noStrike" cap="none">
           <a:solidFill>
             <a:srgbClr val="000000"/>
           </a:solidFill>
@@ -6961,7 +6849,7 @@
       </a:lvl9pPr>
     </p:bodyStyle>
     <p:otherStyle>
-      <a:defPPr marR="0" algn="l" rtl="0">
+      <a:defPPr marR="0" lvl="0" algn="l" rtl="0">
         <a:lnSpc>
           <a:spcPct val="100000"/>
         </a:lnSpc>
@@ -6972,7 +6860,7 @@
           <a:spcPts val="0"/>
         </a:spcAft>
       </a:defPPr>
-      <a:lvl1pPr marR="0" algn="l" rtl="0">
+      <a:lvl1pPr marR="0" lvl="0" algn="l" rtl="0">
         <a:lnSpc>
           <a:spcPct val="100000"/>
         </a:lnSpc>
@@ -6983,7 +6871,7 @@
           <a:spcPts val="0"/>
         </a:spcAft>
         <a:buNone/>
-        <a:defRPr sz="1400" b="0" i="0" u="none" strike="noStrike" cap="none" baseline="0">
+        <a:defRPr sz="1400" b="0" i="0" u="none" strike="noStrike" cap="none">
           <a:solidFill>
             <a:srgbClr val="000000"/>
           </a:solidFill>
@@ -6993,7 +6881,7 @@
           <a:sym typeface="Arial"/>
         </a:defRPr>
       </a:lvl1pPr>
-      <a:lvl2pPr marR="0" algn="l" rtl="0">
+      <a:lvl2pPr marR="0" lvl="1" algn="l" rtl="0">
         <a:lnSpc>
           <a:spcPct val="100000"/>
         </a:lnSpc>
@@ -7004,7 +6892,7 @@
           <a:spcPts val="0"/>
         </a:spcAft>
         <a:buNone/>
-        <a:defRPr sz="1400" b="0" i="0" u="none" strike="noStrike" cap="none" baseline="0">
+        <a:defRPr sz="1400" b="0" i="0" u="none" strike="noStrike" cap="none">
           <a:solidFill>
             <a:srgbClr val="000000"/>
           </a:solidFill>
@@ -7014,7 +6902,7 @@
           <a:sym typeface="Arial"/>
         </a:defRPr>
       </a:lvl2pPr>
-      <a:lvl3pPr marR="0" algn="l" rtl="0">
+      <a:lvl3pPr marR="0" lvl="2" algn="l" rtl="0">
         <a:lnSpc>
           <a:spcPct val="100000"/>
         </a:lnSpc>
@@ -7025,7 +6913,7 @@
           <a:spcPts val="0"/>
         </a:spcAft>
         <a:buNone/>
-        <a:defRPr sz="1400" b="0" i="0" u="none" strike="noStrike" cap="none" baseline="0">
+        <a:defRPr sz="1400" b="0" i="0" u="none" strike="noStrike" cap="none">
           <a:solidFill>
             <a:srgbClr val="000000"/>
           </a:solidFill>
@@ -7035,7 +6923,7 @@
           <a:sym typeface="Arial"/>
         </a:defRPr>
       </a:lvl3pPr>
-      <a:lvl4pPr marR="0" algn="l" rtl="0">
+      <a:lvl4pPr marR="0" lvl="3" algn="l" rtl="0">
         <a:lnSpc>
           <a:spcPct val="100000"/>
         </a:lnSpc>
@@ -7046,7 +6934,7 @@
           <a:spcPts val="0"/>
         </a:spcAft>
         <a:buNone/>
-        <a:defRPr sz="1400" b="0" i="0" u="none" strike="noStrike" cap="none" baseline="0">
+        <a:defRPr sz="1400" b="0" i="0" u="none" strike="noStrike" cap="none">
           <a:solidFill>
             <a:srgbClr val="000000"/>
           </a:solidFill>
@@ -7056,7 +6944,7 @@
           <a:sym typeface="Arial"/>
         </a:defRPr>
       </a:lvl4pPr>
-      <a:lvl5pPr marR="0" algn="l" rtl="0">
+      <a:lvl5pPr marR="0" lvl="4" algn="l" rtl="0">
         <a:lnSpc>
           <a:spcPct val="100000"/>
         </a:lnSpc>
@@ -7067,7 +6955,7 @@
           <a:spcPts val="0"/>
         </a:spcAft>
         <a:buNone/>
-        <a:defRPr sz="1400" b="0" i="0" u="none" strike="noStrike" cap="none" baseline="0">
+        <a:defRPr sz="1400" b="0" i="0" u="none" strike="noStrike" cap="none">
           <a:solidFill>
             <a:srgbClr val="000000"/>
           </a:solidFill>
@@ -7077,7 +6965,7 @@
           <a:sym typeface="Arial"/>
         </a:defRPr>
       </a:lvl5pPr>
-      <a:lvl6pPr marR="0" algn="l" rtl="0">
+      <a:lvl6pPr marR="0" lvl="5" algn="l" rtl="0">
         <a:lnSpc>
           <a:spcPct val="100000"/>
         </a:lnSpc>
@@ -7088,7 +6976,7 @@
           <a:spcPts val="0"/>
         </a:spcAft>
         <a:buNone/>
-        <a:defRPr sz="1400" b="0" i="0" u="none" strike="noStrike" cap="none" baseline="0">
+        <a:defRPr sz="1400" b="0" i="0" u="none" strike="noStrike" cap="none">
           <a:solidFill>
             <a:srgbClr val="000000"/>
           </a:solidFill>
@@ -7098,7 +6986,7 @@
           <a:sym typeface="Arial"/>
         </a:defRPr>
       </a:lvl6pPr>
-      <a:lvl7pPr marR="0" algn="l" rtl="0">
+      <a:lvl7pPr marR="0" lvl="6" algn="l" rtl="0">
         <a:lnSpc>
           <a:spcPct val="100000"/>
         </a:lnSpc>
@@ -7109,7 +6997,7 @@
           <a:spcPts val="0"/>
         </a:spcAft>
         <a:buNone/>
-        <a:defRPr sz="1400" b="0" i="0" u="none" strike="noStrike" cap="none" baseline="0">
+        <a:defRPr sz="1400" b="0" i="0" u="none" strike="noStrike" cap="none">
           <a:solidFill>
             <a:srgbClr val="000000"/>
           </a:solidFill>
@@ -7119,7 +7007,7 @@
           <a:sym typeface="Arial"/>
         </a:defRPr>
       </a:lvl7pPr>
-      <a:lvl8pPr marR="0" algn="l" rtl="0">
+      <a:lvl8pPr marR="0" lvl="7" algn="l" rtl="0">
         <a:lnSpc>
           <a:spcPct val="100000"/>
         </a:lnSpc>
@@ -7130,7 +7018,7 @@
           <a:spcPts val="0"/>
         </a:spcAft>
         <a:buNone/>
-        <a:defRPr sz="1400" b="0" i="0" u="none" strike="noStrike" cap="none" baseline="0">
+        <a:defRPr sz="1400" b="0" i="0" u="none" strike="noStrike" cap="none">
           <a:solidFill>
             <a:srgbClr val="000000"/>
           </a:solidFill>
@@ -7140,7 +7028,7 @@
           <a:sym typeface="Arial"/>
         </a:defRPr>
       </a:lvl8pPr>
-      <a:lvl9pPr marR="0" algn="l" rtl="0">
+      <a:lvl9pPr marR="0" lvl="8" algn="l" rtl="0">
         <a:lnSpc>
           <a:spcPct val="100000"/>
         </a:lnSpc>
@@ -7151,7 +7039,7 @@
           <a:spcPts val="0"/>
         </a:spcAft>
         <a:buNone/>
-        <a:defRPr sz="1400" b="0" i="0" u="none" strike="noStrike" cap="none" baseline="0">
+        <a:defRPr sz="1400" b="0" i="0" u="none" strike="noStrike" cap="none">
           <a:solidFill>
             <a:srgbClr val="000000"/>
           </a:solidFill>
@@ -7171,7 +7059,7 @@
   <p:cSld>
     <p:spTree>
       <p:nvGrpSpPr>
-        <p:cNvPr id="1" name="Shape 70"/>
+        <p:cNvPr id="1" name="Shape 71"/>
         <p:cNvGrpSpPr/>
         <p:nvPr/>
       </p:nvGrpSpPr>
@@ -7185,7 +7073,7 @@
       </p:grpSpPr>
       <p:sp>
         <p:nvSpPr>
-          <p:cNvPr id="71" name="Shape 71"/>
+          <p:cNvPr id="72" name="Shape 72"/>
           <p:cNvSpPr txBox="1">
             <a:spLocks noGrp="1"/>
           </p:cNvSpPr>
@@ -7228,7 +7116,7 @@
               <a:t>SISAP - Sistema de Acompanhamento Pedagógico</a:t>
             </a:r>
             <a:r>
-              <a:rPr lang="en-US" sz="4400" b="0" i="0" u="none" strike="noStrike" cap="none" baseline="0">
+              <a:rPr lang="en-US" sz="4400" b="0" i="0" u="none" strike="noStrike" cap="none">
                 <a:solidFill>
                   <a:schemeClr val="dk1"/>
                 </a:solidFill>
@@ -7240,7 +7128,7 @@
               <a:t/>
             </a:r>
             <a:br>
-              <a:rPr lang="en-US" sz="4400" b="0" i="0" u="none" strike="noStrike" cap="none" baseline="0">
+              <a:rPr lang="en-US" sz="4400" b="0" i="0" u="none" strike="noStrike" cap="none">
                 <a:solidFill>
                   <a:schemeClr val="dk1"/>
                 </a:solidFill>
@@ -7251,7 +7139,7 @@
               </a:rPr>
             </a:br>
             <a:r>
-              <a:rPr lang="en-US" sz="3000" b="0" i="0" u="none" strike="noStrike" cap="none" baseline="0">
+              <a:rPr lang="en-US" sz="3000" b="0" i="0" u="none" strike="noStrike" cap="none">
                 <a:solidFill>
                   <a:srgbClr val="FF9900"/>
                 </a:solidFill>
@@ -7281,7 +7169,7 @@
   <p:cSld>
     <p:spTree>
       <p:nvGrpSpPr>
-        <p:cNvPr id="1" name="Shape 135"/>
+        <p:cNvPr id="1" name="Shape 136"/>
         <p:cNvGrpSpPr/>
         <p:nvPr/>
       </p:nvGrpSpPr>
@@ -7295,7 +7183,7 @@
       </p:grpSpPr>
       <p:sp>
         <p:nvSpPr>
-          <p:cNvPr id="136" name="Shape 136"/>
+          <p:cNvPr id="137" name="Shape 137"/>
           <p:cNvSpPr txBox="1">
             <a:spLocks noGrp="1"/>
           </p:cNvSpPr>
@@ -7350,7 +7238,7 @@
       </p:sp>
       <p:sp>
         <p:nvSpPr>
-          <p:cNvPr id="137" name="Shape 137"/>
+          <p:cNvPr id="138" name="Shape 138"/>
           <p:cNvSpPr/>
           <p:nvPr/>
         </p:nvSpPr>
@@ -7381,7 +7269,7 @@
           </a:bodyPr>
           <a:lstStyle/>
           <a:p>
-            <a:pPr algn="ctr">
+            <a:pPr lvl="0" algn="ctr">
               <a:spcBef>
                 <a:spcPts val="0"/>
               </a:spcBef>
@@ -7396,7 +7284,7 @@
       </p:sp>
       <p:sp>
         <p:nvSpPr>
-          <p:cNvPr id="138" name="Shape 138"/>
+          <p:cNvPr id="139" name="Shape 139"/>
           <p:cNvSpPr/>
           <p:nvPr/>
         </p:nvSpPr>
@@ -7427,7 +7315,7 @@
           </a:bodyPr>
           <a:lstStyle/>
           <a:p>
-            <a:pPr algn="ctr" rtl="0">
+            <a:pPr lvl="0" algn="ctr" rtl="0">
               <a:spcBef>
                 <a:spcPts val="0"/>
               </a:spcBef>
@@ -7442,7 +7330,7 @@
       </p:sp>
       <p:sp>
         <p:nvSpPr>
-          <p:cNvPr id="139" name="Shape 139"/>
+          <p:cNvPr id="140" name="Shape 140"/>
           <p:cNvSpPr/>
           <p:nvPr/>
         </p:nvSpPr>
@@ -7488,7 +7376,7 @@
       </p:sp>
       <p:sp>
         <p:nvSpPr>
-          <p:cNvPr id="140" name="Shape 140"/>
+          <p:cNvPr id="141" name="Shape 141"/>
           <p:cNvSpPr/>
           <p:nvPr/>
         </p:nvSpPr>
@@ -7534,10 +7422,10 @@
       </p:sp>
       <p:cxnSp>
         <p:nvCxnSpPr>
-          <p:cNvPr id="141" name="Shape 141"/>
+          <p:cNvPr id="142" name="Shape 142"/>
           <p:cNvCxnSpPr>
-            <a:stCxn id="139" idx="1"/>
-            <a:endCxn id="138" idx="3"/>
+            <a:stCxn id="140" idx="1"/>
+            <a:endCxn id="139" idx="3"/>
           </p:cNvCxnSpPr>
           <p:nvPr/>
         </p:nvCxnSpPr>
@@ -7563,10 +7451,10 @@
       </p:cxnSp>
       <p:cxnSp>
         <p:nvCxnSpPr>
-          <p:cNvPr id="142" name="Shape 142"/>
+          <p:cNvPr id="143" name="Shape 143"/>
           <p:cNvCxnSpPr>
-            <a:stCxn id="140" idx="3"/>
-            <a:endCxn id="139" idx="2"/>
+            <a:stCxn id="141" idx="3"/>
+            <a:endCxn id="140" idx="2"/>
           </p:cNvCxnSpPr>
           <p:nvPr/>
         </p:nvCxnSpPr>
@@ -7592,10 +7480,10 @@
       </p:cxnSp>
       <p:cxnSp>
         <p:nvCxnSpPr>
-          <p:cNvPr id="143" name="Shape 143"/>
+          <p:cNvPr id="144" name="Shape 144"/>
           <p:cNvCxnSpPr>
-            <a:stCxn id="140" idx="0"/>
-            <a:endCxn id="138" idx="2"/>
+            <a:stCxn id="141" idx="0"/>
+            <a:endCxn id="139" idx="2"/>
           </p:cNvCxnSpPr>
           <p:nvPr/>
         </p:nvCxnSpPr>
@@ -7621,7 +7509,7 @@
       </p:cxnSp>
       <p:cxnSp>
         <p:nvCxnSpPr>
-          <p:cNvPr id="144" name="Shape 144"/>
+          <p:cNvPr id="145" name="Shape 145"/>
           <p:cNvCxnSpPr/>
           <p:nvPr/>
         </p:nvCxnSpPr>
@@ -7647,7 +7535,7 @@
       </p:cxnSp>
       <p:cxnSp>
         <p:nvCxnSpPr>
-          <p:cNvPr id="145" name="Shape 145"/>
+          <p:cNvPr id="146" name="Shape 146"/>
           <p:cNvCxnSpPr/>
           <p:nvPr/>
         </p:nvCxnSpPr>
@@ -7673,7 +7561,7 @@
       </p:cxnSp>
       <p:cxnSp>
         <p:nvCxnSpPr>
-          <p:cNvPr id="146" name="Shape 146"/>
+          <p:cNvPr id="147" name="Shape 147"/>
           <p:cNvCxnSpPr/>
           <p:nvPr/>
         </p:nvCxnSpPr>
@@ -7699,7 +7587,7 @@
       </p:cxnSp>
       <p:sp>
         <p:nvSpPr>
-          <p:cNvPr id="147" name="Shape 147"/>
+          <p:cNvPr id="148" name="Shape 148"/>
           <p:cNvSpPr/>
           <p:nvPr/>
         </p:nvSpPr>
@@ -7730,7 +7618,7 @@
           </a:bodyPr>
           <a:lstStyle/>
           <a:p>
-            <a:pPr marL="457200" indent="0" algn="ctr" rtl="0">
+            <a:pPr marL="457200" lvl="0" indent="0" algn="ctr" rtl="0">
               <a:spcBef>
                 <a:spcPts val="0"/>
               </a:spcBef>
@@ -7739,7 +7627,7 @@
             <a:endParaRPr/>
           </a:p>
           <a:p>
-            <a:pPr marL="457200" indent="0" algn="ctr" rtl="0">
+            <a:pPr marL="457200" lvl="0" indent="0" algn="ctr" rtl="0">
               <a:spcBef>
                 <a:spcPts val="0"/>
               </a:spcBef>
@@ -7748,7 +7636,7 @@
             <a:endParaRPr/>
           </a:p>
           <a:p>
-            <a:pPr marL="457200" indent="0" algn="ctr" rtl="0">
+            <a:pPr marL="457200" lvl="0" indent="0" algn="ctr" rtl="0">
               <a:spcBef>
                 <a:spcPts val="0"/>
               </a:spcBef>
@@ -7757,7 +7645,7 @@
             <a:endParaRPr/>
           </a:p>
           <a:p>
-            <a:pPr marL="457200" indent="0" algn="ctr" rtl="0">
+            <a:pPr marL="457200" lvl="0" indent="0" algn="ctr" rtl="0">
               <a:spcBef>
                 <a:spcPts val="0"/>
               </a:spcBef>
@@ -7766,7 +7654,7 @@
             <a:endParaRPr/>
           </a:p>
           <a:p>
-            <a:pPr marL="0" indent="0" algn="ctr">
+            <a:pPr marL="0" lvl="0" indent="0" algn="ctr">
               <a:spcBef>
                 <a:spcPts val="0"/>
               </a:spcBef>
@@ -7781,7 +7669,7 @@
       </p:sp>
       <p:sp>
         <p:nvSpPr>
-          <p:cNvPr id="148" name="Shape 148"/>
+          <p:cNvPr id="149" name="Shape 149"/>
           <p:cNvSpPr/>
           <p:nvPr/>
         </p:nvSpPr>
@@ -7940,7 +7828,7 @@
       </p:sp>
       <p:sp>
         <p:nvSpPr>
-          <p:cNvPr id="149" name="Shape 149"/>
+          <p:cNvPr id="150" name="Shape 150"/>
           <p:cNvSpPr/>
           <p:nvPr/>
         </p:nvSpPr>
@@ -7971,7 +7859,7 @@
           </a:bodyPr>
           <a:lstStyle/>
           <a:p>
-            <a:pPr algn="ctr" rtl="0">
+            <a:pPr lvl="0" algn="ctr" rtl="0">
               <a:spcBef>
                 <a:spcPts val="0"/>
               </a:spcBef>
@@ -7986,10 +7874,10 @@
       </p:sp>
       <p:cxnSp>
         <p:nvCxnSpPr>
-          <p:cNvPr id="150" name="Shape 150"/>
+          <p:cNvPr id="151" name="Shape 151"/>
           <p:cNvCxnSpPr>
-            <a:stCxn id="137" idx="3"/>
-            <a:endCxn id="147" idx="1"/>
+            <a:stCxn id="138" idx="3"/>
+            <a:endCxn id="148" idx="1"/>
           </p:cNvCxnSpPr>
           <p:nvPr/>
         </p:nvCxnSpPr>
@@ -8015,7 +7903,7 @@
       </p:cxnSp>
       <p:cxnSp>
         <p:nvCxnSpPr>
-          <p:cNvPr id="151" name="Shape 151"/>
+          <p:cNvPr id="152" name="Shape 152"/>
           <p:cNvCxnSpPr/>
           <p:nvPr/>
         </p:nvCxnSpPr>
@@ -8041,9 +7929,9 @@
       </p:cxnSp>
       <p:cxnSp>
         <p:nvCxnSpPr>
-          <p:cNvPr id="152" name="Shape 152"/>
+          <p:cNvPr id="153" name="Shape 153"/>
           <p:cNvCxnSpPr>
-            <a:endCxn id="148" idx="0"/>
+            <a:endCxn id="149" idx="0"/>
           </p:cNvCxnSpPr>
           <p:nvPr/>
         </p:nvCxnSpPr>
@@ -8069,7 +7957,7 @@
       </p:cxnSp>
       <p:cxnSp>
         <p:nvCxnSpPr>
-          <p:cNvPr id="153" name="Shape 153"/>
+          <p:cNvPr id="154" name="Shape 154"/>
           <p:cNvCxnSpPr/>
           <p:nvPr/>
         </p:nvCxnSpPr>
@@ -8109,7 +7997,7 @@
   <p:cSld>
     <p:spTree>
       <p:nvGrpSpPr>
-        <p:cNvPr id="1" name="Shape 157"/>
+        <p:cNvPr id="1" name="Shape 158"/>
         <p:cNvGrpSpPr/>
         <p:nvPr/>
       </p:nvGrpSpPr>
@@ -8123,7 +8011,7 @@
       </p:grpSpPr>
       <p:sp>
         <p:nvSpPr>
-          <p:cNvPr id="158" name="Shape 158"/>
+          <p:cNvPr id="159" name="Shape 159"/>
           <p:cNvSpPr txBox="1">
             <a:spLocks noGrp="1"/>
           </p:cNvSpPr>
@@ -8178,7 +8066,7 @@
       </p:sp>
       <p:sp>
         <p:nvSpPr>
-          <p:cNvPr id="159" name="Shape 159"/>
+          <p:cNvPr id="160" name="Shape 160"/>
           <p:cNvSpPr/>
           <p:nvPr/>
         </p:nvSpPr>
@@ -8209,7 +8097,7 @@
           </a:bodyPr>
           <a:lstStyle/>
           <a:p>
-            <a:pPr algn="ctr" rtl="0">
+            <a:pPr lvl="0" algn="ctr" rtl="0">
               <a:spcBef>
                 <a:spcPts val="0"/>
               </a:spcBef>
@@ -8221,7 +8109,7 @@
             </a:r>
           </a:p>
           <a:p>
-            <a:pPr>
+            <a:pPr lvl="0">
               <a:spcBef>
                 <a:spcPts val="0"/>
               </a:spcBef>
@@ -8233,7 +8121,7 @@
       </p:sp>
       <p:sp>
         <p:nvSpPr>
-          <p:cNvPr id="160" name="Shape 160"/>
+          <p:cNvPr id="161" name="Shape 161"/>
           <p:cNvSpPr/>
           <p:nvPr/>
         </p:nvSpPr>
@@ -8264,7 +8152,7 @@
           </a:bodyPr>
           <a:lstStyle/>
           <a:p>
-            <a:pPr algn="ctr">
+            <a:pPr lvl="0" algn="ctr">
               <a:spcBef>
                 <a:spcPts val="0"/>
               </a:spcBef>
@@ -8287,7 +8175,7 @@
       </p:sp>
       <p:sp>
         <p:nvSpPr>
-          <p:cNvPr id="161" name="Shape 161"/>
+          <p:cNvPr id="162" name="Shape 162"/>
           <p:cNvSpPr/>
           <p:nvPr/>
         </p:nvSpPr>
@@ -8318,7 +8206,7 @@
           </a:bodyPr>
           <a:lstStyle/>
           <a:p>
-            <a:pPr algn="ctr" rtl="0">
+            <a:pPr lvl="0" algn="ctr" rtl="0">
               <a:spcBef>
                 <a:spcPts val="0"/>
               </a:spcBef>
@@ -8333,10 +8221,10 @@
       </p:sp>
       <p:cxnSp>
         <p:nvCxnSpPr>
-          <p:cNvPr id="162" name="Shape 162"/>
+          <p:cNvPr id="163" name="Shape 163"/>
           <p:cNvCxnSpPr>
-            <a:stCxn id="159" idx="4"/>
-            <a:endCxn id="161" idx="1"/>
+            <a:stCxn id="160" idx="4"/>
+            <a:endCxn id="162" idx="1"/>
           </p:cNvCxnSpPr>
           <p:nvPr/>
         </p:nvCxnSpPr>
@@ -8362,10 +8250,10 @@
       </p:cxnSp>
       <p:cxnSp>
         <p:nvCxnSpPr>
-          <p:cNvPr id="163" name="Shape 163"/>
+          <p:cNvPr id="164" name="Shape 164"/>
           <p:cNvCxnSpPr>
-            <a:stCxn id="161" idx="2"/>
-            <a:endCxn id="160" idx="0"/>
+            <a:stCxn id="162" idx="2"/>
+            <a:endCxn id="161" idx="0"/>
           </p:cNvCxnSpPr>
           <p:nvPr/>
         </p:nvCxnSpPr>
@@ -8391,7 +8279,7 @@
       </p:cxnSp>
       <p:sp>
         <p:nvSpPr>
-          <p:cNvPr id="164" name="Shape 164"/>
+          <p:cNvPr id="165" name="Shape 165"/>
           <p:cNvSpPr txBox="1"/>
           <p:nvPr/>
         </p:nvSpPr>
@@ -8414,7 +8302,7 @@
           </a:bodyPr>
           <a:lstStyle/>
           <a:p>
-            <a:pPr algn="ctr" rtl="0">
+            <a:pPr lvl="0" algn="ctr" rtl="0">
               <a:spcBef>
                 <a:spcPts val="0"/>
               </a:spcBef>
@@ -8426,7 +8314,7 @@
             </a:r>
           </a:p>
           <a:p>
-            <a:pPr algn="ctr" rtl="0">
+            <a:pPr lvl="0" algn="ctr" rtl="0">
               <a:spcBef>
                 <a:spcPts val="0"/>
               </a:spcBef>
@@ -8456,7 +8344,7 @@
       </p:sp>
       <p:sp>
         <p:nvSpPr>
-          <p:cNvPr id="165" name="Shape 165"/>
+          <p:cNvPr id="166" name="Shape 166"/>
           <p:cNvSpPr txBox="1"/>
           <p:nvPr/>
         </p:nvSpPr>
@@ -8512,7 +8400,7 @@
       </p:sp>
       <p:sp>
         <p:nvSpPr>
-          <p:cNvPr id="166" name="Shape 166"/>
+          <p:cNvPr id="167" name="Shape 167"/>
           <p:cNvSpPr/>
           <p:nvPr/>
         </p:nvSpPr>
@@ -8558,7 +8446,7 @@
       </p:sp>
       <p:cxnSp>
         <p:nvCxnSpPr>
-          <p:cNvPr id="167" name="Shape 167"/>
+          <p:cNvPr id="168" name="Shape 168"/>
           <p:cNvCxnSpPr/>
           <p:nvPr/>
         </p:nvCxnSpPr>
@@ -8584,7 +8472,7 @@
       </p:cxnSp>
       <p:sp>
         <p:nvSpPr>
-          <p:cNvPr id="168" name="Shape 168"/>
+          <p:cNvPr id="169" name="Shape 169"/>
           <p:cNvSpPr txBox="1"/>
           <p:nvPr/>
         </p:nvSpPr>
@@ -8640,7 +8528,7 @@
       </p:sp>
       <p:sp>
         <p:nvSpPr>
-          <p:cNvPr id="169" name="Shape 169"/>
+          <p:cNvPr id="170" name="Shape 170"/>
           <p:cNvSpPr/>
           <p:nvPr/>
         </p:nvSpPr>
@@ -8686,7 +8574,7 @@
       </p:sp>
       <p:sp>
         <p:nvSpPr>
-          <p:cNvPr id="170" name="Shape 170"/>
+          <p:cNvPr id="171" name="Shape 171"/>
           <p:cNvSpPr/>
           <p:nvPr/>
         </p:nvSpPr>
@@ -8732,10 +8620,10 @@
       </p:sp>
       <p:cxnSp>
         <p:nvCxnSpPr>
-          <p:cNvPr id="171" name="Shape 171"/>
+          <p:cNvPr id="172" name="Shape 172"/>
           <p:cNvCxnSpPr>
-            <a:stCxn id="161" idx="3"/>
-            <a:endCxn id="169" idx="1"/>
+            <a:stCxn id="162" idx="3"/>
+            <a:endCxn id="170" idx="1"/>
           </p:cNvCxnSpPr>
           <p:nvPr/>
         </p:nvCxnSpPr>
@@ -8761,10 +8649,10 @@
       </p:cxnSp>
       <p:cxnSp>
         <p:nvCxnSpPr>
-          <p:cNvPr id="172" name="Shape 172"/>
+          <p:cNvPr id="173" name="Shape 173"/>
           <p:cNvCxnSpPr>
-            <a:stCxn id="161" idx="3"/>
-            <a:endCxn id="170" idx="1"/>
+            <a:stCxn id="162" idx="3"/>
+            <a:endCxn id="171" idx="1"/>
           </p:cNvCxnSpPr>
           <p:nvPr/>
         </p:nvCxnSpPr>
@@ -8790,7 +8678,7 @@
       </p:cxnSp>
       <p:sp>
         <p:nvSpPr>
-          <p:cNvPr id="173" name="Shape 173"/>
+          <p:cNvPr id="174" name="Shape 174"/>
           <p:cNvSpPr txBox="1"/>
           <p:nvPr/>
         </p:nvSpPr>
@@ -8855,7 +8743,7 @@
       </p:sp>
       <p:sp>
         <p:nvSpPr>
-          <p:cNvPr id="174" name="Shape 174"/>
+          <p:cNvPr id="175" name="Shape 175"/>
           <p:cNvSpPr txBox="1"/>
           <p:nvPr/>
         </p:nvSpPr>
@@ -8934,7 +8822,7 @@
   <p:cSld>
     <p:spTree>
       <p:nvGrpSpPr>
-        <p:cNvPr id="1" name="Shape 178"/>
+        <p:cNvPr id="1" name="Shape 179"/>
         <p:cNvGrpSpPr/>
         <p:nvPr/>
       </p:nvGrpSpPr>
@@ -8948,7 +8836,7 @@
       </p:grpSpPr>
       <p:sp>
         <p:nvSpPr>
-          <p:cNvPr id="179" name="Shape 179"/>
+          <p:cNvPr id="180" name="Shape 180"/>
           <p:cNvSpPr txBox="1">
             <a:spLocks noGrp="1"/>
           </p:cNvSpPr>
@@ -9003,7 +8891,7 @@
       </p:sp>
       <p:sp>
         <p:nvSpPr>
-          <p:cNvPr id="180" name="Shape 180"/>
+          <p:cNvPr id="181" name="Shape 181"/>
           <p:cNvSpPr/>
           <p:nvPr/>
         </p:nvSpPr>
@@ -9034,7 +8922,7 @@
           </a:bodyPr>
           <a:lstStyle/>
           <a:p>
-            <a:pPr>
+            <a:pPr lvl="0">
               <a:spcBef>
                 <a:spcPts val="0"/>
               </a:spcBef>
@@ -9046,7 +8934,7 @@
       </p:sp>
       <p:sp>
         <p:nvSpPr>
-          <p:cNvPr id="181" name="Shape 181"/>
+          <p:cNvPr id="182" name="Shape 182"/>
           <p:cNvSpPr/>
           <p:nvPr/>
         </p:nvSpPr>
@@ -9077,7 +8965,7 @@
           </a:bodyPr>
           <a:lstStyle/>
           <a:p>
-            <a:pPr algn="ctr">
+            <a:pPr lvl="0" algn="ctr">
               <a:spcBef>
                 <a:spcPts val="0"/>
               </a:spcBef>
@@ -9092,7 +8980,7 @@
       </p:sp>
       <p:sp>
         <p:nvSpPr>
-          <p:cNvPr id="182" name="Shape 182"/>
+          <p:cNvPr id="183" name="Shape 183"/>
           <p:cNvSpPr/>
           <p:nvPr/>
         </p:nvSpPr>
@@ -9123,7 +9011,7 @@
           </a:bodyPr>
           <a:lstStyle/>
           <a:p>
-            <a:pPr algn="ctr" rtl="0">
+            <a:pPr lvl="0" algn="ctr" rtl="0">
               <a:spcBef>
                 <a:spcPts val="0"/>
               </a:spcBef>
@@ -9135,7 +9023,7 @@
             </a:r>
           </a:p>
           <a:p>
-            <a:pPr>
+            <a:pPr lvl="0">
               <a:spcBef>
                 <a:spcPts val="0"/>
               </a:spcBef>
@@ -9147,7 +9035,7 @@
       </p:sp>
       <p:cxnSp>
         <p:nvCxnSpPr>
-          <p:cNvPr id="183" name="Shape 183"/>
+          <p:cNvPr id="184" name="Shape 184"/>
           <p:cNvCxnSpPr/>
           <p:nvPr/>
         </p:nvCxnSpPr>
@@ -9173,7 +9061,7 @@
       </p:cxnSp>
       <p:cxnSp>
         <p:nvCxnSpPr>
-          <p:cNvPr id="184" name="Shape 184"/>
+          <p:cNvPr id="185" name="Shape 185"/>
           <p:cNvCxnSpPr/>
           <p:nvPr/>
         </p:nvCxnSpPr>
@@ -9199,7 +9087,7 @@
       </p:cxnSp>
       <p:sp>
         <p:nvSpPr>
-          <p:cNvPr id="185" name="Shape 185"/>
+          <p:cNvPr id="186" name="Shape 186"/>
           <p:cNvSpPr/>
           <p:nvPr/>
         </p:nvSpPr>
@@ -9230,7 +9118,7 @@
           </a:bodyPr>
           <a:lstStyle/>
           <a:p>
-            <a:pPr algn="ctr">
+            <a:pPr lvl="0" algn="ctr">
               <a:spcBef>
                 <a:spcPts val="0"/>
               </a:spcBef>
@@ -9245,7 +9133,7 @@
       </p:sp>
       <p:cxnSp>
         <p:nvCxnSpPr>
-          <p:cNvPr id="186" name="Shape 186"/>
+          <p:cNvPr id="187" name="Shape 187"/>
           <p:cNvCxnSpPr/>
           <p:nvPr/>
         </p:nvCxnSpPr>
@@ -9271,7 +9159,7 @@
       </p:cxnSp>
       <p:cxnSp>
         <p:nvCxnSpPr>
-          <p:cNvPr id="187" name="Shape 187"/>
+          <p:cNvPr id="188" name="Shape 188"/>
           <p:cNvCxnSpPr/>
           <p:nvPr/>
         </p:nvCxnSpPr>
@@ -9295,34 +9183,6 @@
           </a:ln>
         </p:spPr>
       </p:cxnSp>
-    </p:spTree>
-  </p:cSld>
-  <p:clrMapOvr>
-    <a:masterClrMapping/>
-  </p:clrMapOvr>
-  <p:transition spd="slow">
-    <p:cut/>
-  </p:transition>
-</p:sld>
-</file>
-
-<file path=ppt/slides/slide13.xml><?xml version="1.0" encoding="utf-8"?>
-<p:sld xmlns:a="http://schemas.openxmlformats.org/drawingml/2006/main" xmlns:r="http://schemas.openxmlformats.org/officeDocument/2006/relationships" xmlns:p="http://schemas.openxmlformats.org/presentationml/2006/main">
-  <p:cSld>
-    <p:spTree>
-      <p:nvGrpSpPr>
-        <p:cNvPr id="1" name="Shape 178"/>
-        <p:cNvGrpSpPr/>
-        <p:nvPr/>
-      </p:nvGrpSpPr>
-      <p:grpSpPr>
-        <a:xfrm>
-          <a:off x="0" y="0"/>
-          <a:ext cx="0" cy="0"/>
-          <a:chOff x="0" y="0"/>
-          <a:chExt cx="0" cy="0"/>
-        </a:xfrm>
-      </p:grpSpPr>
     </p:spTree>
   </p:cSld>
   <p:clrMapOvr>
@@ -9339,7 +9199,7 @@
   <p:cSld>
     <p:spTree>
       <p:nvGrpSpPr>
-        <p:cNvPr id="1" name="Shape 75"/>
+        <p:cNvPr id="1" name="Shape 76"/>
         <p:cNvGrpSpPr/>
         <p:nvPr/>
       </p:nvGrpSpPr>
@@ -9353,7 +9213,7 @@
       </p:grpSpPr>
       <p:sp>
         <p:nvSpPr>
-          <p:cNvPr id="76" name="Shape 76"/>
+          <p:cNvPr id="77" name="Shape 77"/>
           <p:cNvSpPr txBox="1">
             <a:spLocks noGrp="1"/>
           </p:cNvSpPr>
@@ -9409,7 +9269,7 @@
       </p:sp>
       <p:sp>
         <p:nvSpPr>
-          <p:cNvPr id="77" name="Shape 77"/>
+          <p:cNvPr id="78" name="Shape 78"/>
           <p:cNvSpPr txBox="1">
             <a:spLocks noGrp="1"/>
           </p:cNvSpPr>
@@ -9579,7 +9439,7 @@
   <p:cSld>
     <p:spTree>
       <p:nvGrpSpPr>
-        <p:cNvPr id="1" name="Shape 81"/>
+        <p:cNvPr id="1" name="Shape 82"/>
         <p:cNvGrpSpPr/>
         <p:nvPr/>
       </p:nvGrpSpPr>
@@ -9593,7 +9453,7 @@
       </p:grpSpPr>
       <p:sp>
         <p:nvSpPr>
-          <p:cNvPr id="82" name="Shape 82"/>
+          <p:cNvPr id="83" name="Shape 83"/>
           <p:cNvSpPr txBox="1">
             <a:spLocks noGrp="1"/>
           </p:cNvSpPr>
@@ -9616,7 +9476,7 @@
           </a:bodyPr>
           <a:lstStyle/>
           <a:p>
-            <a:pPr rtl="0">
+            <a:pPr lvl="0" rtl="0">
               <a:lnSpc>
                 <a:spcPct val="115000"/>
               </a:lnSpc>
@@ -9639,7 +9499,7 @@
             </a:endParaRPr>
           </a:p>
           <a:p>
-            <a:pPr rtl="0">
+            <a:pPr lvl="0" rtl="0">
               <a:lnSpc>
                 <a:spcPct val="115000"/>
               </a:lnSpc>
@@ -9665,7 +9525,7 @@
             </a:r>
           </a:p>
           <a:p>
-            <a:pPr>
+            <a:pPr lvl="0">
               <a:lnSpc>
                 <a:spcPct val="115000"/>
               </a:lnSpc>
@@ -9691,7 +9551,7 @@
       </p:sp>
       <p:sp>
         <p:nvSpPr>
-          <p:cNvPr id="83" name="Shape 83"/>
+          <p:cNvPr id="84" name="Shape 84"/>
           <p:cNvSpPr txBox="1">
             <a:spLocks noGrp="1"/>
           </p:cNvSpPr>
@@ -9749,7 +9609,7 @@
   <p:cSld>
     <p:spTree>
       <p:nvGrpSpPr>
-        <p:cNvPr id="1" name="Shape 87"/>
+        <p:cNvPr id="1" name="Shape 88"/>
         <p:cNvGrpSpPr/>
         <p:nvPr/>
       </p:nvGrpSpPr>
@@ -9763,7 +9623,7 @@
       </p:grpSpPr>
       <p:sp>
         <p:nvSpPr>
-          <p:cNvPr id="88" name="Shape 88"/>
+          <p:cNvPr id="89" name="Shape 89"/>
           <p:cNvSpPr txBox="1">
             <a:spLocks noGrp="1"/>
           </p:cNvSpPr>
@@ -9786,7 +9646,7 @@
           </a:bodyPr>
           <a:lstStyle/>
           <a:p>
-            <a:pPr rtl="0">
+            <a:pPr lvl="0" rtl="0">
               <a:lnSpc>
                 <a:spcPct val="115000"/>
               </a:lnSpc>
@@ -9809,7 +9669,7 @@
             </a:endParaRPr>
           </a:p>
           <a:p>
-            <a:pPr rtl="0">
+            <a:pPr lvl="0" rtl="0">
               <a:lnSpc>
                 <a:spcPct val="115000"/>
               </a:lnSpc>
@@ -9835,7 +9695,7 @@
             </a:r>
           </a:p>
           <a:p>
-            <a:pPr>
+            <a:pPr lvl="0">
               <a:spcBef>
                 <a:spcPts val="0"/>
               </a:spcBef>
@@ -9847,7 +9707,7 @@
       </p:sp>
       <p:sp>
         <p:nvSpPr>
-          <p:cNvPr id="89" name="Shape 89"/>
+          <p:cNvPr id="90" name="Shape 90"/>
           <p:cNvSpPr txBox="1">
             <a:spLocks noGrp="1"/>
           </p:cNvSpPr>
@@ -9941,7 +9801,7 @@
   <p:cSld>
     <p:spTree>
       <p:nvGrpSpPr>
-        <p:cNvPr id="1" name="Shape 93"/>
+        <p:cNvPr id="1" name="Shape 94"/>
         <p:cNvGrpSpPr/>
         <p:nvPr/>
       </p:nvGrpSpPr>
@@ -9955,7 +9815,7 @@
       </p:grpSpPr>
       <p:sp>
         <p:nvSpPr>
-          <p:cNvPr id="94" name="Shape 94"/>
+          <p:cNvPr id="95" name="Shape 95"/>
           <p:cNvSpPr txBox="1">
             <a:spLocks noGrp="1"/>
           </p:cNvSpPr>
@@ -10039,7 +9899,7 @@
       </p:sp>
       <p:sp>
         <p:nvSpPr>
-          <p:cNvPr id="95" name="Shape 95"/>
+          <p:cNvPr id="96" name="Shape 96"/>
           <p:cNvSpPr txBox="1">
             <a:spLocks noGrp="1"/>
           </p:cNvSpPr>
@@ -10097,7 +9957,7 @@
   <p:cSld>
     <p:spTree>
       <p:nvGrpSpPr>
-        <p:cNvPr id="1" name="Shape 99"/>
+        <p:cNvPr id="1" name="Shape 100"/>
         <p:cNvGrpSpPr/>
         <p:nvPr/>
       </p:nvGrpSpPr>
@@ -10111,7 +9971,7 @@
       </p:grpSpPr>
       <p:sp>
         <p:nvSpPr>
-          <p:cNvPr id="100" name="Shape 100"/>
+          <p:cNvPr id="101" name="Shape 101"/>
           <p:cNvSpPr txBox="1">
             <a:spLocks noGrp="1"/>
           </p:cNvSpPr>
@@ -10195,7 +10055,7 @@
       </p:sp>
       <p:sp>
         <p:nvSpPr>
-          <p:cNvPr id="101" name="Shape 101"/>
+          <p:cNvPr id="102" name="Shape 102"/>
           <p:cNvSpPr txBox="1">
             <a:spLocks noGrp="1"/>
           </p:cNvSpPr>
@@ -10253,7 +10113,7 @@
   <p:cSld>
     <p:spTree>
       <p:nvGrpSpPr>
-        <p:cNvPr id="1" name="Shape 105"/>
+        <p:cNvPr id="1" name="Shape 106"/>
         <p:cNvGrpSpPr/>
         <p:nvPr/>
       </p:nvGrpSpPr>
@@ -10267,7 +10127,7 @@
       </p:grpSpPr>
       <p:sp>
         <p:nvSpPr>
-          <p:cNvPr id="106" name="Shape 106"/>
+          <p:cNvPr id="107" name="Shape 107"/>
           <p:cNvSpPr txBox="1">
             <a:spLocks noGrp="1"/>
           </p:cNvSpPr>
@@ -10351,7 +10211,7 @@
       </p:sp>
       <p:sp>
         <p:nvSpPr>
-          <p:cNvPr id="107" name="Shape 107"/>
+          <p:cNvPr id="108" name="Shape 108"/>
           <p:cNvSpPr txBox="1">
             <a:spLocks noGrp="1"/>
           </p:cNvSpPr>
@@ -10374,7 +10234,7 @@
           </a:bodyPr>
           <a:lstStyle/>
           <a:p>
-            <a:pPr marL="457200" lvl="0" indent="-228600" rtl="0">
+            <a:pPr marL="457200" lvl="0" indent="-406400" rtl="0">
               <a:spcBef>
                 <a:spcPts val="0"/>
               </a:spcBef>
@@ -10393,7 +10253,7 @@
             </a:r>
           </a:p>
           <a:p>
-            <a:pPr marL="457200" lvl="0" indent="-228600" rtl="0">
+            <a:pPr marL="457200" lvl="0" indent="-406400" rtl="0">
               <a:spcBef>
                 <a:spcPts val="0"/>
               </a:spcBef>
@@ -10429,7 +10289,7 @@
   <p:cSld>
     <p:spTree>
       <p:nvGrpSpPr>
-        <p:cNvPr id="1" name="Shape 111"/>
+        <p:cNvPr id="1" name="Shape 112"/>
         <p:cNvGrpSpPr/>
         <p:nvPr/>
       </p:nvGrpSpPr>
@@ -10443,7 +10303,7 @@
       </p:grpSpPr>
       <p:sp>
         <p:nvSpPr>
-          <p:cNvPr id="112" name="Shape 112"/>
+          <p:cNvPr id="113" name="Shape 113"/>
           <p:cNvSpPr txBox="1">
             <a:spLocks noGrp="1"/>
           </p:cNvSpPr>
@@ -10527,7 +10387,7 @@
       </p:sp>
       <p:sp>
         <p:nvSpPr>
-          <p:cNvPr id="113" name="Shape 113"/>
+          <p:cNvPr id="114" name="Shape 114"/>
           <p:cNvSpPr txBox="1">
             <a:spLocks noGrp="1"/>
           </p:cNvSpPr>
@@ -10616,7 +10476,7 @@
   <p:cSld>
     <p:spTree>
       <p:nvGrpSpPr>
-        <p:cNvPr id="1" name="Shape 119"/>
+        <p:cNvPr id="1" name="Shape 120"/>
         <p:cNvGrpSpPr/>
         <p:nvPr/>
       </p:nvGrpSpPr>
@@ -10630,7 +10490,7 @@
       </p:grpSpPr>
       <p:sp>
         <p:nvSpPr>
-          <p:cNvPr id="120" name="Shape 120"/>
+          <p:cNvPr id="121" name="Shape 121"/>
           <p:cNvSpPr txBox="1">
             <a:spLocks noGrp="1"/>
           </p:cNvSpPr>
@@ -10685,7 +10545,7 @@
       </p:sp>
       <p:sp>
         <p:nvSpPr>
-          <p:cNvPr id="121" name="Shape 121"/>
+          <p:cNvPr id="122" name="Shape 122"/>
           <p:cNvSpPr/>
           <p:nvPr/>
         </p:nvSpPr>
@@ -10716,7 +10576,7 @@
           </a:bodyPr>
           <a:lstStyle/>
           <a:p>
-            <a:pPr algn="ctr">
+            <a:pPr lvl="0" algn="ctr">
               <a:spcBef>
                 <a:spcPts val="0"/>
               </a:spcBef>
@@ -10731,7 +10591,7 @@
       </p:sp>
       <p:sp>
         <p:nvSpPr>
-          <p:cNvPr id="122" name="Shape 122"/>
+          <p:cNvPr id="123" name="Shape 123"/>
           <p:cNvSpPr/>
           <p:nvPr/>
         </p:nvSpPr>
@@ -10762,7 +10622,7 @@
           </a:bodyPr>
           <a:lstStyle/>
           <a:p>
-            <a:pPr algn="ctr">
+            <a:pPr lvl="0" algn="ctr">
               <a:spcBef>
                 <a:spcPts val="0"/>
               </a:spcBef>
@@ -10777,7 +10637,7 @@
       </p:sp>
       <p:sp>
         <p:nvSpPr>
-          <p:cNvPr id="123" name="Shape 123"/>
+          <p:cNvPr id="124" name="Shape 124"/>
           <p:cNvSpPr/>
           <p:nvPr/>
         </p:nvSpPr>
@@ -10808,7 +10668,7 @@
           </a:bodyPr>
           <a:lstStyle/>
           <a:p>
-            <a:pPr algn="ctr">
+            <a:pPr lvl="0" algn="ctr">
               <a:spcBef>
                 <a:spcPts val="0"/>
               </a:spcBef>
@@ -10823,7 +10683,7 @@
       </p:sp>
       <p:cxnSp>
         <p:nvCxnSpPr>
-          <p:cNvPr id="124" name="Shape 124"/>
+          <p:cNvPr id="125" name="Shape 125"/>
           <p:cNvCxnSpPr/>
           <p:nvPr/>
         </p:nvCxnSpPr>
@@ -10849,9 +10709,9 @@
       </p:cxnSp>
       <p:cxnSp>
         <p:nvCxnSpPr>
-          <p:cNvPr id="125" name="Shape 125"/>
+          <p:cNvPr id="126" name="Shape 126"/>
           <p:cNvCxnSpPr>
-            <a:stCxn id="121" idx="1"/>
+            <a:stCxn id="122" idx="1"/>
           </p:cNvCxnSpPr>
           <p:nvPr/>
         </p:nvCxnSpPr>
@@ -10877,7 +10737,7 @@
       </p:cxnSp>
       <p:cxnSp>
         <p:nvCxnSpPr>
-          <p:cNvPr id="126" name="Shape 126"/>
+          <p:cNvPr id="127" name="Shape 127"/>
           <p:cNvCxnSpPr/>
           <p:nvPr/>
         </p:nvCxnSpPr>
@@ -10903,7 +10763,7 @@
       </p:cxnSp>
       <p:sp>
         <p:nvSpPr>
-          <p:cNvPr id="127" name="Shape 127"/>
+          <p:cNvPr id="128" name="Shape 128"/>
           <p:cNvSpPr txBox="1"/>
           <p:nvPr/>
         </p:nvSpPr>
@@ -10926,7 +10786,7 @@
           </a:bodyPr>
           <a:lstStyle/>
           <a:p>
-            <a:pPr rtl="0">
+            <a:pPr lvl="0" rtl="0">
               <a:spcBef>
                 <a:spcPts val="0"/>
               </a:spcBef>
@@ -10938,7 +10798,7 @@
             </a:r>
           </a:p>
           <a:p>
-            <a:pPr>
+            <a:pPr lvl="0">
               <a:spcBef>
                 <a:spcPts val="0"/>
               </a:spcBef>
@@ -10950,7 +10810,7 @@
       </p:sp>
       <p:sp>
         <p:nvSpPr>
-          <p:cNvPr id="128" name="Shape 128"/>
+          <p:cNvPr id="129" name="Shape 129"/>
           <p:cNvSpPr/>
           <p:nvPr/>
         </p:nvSpPr>
@@ -10981,7 +10841,7 @@
           </a:bodyPr>
           <a:lstStyle/>
           <a:p>
-            <a:pPr algn="ctr">
+            <a:pPr lvl="0" algn="ctr">
               <a:spcBef>
                 <a:spcPts val="0"/>
               </a:spcBef>
@@ -10996,7 +10856,7 @@
       </p:sp>
       <p:cxnSp>
         <p:nvCxnSpPr>
-          <p:cNvPr id="129" name="Shape 129"/>
+          <p:cNvPr id="130" name="Shape 130"/>
           <p:cNvCxnSpPr/>
           <p:nvPr/>
         </p:nvCxnSpPr>
@@ -11022,7 +10882,7 @@
       </p:cxnSp>
       <p:cxnSp>
         <p:nvCxnSpPr>
-          <p:cNvPr id="130" name="Shape 130"/>
+          <p:cNvPr id="131" name="Shape 131"/>
           <p:cNvCxnSpPr/>
           <p:nvPr/>
         </p:nvCxnSpPr>
@@ -11048,7 +10908,7 @@
       </p:cxnSp>
       <p:cxnSp>
         <p:nvCxnSpPr>
-          <p:cNvPr id="131" name="Shape 131"/>
+          <p:cNvPr id="132" name="Shape 132"/>
           <p:cNvCxnSpPr/>
           <p:nvPr/>
         </p:nvCxnSpPr>
